--- a/[데이터마이닝]_Project(mid)_20230410_임강혁.pptx
+++ b/[데이터마이닝]_Project(mid)_20230410_임강혁.pptx
@@ -5,17 +5,26 @@
     <p:sldMasterId id="2147483649" r:id="rId4"/>
   </p:sldMasterIdLst>
   <p:notesMasterIdLst>
-    <p:notesMasterId r:id="rId10"/>
+    <p:notesMasterId r:id="rId19"/>
   </p:notesMasterIdLst>
   <p:handoutMasterIdLst>
-    <p:handoutMasterId r:id="rId11"/>
+    <p:handoutMasterId r:id="rId20"/>
   </p:handoutMasterIdLst>
   <p:sldIdLst>
     <p:sldId id="449" r:id="rId5"/>
     <p:sldId id="1032" r:id="rId6"/>
     <p:sldId id="1057" r:id="rId7"/>
     <p:sldId id="1059" r:id="rId8"/>
-    <p:sldId id="1058" r:id="rId9"/>
+    <p:sldId id="1064" r:id="rId9"/>
+    <p:sldId id="1063" r:id="rId10"/>
+    <p:sldId id="1065" r:id="rId11"/>
+    <p:sldId id="1060" r:id="rId12"/>
+    <p:sldId id="1066" r:id="rId13"/>
+    <p:sldId id="1067" r:id="rId14"/>
+    <p:sldId id="1068" r:id="rId15"/>
+    <p:sldId id="1069" r:id="rId16"/>
+    <p:sldId id="1070" r:id="rId17"/>
+    <p:sldId id="1071" r:id="rId18"/>
   </p:sldIdLst>
   <p:sldSz cx="9144000" cy="6858000" type="screen4x3"/>
   <p:notesSz cx="6797675" cy="9928225"/>
@@ -153,7 +162,16 @@
             <p14:sldId id="1032"/>
             <p14:sldId id="1057"/>
             <p14:sldId id="1059"/>
-            <p14:sldId id="1058"/>
+            <p14:sldId id="1064"/>
+            <p14:sldId id="1063"/>
+            <p14:sldId id="1065"/>
+            <p14:sldId id="1060"/>
+            <p14:sldId id="1066"/>
+            <p14:sldId id="1067"/>
+            <p14:sldId id="1068"/>
+            <p14:sldId id="1069"/>
+            <p14:sldId id="1070"/>
+            <p14:sldId id="1071"/>
           </p14:sldIdLst>
         </p14:section>
       </p14:sectionLst>
@@ -3760,6 +3778,3047 @@
     <a:masterClrMapping/>
   </p:clrMapOvr>
   <p:transition advTm="83532"/>
+</p:sld>
+</file>
+
+<file path=ppt/slides/slide10.xml><?xml version="1.0" encoding="utf-8"?>
+<p:sld xmlns:a="http://schemas.openxmlformats.org/drawingml/2006/main" xmlns:r="http://schemas.openxmlformats.org/officeDocument/2006/relationships" xmlns:p="http://schemas.openxmlformats.org/presentationml/2006/main">
+  <p:cSld>
+    <p:spTree>
+      <p:nvGrpSpPr>
+        <p:cNvPr id="1" name=""/>
+        <p:cNvGrpSpPr/>
+        <p:nvPr/>
+      </p:nvGrpSpPr>
+      <p:grpSpPr>
+        <a:xfrm>
+          <a:off x="0" y="0"/>
+          <a:ext cx="0" cy="0"/>
+          <a:chOff x="0" y="0"/>
+          <a:chExt cx="0" cy="0"/>
+        </a:xfrm>
+      </p:grpSpPr>
+      <p:pic>
+        <p:nvPicPr>
+          <p:cNvPr id="4" name="그림 3">
+            <a:extLst>
+              <a:ext uri="{FF2B5EF4-FFF2-40B4-BE49-F238E27FC236}">
+                <a16:creationId xmlns:a16="http://schemas.microsoft.com/office/drawing/2014/main" id="{13C012C2-57CE-41AD-A12A-571D9CE8AAFD}"/>
+              </a:ext>
+            </a:extLst>
+          </p:cNvPr>
+          <p:cNvPicPr>
+            <a:picLocks noChangeAspect="1"/>
+          </p:cNvPicPr>
+          <p:nvPr/>
+        </p:nvPicPr>
+        <p:blipFill rotWithShape="1">
+          <a:blip r:embed="rId2"/>
+          <a:srcRect t="51969" b="40163"/>
+          <a:stretch/>
+        </p:blipFill>
+        <p:spPr>
+          <a:xfrm>
+            <a:off x="0" y="458967"/>
+            <a:ext cx="9144000" cy="360004"/>
+          </a:xfrm>
+          <a:prstGeom prst="rect">
+            <a:avLst/>
+          </a:prstGeom>
+        </p:spPr>
+      </p:pic>
+      <p:pic>
+        <p:nvPicPr>
+          <p:cNvPr id="6" name="그림 5">
+            <a:extLst>
+              <a:ext uri="{FF2B5EF4-FFF2-40B4-BE49-F238E27FC236}">
+                <a16:creationId xmlns:a16="http://schemas.microsoft.com/office/drawing/2014/main" id="{04CE6195-ACE7-47D2-85CB-AC0348659148}"/>
+              </a:ext>
+            </a:extLst>
+          </p:cNvPr>
+          <p:cNvPicPr>
+            <a:picLocks noChangeAspect="1"/>
+          </p:cNvPicPr>
+          <p:nvPr/>
+        </p:nvPicPr>
+        <p:blipFill>
+          <a:blip r:embed="rId3"/>
+          <a:stretch>
+            <a:fillRect/>
+          </a:stretch>
+        </p:blipFill>
+        <p:spPr>
+          <a:xfrm>
+            <a:off x="0" y="1448978"/>
+            <a:ext cx="9144000" cy="3440739"/>
+          </a:xfrm>
+          <a:prstGeom prst="rect">
+            <a:avLst/>
+          </a:prstGeom>
+        </p:spPr>
+      </p:pic>
+      <p:sp>
+        <p:nvSpPr>
+          <p:cNvPr id="7" name="사각형: 둥근 모서리 6">
+            <a:extLst>
+              <a:ext uri="{FF2B5EF4-FFF2-40B4-BE49-F238E27FC236}">
+                <a16:creationId xmlns:a16="http://schemas.microsoft.com/office/drawing/2014/main" id="{17C3E043-F5F6-478F-BF9E-7044D4AD773F}"/>
+              </a:ext>
+            </a:extLst>
+          </p:cNvPr>
+          <p:cNvSpPr/>
+          <p:nvPr/>
+        </p:nvSpPr>
+        <p:spPr bwMode="auto">
+          <a:xfrm>
+            <a:off x="2861981" y="3068996"/>
+            <a:ext cx="5940066" cy="1820721"/>
+          </a:xfrm>
+          <a:prstGeom prst="roundRect">
+            <a:avLst/>
+          </a:prstGeom>
+          <a:ln>
+            <a:headEnd type="none" w="med" len="med"/>
+            <a:tailEnd type="none" w="med" len="med"/>
+          </a:ln>
+          <a:extLst>
+            <a:ext uri="{AF507438-7753-43E0-B8FC-AC1667EBCBE1}">
+              <a14:hiddenEffects xmlns:a14="http://schemas.microsoft.com/office/drawing/2010/main">
+                <a:effectLst>
+                  <a:outerShdw dist="35921" dir="2700000" algn="ctr" rotWithShape="0">
+                    <a:schemeClr val="bg2"/>
+                  </a:outerShdw>
+                </a:effectLst>
+              </a14:hiddenEffects>
+            </a:ext>
+          </a:extLst>
+        </p:spPr>
+        <p:style>
+          <a:lnRef idx="2">
+            <a:schemeClr val="dk1"/>
+          </a:lnRef>
+          <a:fillRef idx="1">
+            <a:schemeClr val="lt1"/>
+          </a:fillRef>
+          <a:effectRef idx="0">
+            <a:schemeClr val="dk1"/>
+          </a:effectRef>
+          <a:fontRef idx="minor">
+            <a:schemeClr val="dk1"/>
+          </a:fontRef>
+        </p:style>
+        <p:txBody>
+          <a:bodyPr rot="0" spcFirstLastPara="0" vertOverflow="overflow" horzOverflow="overflow" vert="horz" wrap="none" lIns="91440" tIns="45720" rIns="91440" bIns="45720" numCol="1" spcCol="0" rtlCol="0" fromWordArt="0" anchor="ctr" anchorCtr="0" forceAA="0" compatLnSpc="1">
+            <a:prstTxWarp prst="textNoShape">
+              <a:avLst/>
+            </a:prstTxWarp>
+            <a:noAutofit/>
+          </a:bodyPr>
+          <a:lstStyle/>
+          <a:p>
+            <a:pPr marL="0" marR="0" indent="0" algn="ctr" defTabSz="914400" rtl="0" eaLnBrk="1" fontAlgn="base" latinLnBrk="0" hangingPunct="1">
+              <a:lnSpc>
+                <a:spcPct val="100000"/>
+              </a:lnSpc>
+              <a:spcBef>
+                <a:spcPct val="0"/>
+              </a:spcBef>
+              <a:spcAft>
+                <a:spcPct val="0"/>
+              </a:spcAft>
+              <a:buClrTx/>
+              <a:buSzTx/>
+              <a:buFontTx/>
+              <a:buNone/>
+              <a:tabLst/>
+            </a:pPr>
+            <a:r>
+              <a:rPr kumimoji="0" lang="ko-KR" altLang="en-US" sz="1800" b="1" i="0" u="none" strike="noStrike" spc="50" normalizeH="0" baseline="0" dirty="0">
+                <a:ln w="9525" cmpd="sng">
+                  <a:noFill/>
+                  <a:prstDash val="solid"/>
+                </a:ln>
+                <a:solidFill>
+                  <a:schemeClr val="tx1">
+                    <a:lumMod val="75000"/>
+                    <a:lumOff val="25000"/>
+                  </a:schemeClr>
+                </a:solidFill>
+                <a:effectLst/>
+                <a:latin typeface="Arial" charset="0"/>
+              </a:rPr>
+              <a:t>거주지 주소가 아니면서</a:t>
+            </a:r>
+            <a:r>
+              <a:rPr kumimoji="0" lang="en-US" altLang="ko-KR" sz="1800" b="1" i="0" u="none" strike="noStrike" spc="50" normalizeH="0" baseline="0" dirty="0">
+                <a:ln w="9525" cmpd="sng">
+                  <a:noFill/>
+                  <a:prstDash val="solid"/>
+                </a:ln>
+                <a:solidFill>
+                  <a:schemeClr val="tx1">
+                    <a:lumMod val="75000"/>
+                    <a:lumOff val="25000"/>
+                  </a:schemeClr>
+                </a:solidFill>
+                <a:effectLst/>
+                <a:latin typeface="Arial" charset="0"/>
+              </a:rPr>
+              <a:t>, </a:t>
+            </a:r>
+            <a:r>
+              <a:rPr kumimoji="0" lang="ko-KR" altLang="en-US" sz="1800" b="1" i="0" u="none" strike="noStrike" spc="50" normalizeH="0" baseline="0" dirty="0">
+                <a:ln w="9525" cmpd="sng">
+                  <a:noFill/>
+                  <a:prstDash val="solid"/>
+                </a:ln>
+                <a:solidFill>
+                  <a:schemeClr val="tx1">
+                    <a:lumMod val="75000"/>
+                    <a:lumOff val="25000"/>
+                  </a:schemeClr>
+                </a:solidFill>
+                <a:effectLst/>
+                <a:latin typeface="Arial" charset="0"/>
+              </a:rPr>
+              <a:t>인터넷 주문 경험이 있고</a:t>
+            </a:r>
+            <a:r>
+              <a:rPr kumimoji="0" lang="en-US" altLang="ko-KR" sz="1800" b="1" i="0" u="none" strike="noStrike" spc="50" normalizeH="0" baseline="0" dirty="0">
+                <a:ln w="9525" cmpd="sng">
+                  <a:noFill/>
+                  <a:prstDash val="solid"/>
+                </a:ln>
+                <a:solidFill>
+                  <a:schemeClr val="tx1">
+                    <a:lumMod val="75000"/>
+                    <a:lumOff val="25000"/>
+                  </a:schemeClr>
+                </a:solidFill>
+                <a:effectLst/>
+                <a:latin typeface="Arial" charset="0"/>
+              </a:rPr>
+              <a:t>,</a:t>
+            </a:r>
+          </a:p>
+          <a:p>
+            <a:pPr marL="0" marR="0" indent="0" algn="ctr" defTabSz="914400" rtl="0" eaLnBrk="1" fontAlgn="base" latinLnBrk="0" hangingPunct="1">
+              <a:lnSpc>
+                <a:spcPct val="100000"/>
+              </a:lnSpc>
+              <a:spcBef>
+                <a:spcPct val="0"/>
+              </a:spcBef>
+              <a:spcAft>
+                <a:spcPct val="0"/>
+              </a:spcAft>
+              <a:buClrTx/>
+              <a:buSzTx/>
+              <a:buFontTx/>
+              <a:buNone/>
+              <a:tabLst/>
+            </a:pPr>
+            <a:r>
+              <a:rPr kumimoji="0" lang="ko-KR" altLang="en-US" sz="1800" b="1" i="0" u="none" strike="noStrike" spc="50" normalizeH="0" baseline="0" dirty="0">
+                <a:ln w="9525" cmpd="sng">
+                  <a:noFill/>
+                  <a:prstDash val="solid"/>
+                </a:ln>
+                <a:solidFill>
+                  <a:schemeClr val="tx1">
+                    <a:lumMod val="75000"/>
+                    <a:lumOff val="25000"/>
+                  </a:schemeClr>
+                </a:solidFill>
+                <a:effectLst/>
+                <a:latin typeface="Arial" charset="0"/>
+              </a:rPr>
+              <a:t>거래 횟수 많은 여성의 지출이 높을 것으로 예상 됨</a:t>
+            </a:r>
+            <a:endParaRPr kumimoji="0" lang="en-US" altLang="ko-KR" sz="1800" b="1" i="0" u="none" strike="noStrike" spc="50" normalizeH="0" baseline="0" dirty="0">
+              <a:ln w="9525" cmpd="sng">
+                <a:noFill/>
+                <a:prstDash val="solid"/>
+              </a:ln>
+              <a:solidFill>
+                <a:schemeClr val="tx1">
+                  <a:lumMod val="75000"/>
+                  <a:lumOff val="25000"/>
+                </a:schemeClr>
+              </a:solidFill>
+              <a:effectLst/>
+              <a:latin typeface="Arial" charset="0"/>
+            </a:endParaRPr>
+          </a:p>
+        </p:txBody>
+      </p:sp>
+    </p:spTree>
+    <p:extLst>
+      <p:ext uri="{BB962C8B-B14F-4D97-AF65-F5344CB8AC3E}">
+        <p14:creationId xmlns:p14="http://schemas.microsoft.com/office/powerpoint/2010/main" val="1088020070"/>
+      </p:ext>
+    </p:extLst>
+  </p:cSld>
+  <p:clrMapOvr>
+    <a:masterClrMapping/>
+  </p:clrMapOvr>
+  <p:transition/>
+</p:sld>
+</file>
+
+<file path=ppt/slides/slide11.xml><?xml version="1.0" encoding="utf-8"?>
+<p:sld xmlns:a="http://schemas.openxmlformats.org/drawingml/2006/main" xmlns:r="http://schemas.openxmlformats.org/officeDocument/2006/relationships" xmlns:p="http://schemas.openxmlformats.org/presentationml/2006/main">
+  <p:cSld>
+    <p:spTree>
+      <p:nvGrpSpPr>
+        <p:cNvPr id="1" name=""/>
+        <p:cNvGrpSpPr/>
+        <p:nvPr/>
+      </p:nvGrpSpPr>
+      <p:grpSpPr>
+        <a:xfrm>
+          <a:off x="0" y="0"/>
+          <a:ext cx="0" cy="0"/>
+          <a:chOff x="0" y="0"/>
+          <a:chExt cx="0" cy="0"/>
+        </a:xfrm>
+      </p:grpSpPr>
+      <p:pic>
+        <p:nvPicPr>
+          <p:cNvPr id="4" name="그림 3">
+            <a:extLst>
+              <a:ext uri="{FF2B5EF4-FFF2-40B4-BE49-F238E27FC236}">
+                <a16:creationId xmlns:a16="http://schemas.microsoft.com/office/drawing/2014/main" id="{13C012C2-57CE-41AD-A12A-571D9CE8AAFD}"/>
+              </a:ext>
+            </a:extLst>
+          </p:cNvPr>
+          <p:cNvPicPr>
+            <a:picLocks noChangeAspect="1"/>
+          </p:cNvPicPr>
+          <p:nvPr/>
+        </p:nvPicPr>
+        <p:blipFill rotWithShape="1">
+          <a:blip r:embed="rId2"/>
+          <a:srcRect t="59836" b="26395"/>
+          <a:stretch/>
+        </p:blipFill>
+        <p:spPr>
+          <a:xfrm>
+            <a:off x="0" y="223615"/>
+            <a:ext cx="9144000" cy="630006"/>
+          </a:xfrm>
+          <a:prstGeom prst="rect">
+            <a:avLst/>
+          </a:prstGeom>
+        </p:spPr>
+      </p:pic>
+      <p:pic>
+        <p:nvPicPr>
+          <p:cNvPr id="2" name="그림 1">
+            <a:extLst>
+              <a:ext uri="{FF2B5EF4-FFF2-40B4-BE49-F238E27FC236}">
+                <a16:creationId xmlns:a16="http://schemas.microsoft.com/office/drawing/2014/main" id="{67302BF9-69C2-4D13-8207-4E1CA0EED527}"/>
+              </a:ext>
+            </a:extLst>
+          </p:cNvPr>
+          <p:cNvPicPr>
+            <a:picLocks noChangeAspect="1"/>
+          </p:cNvPicPr>
+          <p:nvPr/>
+        </p:nvPicPr>
+        <p:blipFill>
+          <a:blip r:embed="rId3"/>
+          <a:stretch>
+            <a:fillRect/>
+          </a:stretch>
+        </p:blipFill>
+        <p:spPr>
+          <a:xfrm>
+            <a:off x="842962" y="1088974"/>
+            <a:ext cx="7458075" cy="3038475"/>
+          </a:xfrm>
+          <a:prstGeom prst="rect">
+            <a:avLst/>
+          </a:prstGeom>
+        </p:spPr>
+      </p:pic>
+      <p:sp>
+        <p:nvSpPr>
+          <p:cNvPr id="7" name="사각형: 둥근 모서리 6">
+            <a:extLst>
+              <a:ext uri="{FF2B5EF4-FFF2-40B4-BE49-F238E27FC236}">
+                <a16:creationId xmlns:a16="http://schemas.microsoft.com/office/drawing/2014/main" id="{17C3E043-F5F6-478F-BF9E-7044D4AD773F}"/>
+              </a:ext>
+            </a:extLst>
+          </p:cNvPr>
+          <p:cNvSpPr/>
+          <p:nvPr/>
+        </p:nvSpPr>
+        <p:spPr bwMode="auto">
+          <a:xfrm>
+            <a:off x="2951982" y="4509011"/>
+            <a:ext cx="5940066" cy="1820721"/>
+          </a:xfrm>
+          <a:prstGeom prst="roundRect">
+            <a:avLst/>
+          </a:prstGeom>
+          <a:ln>
+            <a:headEnd type="none" w="med" len="med"/>
+            <a:tailEnd type="none" w="med" len="med"/>
+          </a:ln>
+          <a:extLst>
+            <a:ext uri="{AF507438-7753-43E0-B8FC-AC1667EBCBE1}">
+              <a14:hiddenEffects xmlns:a14="http://schemas.microsoft.com/office/drawing/2010/main">
+                <a:effectLst>
+                  <a:outerShdw dist="35921" dir="2700000" algn="ctr" rotWithShape="0">
+                    <a:schemeClr val="bg2"/>
+                  </a:outerShdw>
+                </a:effectLst>
+              </a14:hiddenEffects>
+            </a:ext>
+          </a:extLst>
+        </p:spPr>
+        <p:style>
+          <a:lnRef idx="2">
+            <a:schemeClr val="dk1"/>
+          </a:lnRef>
+          <a:fillRef idx="1">
+            <a:schemeClr val="lt1"/>
+          </a:fillRef>
+          <a:effectRef idx="0">
+            <a:schemeClr val="dk1"/>
+          </a:effectRef>
+          <a:fontRef idx="minor">
+            <a:schemeClr val="dk1"/>
+          </a:fontRef>
+        </p:style>
+        <p:txBody>
+          <a:bodyPr rot="0" spcFirstLastPara="0" vertOverflow="overflow" horzOverflow="overflow" vert="horz" wrap="none" lIns="91440" tIns="45720" rIns="91440" bIns="45720" numCol="1" spcCol="0" rtlCol="0" fromWordArt="0" anchor="ctr" anchorCtr="0" forceAA="0" compatLnSpc="1">
+            <a:prstTxWarp prst="textNoShape">
+              <a:avLst/>
+            </a:prstTxWarp>
+            <a:noAutofit/>
+          </a:bodyPr>
+          <a:lstStyle/>
+          <a:p>
+            <a:pPr marL="0" marR="0" indent="0" algn="ctr" defTabSz="914400" rtl="0" eaLnBrk="1" fontAlgn="base" latinLnBrk="0" hangingPunct="1">
+              <a:lnSpc>
+                <a:spcPct val="100000"/>
+              </a:lnSpc>
+              <a:spcBef>
+                <a:spcPct val="0"/>
+              </a:spcBef>
+              <a:spcAft>
+                <a:spcPct val="0"/>
+              </a:spcAft>
+              <a:buClrTx/>
+              <a:buSzTx/>
+              <a:buFontTx/>
+              <a:buNone/>
+              <a:tabLst/>
+            </a:pPr>
+            <a:r>
+              <a:rPr lang="ko-KR" altLang="en-US" b="1" spc="50" dirty="0">
+                <a:ln w="9525" cmpd="sng">
+                  <a:noFill/>
+                  <a:prstDash val="solid"/>
+                </a:ln>
+                <a:solidFill>
+                  <a:schemeClr val="tx1">
+                    <a:lumMod val="75000"/>
+                    <a:lumOff val="25000"/>
+                  </a:schemeClr>
+                </a:solidFill>
+                <a:effectLst/>
+                <a:latin typeface="Arial" charset="0"/>
+              </a:rPr>
+              <a:t>후진제거 방법에서는 </a:t>
+            </a:r>
+            <a:endParaRPr lang="en-US" altLang="ko-KR" b="1" spc="50" dirty="0">
+              <a:ln w="9525" cmpd="sng">
+                <a:noFill/>
+                <a:prstDash val="solid"/>
+              </a:ln>
+              <a:solidFill>
+                <a:schemeClr val="tx1">
+                  <a:lumMod val="75000"/>
+                  <a:lumOff val="25000"/>
+                </a:schemeClr>
+              </a:solidFill>
+              <a:effectLst/>
+              <a:latin typeface="Arial" charset="0"/>
+            </a:endParaRPr>
+          </a:p>
+          <a:p>
+            <a:pPr marL="0" marR="0" indent="0" algn="ctr" defTabSz="914400" rtl="0" eaLnBrk="1" fontAlgn="base" latinLnBrk="0" hangingPunct="1">
+              <a:lnSpc>
+                <a:spcPct val="100000"/>
+              </a:lnSpc>
+              <a:spcBef>
+                <a:spcPct val="0"/>
+              </a:spcBef>
+              <a:spcAft>
+                <a:spcPct val="0"/>
+              </a:spcAft>
+              <a:buClrTx/>
+              <a:buSzTx/>
+              <a:buFontTx/>
+              <a:buNone/>
+              <a:tabLst/>
+            </a:pPr>
+            <a:r>
+              <a:rPr lang="en-US" altLang="ko-KR" b="1" spc="50" dirty="0">
+                <a:ln w="9525" cmpd="sng">
+                  <a:noFill/>
+                  <a:prstDash val="solid"/>
+                </a:ln>
+                <a:solidFill>
+                  <a:schemeClr val="tx1">
+                    <a:lumMod val="75000"/>
+                    <a:lumOff val="25000"/>
+                  </a:schemeClr>
+                </a:solidFill>
+                <a:effectLst/>
+                <a:latin typeface="Arial" charset="0"/>
+              </a:rPr>
+              <a:t>‘US’</a:t>
+            </a:r>
+            <a:r>
+              <a:rPr lang="ko-KR" altLang="en-US" b="1" spc="50" dirty="0">
+                <a:ln w="9525" cmpd="sng">
+                  <a:noFill/>
+                  <a:prstDash val="solid"/>
+                </a:ln>
+                <a:solidFill>
+                  <a:schemeClr val="tx1">
+                    <a:lumMod val="75000"/>
+                    <a:lumOff val="25000"/>
+                  </a:schemeClr>
+                </a:solidFill>
+                <a:effectLst/>
+                <a:latin typeface="Arial" charset="0"/>
+              </a:rPr>
+              <a:t>변수가 가장 먼저 제거 됩니다</a:t>
+            </a:r>
+            <a:r>
+              <a:rPr lang="en-US" altLang="ko-KR" b="1" spc="50" dirty="0">
+                <a:ln w="9525" cmpd="sng">
+                  <a:noFill/>
+                  <a:prstDash val="solid"/>
+                </a:ln>
+                <a:solidFill>
+                  <a:schemeClr val="tx1">
+                    <a:lumMod val="75000"/>
+                    <a:lumOff val="25000"/>
+                  </a:schemeClr>
+                </a:solidFill>
+                <a:effectLst/>
+                <a:latin typeface="Arial" charset="0"/>
+              </a:rPr>
+              <a:t>.</a:t>
+            </a:r>
+            <a:r>
+              <a:rPr lang="ko-KR" altLang="en-US" b="1" spc="50" dirty="0">
+                <a:ln w="9525" cmpd="sng">
+                  <a:noFill/>
+                  <a:prstDash val="solid"/>
+                </a:ln>
+                <a:solidFill>
+                  <a:schemeClr val="tx1">
+                    <a:lumMod val="75000"/>
+                    <a:lumOff val="25000"/>
+                  </a:schemeClr>
+                </a:solidFill>
+                <a:effectLst/>
+                <a:latin typeface="Arial" charset="0"/>
+              </a:rPr>
+              <a:t> </a:t>
+            </a:r>
+            <a:endParaRPr kumimoji="0" lang="en-US" altLang="ko-KR" sz="1800" b="1" i="0" u="none" strike="noStrike" spc="50" normalizeH="0" baseline="0" dirty="0">
+              <a:ln w="9525" cmpd="sng">
+                <a:noFill/>
+                <a:prstDash val="solid"/>
+              </a:ln>
+              <a:solidFill>
+                <a:schemeClr val="tx1">
+                  <a:lumMod val="75000"/>
+                  <a:lumOff val="25000"/>
+                </a:schemeClr>
+              </a:solidFill>
+              <a:effectLst/>
+              <a:latin typeface="Arial" charset="0"/>
+            </a:endParaRPr>
+          </a:p>
+        </p:txBody>
+      </p:sp>
+    </p:spTree>
+    <p:extLst>
+      <p:ext uri="{BB962C8B-B14F-4D97-AF65-F5344CB8AC3E}">
+        <p14:creationId xmlns:p14="http://schemas.microsoft.com/office/powerpoint/2010/main" val="361437419"/>
+      </p:ext>
+    </p:extLst>
+  </p:cSld>
+  <p:clrMapOvr>
+    <a:masterClrMapping/>
+  </p:clrMapOvr>
+  <p:transition/>
+</p:sld>
+</file>
+
+<file path=ppt/slides/slide12.xml><?xml version="1.0" encoding="utf-8"?>
+<p:sld xmlns:a="http://schemas.openxmlformats.org/drawingml/2006/main" xmlns:r="http://schemas.openxmlformats.org/officeDocument/2006/relationships" xmlns:p="http://schemas.openxmlformats.org/presentationml/2006/main">
+  <p:cSld>
+    <p:spTree>
+      <p:nvGrpSpPr>
+        <p:cNvPr id="1" name=""/>
+        <p:cNvGrpSpPr/>
+        <p:nvPr/>
+      </p:nvGrpSpPr>
+      <p:grpSpPr>
+        <a:xfrm>
+          <a:off x="0" y="0"/>
+          <a:ext cx="0" cy="0"/>
+          <a:chOff x="0" y="0"/>
+          <a:chExt cx="0" cy="0"/>
+        </a:xfrm>
+      </p:grpSpPr>
+      <p:pic>
+        <p:nvPicPr>
+          <p:cNvPr id="4" name="그림 3">
+            <a:extLst>
+              <a:ext uri="{FF2B5EF4-FFF2-40B4-BE49-F238E27FC236}">
+                <a16:creationId xmlns:a16="http://schemas.microsoft.com/office/drawing/2014/main" id="{13C012C2-57CE-41AD-A12A-571D9CE8AAFD}"/>
+              </a:ext>
+            </a:extLst>
+          </p:cNvPr>
+          <p:cNvPicPr>
+            <a:picLocks noChangeAspect="1"/>
+          </p:cNvPicPr>
+          <p:nvPr/>
+        </p:nvPicPr>
+        <p:blipFill rotWithShape="1">
+          <a:blip r:embed="rId2"/>
+          <a:srcRect t="72848" b="21251"/>
+          <a:stretch/>
+        </p:blipFill>
+        <p:spPr>
+          <a:xfrm>
+            <a:off x="-1" y="437410"/>
+            <a:ext cx="9144000" cy="270002"/>
+          </a:xfrm>
+          <a:prstGeom prst="rect">
+            <a:avLst/>
+          </a:prstGeom>
+        </p:spPr>
+      </p:pic>
+      <p:sp>
+        <p:nvSpPr>
+          <p:cNvPr id="7" name="사각형: 둥근 모서리 6">
+            <a:extLst>
+              <a:ext uri="{FF2B5EF4-FFF2-40B4-BE49-F238E27FC236}">
+                <a16:creationId xmlns:a16="http://schemas.microsoft.com/office/drawing/2014/main" id="{17C3E043-F5F6-478F-BF9E-7044D4AD773F}"/>
+              </a:ext>
+            </a:extLst>
+          </p:cNvPr>
+          <p:cNvSpPr/>
+          <p:nvPr/>
+        </p:nvSpPr>
+        <p:spPr bwMode="auto">
+          <a:xfrm>
+            <a:off x="547833" y="3699003"/>
+            <a:ext cx="8254214" cy="2340026"/>
+          </a:xfrm>
+          <a:prstGeom prst="roundRect">
+            <a:avLst/>
+          </a:prstGeom>
+          <a:ln>
+            <a:headEnd type="none" w="med" len="med"/>
+            <a:tailEnd type="none" w="med" len="med"/>
+          </a:ln>
+          <a:extLst>
+            <a:ext uri="{AF507438-7753-43E0-B8FC-AC1667EBCBE1}">
+              <a14:hiddenEffects xmlns:a14="http://schemas.microsoft.com/office/drawing/2010/main">
+                <a:effectLst>
+                  <a:outerShdw dist="35921" dir="2700000" algn="ctr" rotWithShape="0">
+                    <a:schemeClr val="bg2"/>
+                  </a:outerShdw>
+                </a:effectLst>
+              </a14:hiddenEffects>
+            </a:ext>
+          </a:extLst>
+        </p:spPr>
+        <p:style>
+          <a:lnRef idx="2">
+            <a:schemeClr val="dk1"/>
+          </a:lnRef>
+          <a:fillRef idx="1">
+            <a:schemeClr val="lt1"/>
+          </a:fillRef>
+          <a:effectRef idx="0">
+            <a:schemeClr val="dk1"/>
+          </a:effectRef>
+          <a:fontRef idx="minor">
+            <a:schemeClr val="dk1"/>
+          </a:fontRef>
+        </p:style>
+        <p:txBody>
+          <a:bodyPr rot="0" spcFirstLastPara="0" vertOverflow="overflow" horzOverflow="overflow" vert="horz" wrap="none" lIns="91440" tIns="45720" rIns="91440" bIns="45720" numCol="1" spcCol="0" rtlCol="0" fromWordArt="0" anchor="ctr" anchorCtr="0" forceAA="0" compatLnSpc="1">
+            <a:prstTxWarp prst="textNoShape">
+              <a:avLst/>
+            </a:prstTxWarp>
+            <a:noAutofit/>
+          </a:bodyPr>
+          <a:lstStyle/>
+          <a:p>
+            <a:pPr marL="0" marR="0" indent="0" algn="ctr" defTabSz="914400" rtl="0" eaLnBrk="1" fontAlgn="base" latinLnBrk="0" hangingPunct="1">
+              <a:lnSpc>
+                <a:spcPct val="100000"/>
+              </a:lnSpc>
+              <a:spcBef>
+                <a:spcPct val="0"/>
+              </a:spcBef>
+              <a:spcAft>
+                <a:spcPct val="0"/>
+              </a:spcAft>
+              <a:buClrTx/>
+              <a:buSzTx/>
+              <a:buFontTx/>
+              <a:buNone/>
+              <a:tabLst/>
+            </a:pPr>
+            <a:r>
+              <a:rPr lang="ko-KR" altLang="en-US" spc="50" dirty="0">
+                <a:ln w="9525" cmpd="sng">
+                  <a:noFill/>
+                  <a:prstDash val="solid"/>
+                </a:ln>
+                <a:solidFill>
+                  <a:schemeClr val="tx1">
+                    <a:lumMod val="75000"/>
+                    <a:lumOff val="25000"/>
+                  </a:schemeClr>
+                </a:solidFill>
+                <a:effectLst/>
+                <a:latin typeface="Arial" charset="0"/>
+              </a:rPr>
+              <a:t>검증 데이터 중 첫 번째 구매데이터는 </a:t>
+            </a:r>
+            <a:endParaRPr lang="en-US" altLang="ko-KR" spc="50" dirty="0">
+              <a:ln w="9525" cmpd="sng">
+                <a:noFill/>
+                <a:prstDash val="solid"/>
+              </a:ln>
+              <a:solidFill>
+                <a:schemeClr val="tx1">
+                  <a:lumMod val="75000"/>
+                  <a:lumOff val="25000"/>
+                </a:schemeClr>
+              </a:solidFill>
+              <a:effectLst/>
+              <a:latin typeface="Arial" charset="0"/>
+            </a:endParaRPr>
+          </a:p>
+          <a:p>
+            <a:pPr marL="0" marR="0" indent="0" algn="ctr" defTabSz="914400" rtl="0" eaLnBrk="1" fontAlgn="base" latinLnBrk="0" hangingPunct="1">
+              <a:lnSpc>
+                <a:spcPct val="100000"/>
+              </a:lnSpc>
+              <a:spcBef>
+                <a:spcPct val="0"/>
+              </a:spcBef>
+              <a:spcAft>
+                <a:spcPct val="0"/>
+              </a:spcAft>
+              <a:buClrTx/>
+              <a:buSzTx/>
+              <a:buFontTx/>
+              <a:buNone/>
+              <a:tabLst/>
+            </a:pPr>
+            <a:r>
+              <a:rPr lang="en-US" altLang="ko-KR" spc="50" dirty="0">
+                <a:ln w="9525" cmpd="sng">
+                  <a:noFill/>
+                  <a:prstDash val="solid"/>
+                </a:ln>
+                <a:solidFill>
+                  <a:schemeClr val="tx1">
+                    <a:lumMod val="75000"/>
+                    <a:lumOff val="25000"/>
+                  </a:schemeClr>
+                </a:solidFill>
+                <a:effectLst/>
+                <a:latin typeface="Arial" charset="0"/>
+              </a:rPr>
+              <a:t>1699</a:t>
+            </a:r>
+            <a:r>
+              <a:rPr lang="ko-KR" altLang="en-US" spc="50" dirty="0">
+                <a:ln w="9525" cmpd="sng">
+                  <a:noFill/>
+                  <a:prstDash val="solid"/>
+                </a:ln>
+                <a:solidFill>
+                  <a:schemeClr val="tx1">
+                    <a:lumMod val="75000"/>
+                    <a:lumOff val="25000"/>
+                  </a:schemeClr>
+                </a:solidFill>
+                <a:effectLst/>
+                <a:latin typeface="Arial" charset="0"/>
+              </a:rPr>
+              <a:t>번</a:t>
+            </a:r>
+            <a:r>
+              <a:rPr lang="en-US" altLang="ko-KR" spc="50" dirty="0">
+                <a:ln w="9525" cmpd="sng">
+                  <a:noFill/>
+                  <a:prstDash val="solid"/>
+                </a:ln>
+                <a:solidFill>
+                  <a:schemeClr val="tx1">
+                    <a:lumMod val="75000"/>
+                    <a:lumOff val="25000"/>
+                  </a:schemeClr>
+                </a:solidFill>
+                <a:effectLst/>
+                <a:latin typeface="Arial" charset="0"/>
+              </a:rPr>
+              <a:t>(sequence-number</a:t>
+            </a:r>
+            <a:r>
+              <a:rPr lang="ko-KR" altLang="en-US" spc="50" dirty="0">
+                <a:ln w="9525" cmpd="sng">
+                  <a:noFill/>
+                  <a:prstDash val="solid"/>
+                </a:ln>
+                <a:solidFill>
+                  <a:schemeClr val="tx1">
+                    <a:lumMod val="75000"/>
+                    <a:lumOff val="25000"/>
+                  </a:schemeClr>
+                </a:solidFill>
+                <a:effectLst/>
+                <a:latin typeface="Arial" charset="0"/>
+              </a:rPr>
+              <a:t>는 </a:t>
+            </a:r>
+            <a:r>
+              <a:rPr lang="en-US" altLang="ko-KR" spc="50" dirty="0">
+                <a:ln w="9525" cmpd="sng">
+                  <a:noFill/>
+                  <a:prstDash val="solid"/>
+                </a:ln>
+                <a:solidFill>
+                  <a:schemeClr val="tx1">
+                    <a:lumMod val="75000"/>
+                    <a:lumOff val="25000"/>
+                  </a:schemeClr>
+                </a:solidFill>
+                <a:effectLst/>
+                <a:latin typeface="Arial" charset="0"/>
+              </a:rPr>
+              <a:t>1700</a:t>
+            </a:r>
+            <a:r>
+              <a:rPr lang="ko-KR" altLang="en-US" spc="50" dirty="0">
+                <a:ln w="9525" cmpd="sng">
+                  <a:noFill/>
+                  <a:prstDash val="solid"/>
+                </a:ln>
+                <a:solidFill>
+                  <a:schemeClr val="tx1">
+                    <a:lumMod val="75000"/>
+                    <a:lumOff val="25000"/>
+                  </a:schemeClr>
+                </a:solidFill>
+                <a:effectLst/>
+                <a:latin typeface="Arial" charset="0"/>
+              </a:rPr>
+              <a:t>번</a:t>
+            </a:r>
+            <a:r>
+              <a:rPr lang="en-US" altLang="ko-KR" spc="50" dirty="0">
+                <a:ln w="9525" cmpd="sng">
+                  <a:noFill/>
+                  <a:prstDash val="solid"/>
+                </a:ln>
+                <a:solidFill>
+                  <a:schemeClr val="tx1">
+                    <a:lumMod val="75000"/>
+                    <a:lumOff val="25000"/>
+                  </a:schemeClr>
+                </a:solidFill>
+                <a:effectLst/>
+                <a:latin typeface="Arial" charset="0"/>
+              </a:rPr>
+              <a:t>), </a:t>
+            </a:r>
+            <a:r>
+              <a:rPr lang="ko-KR" altLang="en-US" spc="50" dirty="0">
+                <a:ln w="9525" cmpd="sng">
+                  <a:noFill/>
+                  <a:prstDash val="solid"/>
+                </a:ln>
+                <a:solidFill>
+                  <a:schemeClr val="tx1">
+                    <a:lumMod val="75000"/>
+                    <a:lumOff val="25000"/>
+                  </a:schemeClr>
+                </a:solidFill>
+                <a:effectLst/>
+                <a:latin typeface="Arial" charset="0"/>
+              </a:rPr>
+              <a:t>해당 행의 값을 회귀 방정식</a:t>
+            </a:r>
+            <a:endParaRPr lang="en-US" altLang="ko-KR" spc="50" dirty="0">
+              <a:ln w="9525" cmpd="sng">
+                <a:noFill/>
+                <a:prstDash val="solid"/>
+              </a:ln>
+              <a:solidFill>
+                <a:schemeClr val="tx1">
+                  <a:lumMod val="75000"/>
+                  <a:lumOff val="25000"/>
+                </a:schemeClr>
+              </a:solidFill>
+              <a:effectLst/>
+              <a:latin typeface="Arial" charset="0"/>
+            </a:endParaRPr>
+          </a:p>
+          <a:p>
+            <a:r>
+              <a:rPr lang="en-US" altLang="ko-KR" spc="50" dirty="0">
+                <a:ln w="9525" cmpd="sng">
+                  <a:noFill/>
+                  <a:prstDash val="solid"/>
+                </a:ln>
+                <a:solidFill>
+                  <a:schemeClr val="tx1">
+                    <a:lumMod val="75000"/>
+                    <a:lumOff val="25000"/>
+                  </a:schemeClr>
+                </a:solidFill>
+                <a:effectLst/>
+                <a:latin typeface="Arial" charset="0"/>
+              </a:rPr>
+              <a:t>(</a:t>
+            </a:r>
+            <a:r>
+              <a:rPr lang="ko-KR" altLang="en-US" sz="1050" spc="50" dirty="0">
+                <a:ln w="9525" cmpd="sng">
+                  <a:noFill/>
+                  <a:prstDash val="solid"/>
+                </a:ln>
+                <a:solidFill>
+                  <a:schemeClr val="tx1">
+                    <a:lumMod val="75000"/>
+                    <a:lumOff val="25000"/>
+                  </a:schemeClr>
+                </a:solidFill>
+                <a:latin typeface="Arial" charset="0"/>
+              </a:rPr>
+              <a:t>예측</a:t>
+            </a:r>
+            <a:r>
+              <a:rPr lang="en-US" altLang="ko-KR" sz="1050" spc="50" dirty="0">
+                <a:ln w="9525" cmpd="sng">
+                  <a:noFill/>
+                  <a:prstDash val="solid"/>
+                </a:ln>
+                <a:solidFill>
+                  <a:schemeClr val="tx1">
+                    <a:lumMod val="75000"/>
+                    <a:lumOff val="25000"/>
+                  </a:schemeClr>
+                </a:solidFill>
+                <a:latin typeface="Arial" charset="0"/>
+              </a:rPr>
+              <a:t>Spending = 10.17 -4.62xUS + 91.27xFreq -0.01xdays + 18.62xWeb_order -9.11xGender -75.81xAddress</a:t>
+            </a:r>
+            <a:r>
+              <a:rPr lang="en-US" altLang="ko-KR" spc="50" dirty="0">
+                <a:ln w="9525" cmpd="sng">
+                  <a:noFill/>
+                  <a:prstDash val="solid"/>
+                </a:ln>
+                <a:solidFill>
+                  <a:schemeClr val="tx1">
+                    <a:lumMod val="75000"/>
+                    <a:lumOff val="25000"/>
+                  </a:schemeClr>
+                </a:solidFill>
+                <a:effectLst/>
+                <a:latin typeface="Arial" charset="0"/>
+              </a:rPr>
+              <a:t>) </a:t>
+            </a:r>
+          </a:p>
+          <a:p>
+            <a:r>
+              <a:rPr lang="ko-KR" altLang="en-US" spc="50" dirty="0">
+                <a:ln w="9525" cmpd="sng">
+                  <a:noFill/>
+                  <a:prstDash val="solid"/>
+                </a:ln>
+                <a:solidFill>
+                  <a:schemeClr val="tx1">
+                    <a:lumMod val="75000"/>
+                    <a:lumOff val="25000"/>
+                  </a:schemeClr>
+                </a:solidFill>
+                <a:effectLst/>
+                <a:latin typeface="Arial" charset="0"/>
+              </a:rPr>
+              <a:t>에 대입하면</a:t>
+            </a:r>
+            <a:endParaRPr lang="en-US" altLang="ko-KR" spc="50" dirty="0">
+              <a:ln w="9525" cmpd="sng">
+                <a:noFill/>
+                <a:prstDash val="solid"/>
+              </a:ln>
+              <a:solidFill>
+                <a:schemeClr val="tx1">
+                  <a:lumMod val="75000"/>
+                  <a:lumOff val="25000"/>
+                </a:schemeClr>
+              </a:solidFill>
+              <a:effectLst/>
+              <a:latin typeface="Arial" charset="0"/>
+            </a:endParaRPr>
+          </a:p>
+          <a:p>
+            <a:endParaRPr lang="en-US" altLang="ko-KR" spc="50" dirty="0">
+              <a:ln w="9525" cmpd="sng">
+                <a:noFill/>
+                <a:prstDash val="solid"/>
+              </a:ln>
+              <a:solidFill>
+                <a:schemeClr val="tx1">
+                  <a:lumMod val="75000"/>
+                  <a:lumOff val="25000"/>
+                </a:schemeClr>
+              </a:solidFill>
+              <a:effectLst/>
+              <a:latin typeface="Arial" charset="0"/>
+            </a:endParaRPr>
+          </a:p>
+          <a:p>
+            <a:r>
+              <a:rPr lang="ko-KR" altLang="en-US" spc="50" dirty="0">
+                <a:ln w="9525" cmpd="sng">
+                  <a:noFill/>
+                  <a:prstDash val="solid"/>
+                </a:ln>
+                <a:solidFill>
+                  <a:schemeClr val="tx1">
+                    <a:lumMod val="75000"/>
+                    <a:lumOff val="25000"/>
+                  </a:schemeClr>
+                </a:solidFill>
+                <a:effectLst/>
+                <a:latin typeface="Arial" charset="0"/>
+              </a:rPr>
+              <a:t>예측 </a:t>
+            </a:r>
+            <a:r>
+              <a:rPr lang="en-US" altLang="ko-KR" spc="50" dirty="0">
+                <a:ln w="9525" cmpd="sng">
+                  <a:noFill/>
+                  <a:prstDash val="solid"/>
+                </a:ln>
+                <a:solidFill>
+                  <a:schemeClr val="tx1">
+                    <a:lumMod val="75000"/>
+                    <a:lumOff val="25000"/>
+                  </a:schemeClr>
+                </a:solidFill>
+                <a:effectLst/>
+                <a:latin typeface="Arial" charset="0"/>
+              </a:rPr>
+              <a:t>Spending</a:t>
+            </a:r>
+            <a:r>
+              <a:rPr lang="ko-KR" altLang="en-US" spc="50" dirty="0">
+                <a:ln w="9525" cmpd="sng">
+                  <a:noFill/>
+                  <a:prstDash val="solid"/>
+                </a:ln>
+                <a:solidFill>
+                  <a:schemeClr val="tx1">
+                    <a:lumMod val="75000"/>
+                    <a:lumOff val="25000"/>
+                  </a:schemeClr>
+                </a:solidFill>
+                <a:effectLst/>
+                <a:latin typeface="Arial" charset="0"/>
+              </a:rPr>
+              <a:t>은 </a:t>
+            </a:r>
+            <a:r>
+              <a:rPr lang="en-US" altLang="ko-KR" spc="50" dirty="0">
+                <a:ln w="9525" cmpd="sng">
+                  <a:noFill/>
+                  <a:prstDash val="solid"/>
+                </a:ln>
+                <a:solidFill>
+                  <a:schemeClr val="tx1">
+                    <a:lumMod val="75000"/>
+                    <a:lumOff val="25000"/>
+                  </a:schemeClr>
+                </a:solidFill>
+                <a:effectLst/>
+                <a:latin typeface="Arial" charset="0"/>
+              </a:rPr>
+              <a:t>202.37</a:t>
+            </a:r>
+            <a:r>
+              <a:rPr lang="ko-KR" altLang="en-US" spc="50" dirty="0">
+                <a:ln w="9525" cmpd="sng">
+                  <a:noFill/>
+                  <a:prstDash val="solid"/>
+                </a:ln>
+                <a:solidFill>
+                  <a:schemeClr val="tx1">
+                    <a:lumMod val="75000"/>
+                    <a:lumOff val="25000"/>
+                  </a:schemeClr>
+                </a:solidFill>
+                <a:effectLst/>
+                <a:latin typeface="Arial" charset="0"/>
+              </a:rPr>
+              <a:t>이 계산 됨</a:t>
+            </a:r>
+            <a:r>
+              <a:rPr lang="en-US" altLang="ko-KR" spc="50" dirty="0">
+                <a:ln w="9525" cmpd="sng">
+                  <a:noFill/>
+                  <a:prstDash val="solid"/>
+                </a:ln>
+                <a:solidFill>
+                  <a:schemeClr val="tx1">
+                    <a:lumMod val="75000"/>
+                    <a:lumOff val="25000"/>
+                  </a:schemeClr>
+                </a:solidFill>
+                <a:effectLst/>
+                <a:latin typeface="Arial" charset="0"/>
+              </a:rPr>
+              <a:t>.</a:t>
+            </a:r>
+          </a:p>
+          <a:p>
+            <a:endParaRPr lang="en-US" altLang="ko-KR" spc="50" dirty="0">
+              <a:ln w="9525" cmpd="sng">
+                <a:noFill/>
+                <a:prstDash val="solid"/>
+              </a:ln>
+              <a:solidFill>
+                <a:schemeClr val="tx1">
+                  <a:lumMod val="75000"/>
+                  <a:lumOff val="25000"/>
+                </a:schemeClr>
+              </a:solidFill>
+              <a:effectLst/>
+              <a:latin typeface="Arial" charset="0"/>
+            </a:endParaRPr>
+          </a:p>
+          <a:p>
+            <a:pPr marL="0" marR="0" indent="0" algn="ctr" defTabSz="914400" rtl="0" eaLnBrk="1" fontAlgn="base" latinLnBrk="0" hangingPunct="1">
+              <a:lnSpc>
+                <a:spcPct val="100000"/>
+              </a:lnSpc>
+              <a:spcBef>
+                <a:spcPct val="0"/>
+              </a:spcBef>
+              <a:spcAft>
+                <a:spcPct val="0"/>
+              </a:spcAft>
+              <a:buClrTx/>
+              <a:buSzTx/>
+              <a:buFontTx/>
+              <a:buNone/>
+              <a:tabLst/>
+            </a:pPr>
+            <a:r>
+              <a:rPr lang="ko-KR" altLang="en-US" spc="50" dirty="0">
+                <a:ln w="9525" cmpd="sng">
+                  <a:noFill/>
+                  <a:prstDash val="solid"/>
+                </a:ln>
+                <a:solidFill>
+                  <a:schemeClr val="tx1">
+                    <a:lumMod val="75000"/>
+                    <a:lumOff val="25000"/>
+                  </a:schemeClr>
+                </a:solidFill>
+                <a:effectLst/>
+                <a:latin typeface="Arial" charset="0"/>
+              </a:rPr>
+              <a:t> </a:t>
+            </a:r>
+            <a:endParaRPr kumimoji="0" lang="en-US" altLang="ko-KR" sz="1800" i="0" u="none" strike="noStrike" spc="50" normalizeH="0" baseline="0" dirty="0">
+              <a:ln w="9525" cmpd="sng">
+                <a:noFill/>
+                <a:prstDash val="solid"/>
+              </a:ln>
+              <a:solidFill>
+                <a:schemeClr val="tx1">
+                  <a:lumMod val="75000"/>
+                  <a:lumOff val="25000"/>
+                </a:schemeClr>
+              </a:solidFill>
+              <a:effectLst/>
+              <a:latin typeface="Arial" charset="0"/>
+            </a:endParaRPr>
+          </a:p>
+        </p:txBody>
+      </p:sp>
+      <p:pic>
+        <p:nvPicPr>
+          <p:cNvPr id="3" name="그림 2">
+            <a:extLst>
+              <a:ext uri="{FF2B5EF4-FFF2-40B4-BE49-F238E27FC236}">
+                <a16:creationId xmlns:a16="http://schemas.microsoft.com/office/drawing/2014/main" id="{C2755650-0EC0-463F-9996-993CB6398E95}"/>
+              </a:ext>
+            </a:extLst>
+          </p:cNvPr>
+          <p:cNvPicPr>
+            <a:picLocks noChangeAspect="1"/>
+          </p:cNvPicPr>
+          <p:nvPr/>
+        </p:nvPicPr>
+        <p:blipFill>
+          <a:blip r:embed="rId3"/>
+          <a:stretch>
+            <a:fillRect/>
+          </a:stretch>
+        </p:blipFill>
+        <p:spPr>
+          <a:xfrm>
+            <a:off x="521955" y="998973"/>
+            <a:ext cx="5476875" cy="2562225"/>
+          </a:xfrm>
+          <a:prstGeom prst="rect">
+            <a:avLst/>
+          </a:prstGeom>
+        </p:spPr>
+      </p:pic>
+      <p:sp>
+        <p:nvSpPr>
+          <p:cNvPr id="5" name="직사각형 4">
+            <a:extLst>
+              <a:ext uri="{FF2B5EF4-FFF2-40B4-BE49-F238E27FC236}">
+                <a16:creationId xmlns:a16="http://schemas.microsoft.com/office/drawing/2014/main" id="{5848AF44-55FE-4A0A-9415-A3DA7A8858A5}"/>
+              </a:ext>
+            </a:extLst>
+          </p:cNvPr>
+          <p:cNvSpPr/>
+          <p:nvPr/>
+        </p:nvSpPr>
+        <p:spPr bwMode="auto">
+          <a:xfrm>
+            <a:off x="521955" y="2618991"/>
+            <a:ext cx="990011" cy="270003"/>
+          </a:xfrm>
+          <a:prstGeom prst="rect">
+            <a:avLst/>
+          </a:prstGeom>
+          <a:noFill/>
+          <a:ln w="19050" cap="flat" cmpd="sng" algn="ctr">
+            <a:solidFill>
+              <a:srgbClr val="FF0000"/>
+            </a:solidFill>
+            <a:prstDash val="solid"/>
+            <a:round/>
+            <a:headEnd type="none" w="med" len="med"/>
+            <a:tailEnd type="none" w="med" len="med"/>
+          </a:ln>
+          <a:effectLst/>
+          <a:extLst/>
+        </p:spPr>
+        <p:txBody>
+          <a:bodyPr vert="horz" wrap="none" lIns="91440" tIns="45720" rIns="91440" bIns="45720" numCol="1" rtlCol="0" anchor="ctr" anchorCtr="0" compatLnSpc="1">
+            <a:prstTxWarp prst="textNoShape">
+              <a:avLst/>
+            </a:prstTxWarp>
+          </a:bodyPr>
+          <a:lstStyle/>
+          <a:p>
+            <a:pPr marL="0" marR="0" indent="0" algn="ctr" defTabSz="914400" rtl="0" eaLnBrk="1" fontAlgn="base" latinLnBrk="0" hangingPunct="1">
+              <a:lnSpc>
+                <a:spcPct val="100000"/>
+              </a:lnSpc>
+              <a:spcBef>
+                <a:spcPct val="0"/>
+              </a:spcBef>
+              <a:spcAft>
+                <a:spcPct val="0"/>
+              </a:spcAft>
+              <a:buClrTx/>
+              <a:buSzTx/>
+              <a:buFontTx/>
+              <a:buNone/>
+              <a:tabLst/>
+            </a:pPr>
+            <a:endParaRPr kumimoji="0" lang="ko-KR" altLang="en-US" sz="1800" b="0" i="0" u="none" strike="noStrike" cap="none" normalizeH="0" baseline="0">
+              <a:ln>
+                <a:noFill/>
+              </a:ln>
+              <a:solidFill>
+                <a:srgbClr val="00C0C0"/>
+              </a:solidFill>
+              <a:effectLst/>
+              <a:latin typeface="Arial" charset="0"/>
+            </a:endParaRPr>
+          </a:p>
+        </p:txBody>
+      </p:sp>
+      <p:sp>
+        <p:nvSpPr>
+          <p:cNvPr id="8" name="직사각형 7">
+            <a:extLst>
+              <a:ext uri="{FF2B5EF4-FFF2-40B4-BE49-F238E27FC236}">
+                <a16:creationId xmlns:a16="http://schemas.microsoft.com/office/drawing/2014/main" id="{F5403861-CDB9-49B9-8BE6-036B1BF2E0AF}"/>
+              </a:ext>
+            </a:extLst>
+          </p:cNvPr>
+          <p:cNvSpPr/>
+          <p:nvPr/>
+        </p:nvSpPr>
+        <p:spPr bwMode="auto">
+          <a:xfrm>
+            <a:off x="521954" y="1811785"/>
+            <a:ext cx="5476875" cy="270003"/>
+          </a:xfrm>
+          <a:prstGeom prst="rect">
+            <a:avLst/>
+          </a:prstGeom>
+          <a:noFill/>
+          <a:ln w="19050" cap="flat" cmpd="sng" algn="ctr">
+            <a:solidFill>
+              <a:srgbClr val="FF0000"/>
+            </a:solidFill>
+            <a:prstDash val="solid"/>
+            <a:round/>
+            <a:headEnd type="none" w="med" len="med"/>
+            <a:tailEnd type="none" w="med" len="med"/>
+          </a:ln>
+          <a:effectLst/>
+          <a:extLst/>
+        </p:spPr>
+        <p:txBody>
+          <a:bodyPr vert="horz" wrap="none" lIns="91440" tIns="45720" rIns="91440" bIns="45720" numCol="1" rtlCol="0" anchor="ctr" anchorCtr="0" compatLnSpc="1">
+            <a:prstTxWarp prst="textNoShape">
+              <a:avLst/>
+            </a:prstTxWarp>
+          </a:bodyPr>
+          <a:lstStyle/>
+          <a:p>
+            <a:pPr marL="0" marR="0" indent="0" algn="ctr" defTabSz="914400" rtl="0" eaLnBrk="1" fontAlgn="base" latinLnBrk="0" hangingPunct="1">
+              <a:lnSpc>
+                <a:spcPct val="100000"/>
+              </a:lnSpc>
+              <a:spcBef>
+                <a:spcPct val="0"/>
+              </a:spcBef>
+              <a:spcAft>
+                <a:spcPct val="0"/>
+              </a:spcAft>
+              <a:buClrTx/>
+              <a:buSzTx/>
+              <a:buFontTx/>
+              <a:buNone/>
+              <a:tabLst/>
+            </a:pPr>
+            <a:endParaRPr kumimoji="0" lang="ko-KR" altLang="en-US" sz="1800" b="0" i="0" u="none" strike="noStrike" cap="none" normalizeH="0" baseline="0">
+              <a:ln>
+                <a:noFill/>
+              </a:ln>
+              <a:solidFill>
+                <a:srgbClr val="00C0C0"/>
+              </a:solidFill>
+              <a:effectLst/>
+              <a:latin typeface="Arial" charset="0"/>
+            </a:endParaRPr>
+          </a:p>
+        </p:txBody>
+      </p:sp>
+      <p:sp>
+        <p:nvSpPr>
+          <p:cNvPr id="9" name="직사각형 8">
+            <a:extLst>
+              <a:ext uri="{FF2B5EF4-FFF2-40B4-BE49-F238E27FC236}">
+                <a16:creationId xmlns:a16="http://schemas.microsoft.com/office/drawing/2014/main" id="{0CF46AC0-BE10-428E-A7AB-DD71D0917669}"/>
+              </a:ext>
+            </a:extLst>
+          </p:cNvPr>
+          <p:cNvSpPr/>
+          <p:nvPr/>
+        </p:nvSpPr>
+        <p:spPr bwMode="auto">
+          <a:xfrm>
+            <a:off x="2771980" y="5073379"/>
+            <a:ext cx="3780042" cy="425644"/>
+          </a:xfrm>
+          <a:prstGeom prst="rect">
+            <a:avLst/>
+          </a:prstGeom>
+          <a:noFill/>
+          <a:ln w="19050" cap="flat" cmpd="sng" algn="ctr">
+            <a:solidFill>
+              <a:srgbClr val="FF0000"/>
+            </a:solidFill>
+            <a:prstDash val="solid"/>
+            <a:round/>
+            <a:headEnd type="none" w="med" len="med"/>
+            <a:tailEnd type="none" w="med" len="med"/>
+          </a:ln>
+          <a:effectLst/>
+          <a:extLst/>
+        </p:spPr>
+        <p:txBody>
+          <a:bodyPr vert="horz" wrap="none" lIns="91440" tIns="45720" rIns="91440" bIns="45720" numCol="1" rtlCol="0" anchor="ctr" anchorCtr="0" compatLnSpc="1">
+            <a:prstTxWarp prst="textNoShape">
+              <a:avLst/>
+            </a:prstTxWarp>
+          </a:bodyPr>
+          <a:lstStyle/>
+          <a:p>
+            <a:pPr marL="0" marR="0" indent="0" algn="ctr" defTabSz="914400" rtl="0" eaLnBrk="1" fontAlgn="base" latinLnBrk="0" hangingPunct="1">
+              <a:lnSpc>
+                <a:spcPct val="100000"/>
+              </a:lnSpc>
+              <a:spcBef>
+                <a:spcPct val="0"/>
+              </a:spcBef>
+              <a:spcAft>
+                <a:spcPct val="0"/>
+              </a:spcAft>
+              <a:buClrTx/>
+              <a:buSzTx/>
+              <a:buFontTx/>
+              <a:buNone/>
+              <a:tabLst/>
+            </a:pPr>
+            <a:endParaRPr kumimoji="0" lang="ko-KR" altLang="en-US" sz="1800" b="0" i="0" u="none" strike="noStrike" cap="none" normalizeH="0" baseline="0">
+              <a:ln>
+                <a:noFill/>
+              </a:ln>
+              <a:solidFill>
+                <a:srgbClr val="00C0C0"/>
+              </a:solidFill>
+              <a:effectLst/>
+              <a:latin typeface="Arial" charset="0"/>
+            </a:endParaRPr>
+          </a:p>
+        </p:txBody>
+      </p:sp>
+    </p:spTree>
+    <p:extLst>
+      <p:ext uri="{BB962C8B-B14F-4D97-AF65-F5344CB8AC3E}">
+        <p14:creationId xmlns:p14="http://schemas.microsoft.com/office/powerpoint/2010/main" val="4221727566"/>
+      </p:ext>
+    </p:extLst>
+  </p:cSld>
+  <p:clrMapOvr>
+    <a:masterClrMapping/>
+  </p:clrMapOvr>
+  <p:transition/>
+</p:sld>
+</file>
+
+<file path=ppt/slides/slide13.xml><?xml version="1.0" encoding="utf-8"?>
+<p:sld xmlns:a="http://schemas.openxmlformats.org/drawingml/2006/main" xmlns:r="http://schemas.openxmlformats.org/officeDocument/2006/relationships" xmlns:p="http://schemas.openxmlformats.org/presentationml/2006/main">
+  <p:cSld>
+    <p:spTree>
+      <p:nvGrpSpPr>
+        <p:cNvPr id="1" name=""/>
+        <p:cNvGrpSpPr/>
+        <p:nvPr/>
+      </p:nvGrpSpPr>
+      <p:grpSpPr>
+        <a:xfrm>
+          <a:off x="0" y="0"/>
+          <a:ext cx="0" cy="0"/>
+          <a:chOff x="0" y="0"/>
+          <a:chExt cx="0" cy="0"/>
+        </a:xfrm>
+      </p:grpSpPr>
+      <p:pic>
+        <p:nvPicPr>
+          <p:cNvPr id="4" name="그림 3">
+            <a:extLst>
+              <a:ext uri="{FF2B5EF4-FFF2-40B4-BE49-F238E27FC236}">
+                <a16:creationId xmlns:a16="http://schemas.microsoft.com/office/drawing/2014/main" id="{13C012C2-57CE-41AD-A12A-571D9CE8AAFD}"/>
+              </a:ext>
+            </a:extLst>
+          </p:cNvPr>
+          <p:cNvPicPr>
+            <a:picLocks noChangeAspect="1"/>
+          </p:cNvPicPr>
+          <p:nvPr/>
+        </p:nvPicPr>
+        <p:blipFill rotWithShape="1">
+          <a:blip r:embed="rId2"/>
+          <a:srcRect t="79220" b="12912"/>
+          <a:stretch/>
+        </p:blipFill>
+        <p:spPr>
+          <a:xfrm>
+            <a:off x="-4611" y="326769"/>
+            <a:ext cx="9144000" cy="360004"/>
+          </a:xfrm>
+          <a:prstGeom prst="rect">
+            <a:avLst/>
+          </a:prstGeom>
+        </p:spPr>
+      </p:pic>
+      <p:sp>
+        <p:nvSpPr>
+          <p:cNvPr id="7" name="사각형: 둥근 모서리 6">
+            <a:extLst>
+              <a:ext uri="{FF2B5EF4-FFF2-40B4-BE49-F238E27FC236}">
+                <a16:creationId xmlns:a16="http://schemas.microsoft.com/office/drawing/2014/main" id="{17C3E043-F5F6-478F-BF9E-7044D4AD773F}"/>
+              </a:ext>
+            </a:extLst>
+          </p:cNvPr>
+          <p:cNvSpPr/>
+          <p:nvPr/>
+        </p:nvSpPr>
+        <p:spPr bwMode="auto">
+          <a:xfrm>
+            <a:off x="288080" y="3264309"/>
+            <a:ext cx="3833915" cy="2719288"/>
+          </a:xfrm>
+          <a:prstGeom prst="roundRect">
+            <a:avLst/>
+          </a:prstGeom>
+          <a:ln>
+            <a:headEnd type="none" w="med" len="med"/>
+            <a:tailEnd type="none" w="med" len="med"/>
+          </a:ln>
+          <a:extLst>
+            <a:ext uri="{AF507438-7753-43E0-B8FC-AC1667EBCBE1}">
+              <a14:hiddenEffects xmlns:a14="http://schemas.microsoft.com/office/drawing/2010/main">
+                <a:effectLst>
+                  <a:outerShdw dist="35921" dir="2700000" algn="ctr" rotWithShape="0">
+                    <a:schemeClr val="bg2"/>
+                  </a:outerShdw>
+                </a:effectLst>
+              </a14:hiddenEffects>
+            </a:ext>
+          </a:extLst>
+        </p:spPr>
+        <p:style>
+          <a:lnRef idx="2">
+            <a:schemeClr val="dk1"/>
+          </a:lnRef>
+          <a:fillRef idx="1">
+            <a:schemeClr val="lt1"/>
+          </a:fillRef>
+          <a:effectRef idx="0">
+            <a:schemeClr val="dk1"/>
+          </a:effectRef>
+          <a:fontRef idx="minor">
+            <a:schemeClr val="dk1"/>
+          </a:fontRef>
+        </p:style>
+        <p:txBody>
+          <a:bodyPr rot="0" spcFirstLastPara="0" vertOverflow="overflow" horzOverflow="overflow" vert="horz" wrap="none" lIns="91440" tIns="45720" rIns="91440" bIns="45720" numCol="1" spcCol="0" rtlCol="0" fromWordArt="0" anchor="ctr" anchorCtr="0" forceAA="0" compatLnSpc="1">
+            <a:prstTxWarp prst="textNoShape">
+              <a:avLst/>
+            </a:prstTxWarp>
+            <a:noAutofit/>
+          </a:bodyPr>
+          <a:lstStyle/>
+          <a:p>
+            <a:pPr marL="0" marR="0" indent="0" algn="ctr" defTabSz="914400" rtl="0" eaLnBrk="1" fontAlgn="base" latinLnBrk="0" hangingPunct="1">
+              <a:lnSpc>
+                <a:spcPct val="100000"/>
+              </a:lnSpc>
+              <a:spcBef>
+                <a:spcPct val="0"/>
+              </a:spcBef>
+              <a:spcAft>
+                <a:spcPct val="0"/>
+              </a:spcAft>
+              <a:buClrTx/>
+              <a:buSzTx/>
+              <a:buFontTx/>
+              <a:buNone/>
+              <a:tabLst/>
+            </a:pPr>
+            <a:r>
+              <a:rPr lang="ko-KR" altLang="en-US" sz="1400" spc="50" dirty="0">
+                <a:ln w="9525" cmpd="sng">
+                  <a:noFill/>
+                  <a:prstDash val="solid"/>
+                </a:ln>
+                <a:solidFill>
+                  <a:schemeClr val="tx1">
+                    <a:lumMod val="75000"/>
+                    <a:lumOff val="25000"/>
+                  </a:schemeClr>
+                </a:solidFill>
+                <a:effectLst/>
+                <a:latin typeface="Arial" charset="0"/>
+              </a:rPr>
+              <a:t>각 모델의 </a:t>
+            </a:r>
+            <a:r>
+              <a:rPr lang="en-US" altLang="ko-KR" sz="1400" spc="50" dirty="0">
+                <a:ln w="9525" cmpd="sng">
+                  <a:noFill/>
+                  <a:prstDash val="solid"/>
+                </a:ln>
+                <a:solidFill>
+                  <a:schemeClr val="tx1">
+                    <a:lumMod val="75000"/>
+                    <a:lumOff val="25000"/>
+                  </a:schemeClr>
+                </a:solidFill>
+                <a:effectLst/>
+                <a:latin typeface="Arial" charset="0"/>
+              </a:rPr>
+              <a:t>RMSE </a:t>
+            </a:r>
+            <a:r>
+              <a:rPr lang="ko-KR" altLang="en-US" sz="1400" spc="50" dirty="0">
+                <a:ln w="9525" cmpd="sng">
+                  <a:noFill/>
+                  <a:prstDash val="solid"/>
+                </a:ln>
+                <a:solidFill>
+                  <a:schemeClr val="tx1">
+                    <a:lumMod val="75000"/>
+                    <a:lumOff val="25000"/>
+                  </a:schemeClr>
+                </a:solidFill>
+                <a:effectLst/>
+                <a:latin typeface="Arial" charset="0"/>
+              </a:rPr>
+              <a:t>값으로 보면 </a:t>
+            </a:r>
+            <a:endParaRPr lang="en-US" altLang="ko-KR" sz="1400" spc="50" dirty="0">
+              <a:ln w="9525" cmpd="sng">
+                <a:noFill/>
+                <a:prstDash val="solid"/>
+              </a:ln>
+              <a:solidFill>
+                <a:schemeClr val="tx1">
+                  <a:lumMod val="75000"/>
+                  <a:lumOff val="25000"/>
+                </a:schemeClr>
+              </a:solidFill>
+              <a:effectLst/>
+              <a:latin typeface="Arial" charset="0"/>
+            </a:endParaRPr>
+          </a:p>
+          <a:p>
+            <a:pPr marL="0" marR="0" indent="0" algn="ctr" defTabSz="914400" rtl="0" eaLnBrk="1" fontAlgn="base" latinLnBrk="0" hangingPunct="1">
+              <a:lnSpc>
+                <a:spcPct val="100000"/>
+              </a:lnSpc>
+              <a:spcBef>
+                <a:spcPct val="0"/>
+              </a:spcBef>
+              <a:spcAft>
+                <a:spcPct val="0"/>
+              </a:spcAft>
+              <a:buClrTx/>
+              <a:buSzTx/>
+              <a:buFontTx/>
+              <a:buNone/>
+              <a:tabLst/>
+            </a:pPr>
+            <a:r>
+              <a:rPr lang="en-US" altLang="ko-KR" sz="1400" spc="50" dirty="0">
+                <a:ln w="9525" cmpd="sng">
+                  <a:noFill/>
+                  <a:prstDash val="solid"/>
+                </a:ln>
+                <a:solidFill>
+                  <a:schemeClr val="tx1">
+                    <a:lumMod val="75000"/>
+                    <a:lumOff val="25000"/>
+                  </a:schemeClr>
+                </a:solidFill>
+                <a:effectLst/>
+                <a:latin typeface="Arial" charset="0"/>
+              </a:rPr>
+              <a:t>‘Normal</a:t>
+            </a:r>
+            <a:r>
+              <a:rPr lang="ko-KR" altLang="en-US" sz="1400" spc="50" dirty="0">
+                <a:ln w="9525" cmpd="sng">
+                  <a:noFill/>
+                  <a:prstDash val="solid"/>
+                </a:ln>
+                <a:solidFill>
+                  <a:schemeClr val="tx1">
+                    <a:lumMod val="75000"/>
+                    <a:lumOff val="25000"/>
+                  </a:schemeClr>
+                </a:solidFill>
+                <a:effectLst/>
+                <a:latin typeface="Arial" charset="0"/>
+              </a:rPr>
+              <a:t> </a:t>
+            </a:r>
+            <a:r>
+              <a:rPr lang="en-US" altLang="ko-KR" sz="1400" spc="50" dirty="0">
+                <a:ln w="9525" cmpd="sng">
+                  <a:noFill/>
+                  <a:prstDash val="solid"/>
+                </a:ln>
+                <a:solidFill>
+                  <a:schemeClr val="tx1">
+                    <a:lumMod val="75000"/>
+                    <a:lumOff val="25000"/>
+                  </a:schemeClr>
+                </a:solidFill>
+                <a:effectLst/>
+                <a:latin typeface="Arial" charset="0"/>
+              </a:rPr>
+              <a:t>Linear</a:t>
+            </a:r>
+            <a:r>
+              <a:rPr lang="ko-KR" altLang="en-US" sz="1400" spc="50" dirty="0">
+                <a:ln w="9525" cmpd="sng">
+                  <a:noFill/>
+                  <a:prstDash val="solid"/>
+                </a:ln>
+                <a:solidFill>
+                  <a:schemeClr val="tx1">
+                    <a:lumMod val="75000"/>
+                    <a:lumOff val="25000"/>
+                  </a:schemeClr>
+                </a:solidFill>
+                <a:effectLst/>
+                <a:latin typeface="Arial" charset="0"/>
+              </a:rPr>
+              <a:t> </a:t>
+            </a:r>
+            <a:r>
+              <a:rPr lang="en-US" altLang="ko-KR" sz="1400" spc="50" dirty="0">
+                <a:ln w="9525" cmpd="sng">
+                  <a:noFill/>
+                  <a:prstDash val="solid"/>
+                </a:ln>
+                <a:solidFill>
+                  <a:schemeClr val="tx1">
+                    <a:lumMod val="75000"/>
+                    <a:lumOff val="25000"/>
+                  </a:schemeClr>
+                </a:solidFill>
+                <a:effectLst/>
+                <a:latin typeface="Arial" charset="0"/>
+              </a:rPr>
+              <a:t>Regression’</a:t>
+            </a:r>
+            <a:r>
+              <a:rPr lang="ko-KR" altLang="en-US" sz="1400" spc="50" dirty="0">
+                <a:ln w="9525" cmpd="sng">
+                  <a:noFill/>
+                  <a:prstDash val="solid"/>
+                </a:ln>
+                <a:solidFill>
+                  <a:schemeClr val="tx1">
+                    <a:lumMod val="75000"/>
+                    <a:lumOff val="25000"/>
+                  </a:schemeClr>
+                </a:solidFill>
+                <a:effectLst/>
+                <a:latin typeface="Arial" charset="0"/>
+              </a:rPr>
+              <a:t>의 경우가 </a:t>
+            </a:r>
+            <a:endParaRPr lang="en-US" altLang="ko-KR" sz="1400" spc="50" dirty="0">
+              <a:ln w="9525" cmpd="sng">
+                <a:noFill/>
+                <a:prstDash val="solid"/>
+              </a:ln>
+              <a:solidFill>
+                <a:schemeClr val="tx1">
+                  <a:lumMod val="75000"/>
+                  <a:lumOff val="25000"/>
+                </a:schemeClr>
+              </a:solidFill>
+              <a:effectLst/>
+              <a:latin typeface="Arial" charset="0"/>
+            </a:endParaRPr>
+          </a:p>
+          <a:p>
+            <a:pPr marL="0" marR="0" indent="0" algn="ctr" defTabSz="914400" rtl="0" eaLnBrk="1" fontAlgn="base" latinLnBrk="0" hangingPunct="1">
+              <a:lnSpc>
+                <a:spcPct val="100000"/>
+              </a:lnSpc>
+              <a:spcBef>
+                <a:spcPct val="0"/>
+              </a:spcBef>
+              <a:spcAft>
+                <a:spcPct val="0"/>
+              </a:spcAft>
+              <a:buClrTx/>
+              <a:buSzTx/>
+              <a:buFontTx/>
+              <a:buNone/>
+              <a:tabLst/>
+            </a:pPr>
+            <a:r>
+              <a:rPr lang="ko-KR" altLang="en-US" sz="1400" spc="50" dirty="0">
+                <a:ln w="9525" cmpd="sng">
+                  <a:noFill/>
+                  <a:prstDash val="solid"/>
+                </a:ln>
+                <a:solidFill>
+                  <a:schemeClr val="tx1">
+                    <a:lumMod val="75000"/>
+                    <a:lumOff val="25000"/>
+                  </a:schemeClr>
+                </a:solidFill>
+                <a:effectLst/>
+                <a:latin typeface="Arial" charset="0"/>
+              </a:rPr>
+              <a:t>가장 성능이 양호한 것으로 판단 됨</a:t>
+            </a:r>
+            <a:r>
+              <a:rPr lang="en-US" altLang="ko-KR" sz="1400" spc="50" dirty="0">
+                <a:ln w="9525" cmpd="sng">
+                  <a:noFill/>
+                  <a:prstDash val="solid"/>
+                </a:ln>
+                <a:solidFill>
+                  <a:schemeClr val="tx1">
+                    <a:lumMod val="75000"/>
+                    <a:lumOff val="25000"/>
+                  </a:schemeClr>
+                </a:solidFill>
+                <a:effectLst/>
+                <a:latin typeface="Arial" charset="0"/>
+              </a:rPr>
+              <a:t>.</a:t>
+            </a:r>
+          </a:p>
+          <a:p>
+            <a:pPr marL="0" marR="0" indent="0" algn="ctr" defTabSz="914400" rtl="0" eaLnBrk="1" fontAlgn="base" latinLnBrk="0" hangingPunct="1">
+              <a:lnSpc>
+                <a:spcPct val="100000"/>
+              </a:lnSpc>
+              <a:spcBef>
+                <a:spcPct val="0"/>
+              </a:spcBef>
+              <a:spcAft>
+                <a:spcPct val="0"/>
+              </a:spcAft>
+              <a:buClrTx/>
+              <a:buSzTx/>
+              <a:buFontTx/>
+              <a:buNone/>
+              <a:tabLst/>
+            </a:pPr>
+            <a:endParaRPr lang="en-US" altLang="ko-KR" sz="1400" spc="50" dirty="0">
+              <a:ln w="9525" cmpd="sng">
+                <a:noFill/>
+                <a:prstDash val="solid"/>
+              </a:ln>
+              <a:solidFill>
+                <a:schemeClr val="tx1">
+                  <a:lumMod val="75000"/>
+                  <a:lumOff val="25000"/>
+                </a:schemeClr>
+              </a:solidFill>
+              <a:effectLst/>
+              <a:latin typeface="Arial" charset="0"/>
+            </a:endParaRPr>
+          </a:p>
+          <a:p>
+            <a:pPr marL="0" marR="0" indent="0" algn="ctr" defTabSz="914400" rtl="0" eaLnBrk="1" fontAlgn="base" latinLnBrk="0" hangingPunct="1">
+              <a:lnSpc>
+                <a:spcPct val="100000"/>
+              </a:lnSpc>
+              <a:spcBef>
+                <a:spcPct val="0"/>
+              </a:spcBef>
+              <a:spcAft>
+                <a:spcPct val="0"/>
+              </a:spcAft>
+              <a:buClrTx/>
+              <a:buSzTx/>
+              <a:buFontTx/>
+              <a:buNone/>
+              <a:tabLst/>
+            </a:pPr>
+            <a:r>
+              <a:rPr lang="en-US" altLang="ko-KR" sz="1400" spc="50" dirty="0">
+                <a:ln w="9525" cmpd="sng">
+                  <a:noFill/>
+                  <a:prstDash val="solid"/>
+                </a:ln>
+                <a:solidFill>
+                  <a:schemeClr val="tx1">
+                    <a:lumMod val="75000"/>
+                    <a:lumOff val="25000"/>
+                  </a:schemeClr>
+                </a:solidFill>
+                <a:effectLst/>
+                <a:latin typeface="Arial" charset="0"/>
+              </a:rPr>
+              <a:t>Lasso CV</a:t>
+            </a:r>
+            <a:r>
+              <a:rPr lang="ko-KR" altLang="en-US" sz="1400" spc="50" dirty="0">
+                <a:ln w="9525" cmpd="sng">
+                  <a:noFill/>
+                  <a:prstDash val="solid"/>
+                </a:ln>
+                <a:solidFill>
+                  <a:schemeClr val="tx1">
+                    <a:lumMod val="75000"/>
+                    <a:lumOff val="25000"/>
+                  </a:schemeClr>
+                </a:solidFill>
+                <a:effectLst/>
+                <a:latin typeface="Arial" charset="0"/>
+              </a:rPr>
+              <a:t>의 경우 처음 </a:t>
+            </a:r>
+            <a:r>
+              <a:rPr lang="en-US" altLang="ko-KR" sz="1400" spc="50" dirty="0">
+                <a:ln w="9525" cmpd="sng">
+                  <a:noFill/>
+                  <a:prstDash val="solid"/>
+                </a:ln>
+                <a:solidFill>
+                  <a:schemeClr val="tx1">
+                    <a:lumMod val="75000"/>
+                    <a:lumOff val="25000"/>
+                  </a:schemeClr>
+                </a:solidFill>
+                <a:effectLst/>
+                <a:latin typeface="Arial" charset="0"/>
+              </a:rPr>
+              <a:t>6</a:t>
+            </a:r>
+            <a:r>
+              <a:rPr lang="ko-KR" altLang="en-US" sz="1400" spc="50" dirty="0">
+                <a:ln w="9525" cmpd="sng">
+                  <a:noFill/>
+                  <a:prstDash val="solid"/>
+                </a:ln>
+                <a:solidFill>
+                  <a:schemeClr val="tx1">
+                    <a:lumMod val="75000"/>
+                    <a:lumOff val="25000"/>
+                  </a:schemeClr>
+                </a:solidFill>
+                <a:effectLst/>
+                <a:latin typeface="Arial" charset="0"/>
+              </a:rPr>
+              <a:t>개 변수 모두 </a:t>
+            </a:r>
+            <a:endParaRPr lang="en-US" altLang="ko-KR" sz="1400" spc="50" dirty="0">
+              <a:ln w="9525" cmpd="sng">
+                <a:noFill/>
+                <a:prstDash val="solid"/>
+              </a:ln>
+              <a:solidFill>
+                <a:schemeClr val="tx1">
+                  <a:lumMod val="75000"/>
+                  <a:lumOff val="25000"/>
+                </a:schemeClr>
+              </a:solidFill>
+              <a:effectLst/>
+              <a:latin typeface="Arial" charset="0"/>
+            </a:endParaRPr>
+          </a:p>
+          <a:p>
+            <a:pPr marL="0" marR="0" indent="0" algn="ctr" defTabSz="914400" rtl="0" eaLnBrk="1" fontAlgn="base" latinLnBrk="0" hangingPunct="1">
+              <a:lnSpc>
+                <a:spcPct val="100000"/>
+              </a:lnSpc>
+              <a:spcBef>
+                <a:spcPct val="0"/>
+              </a:spcBef>
+              <a:spcAft>
+                <a:spcPct val="0"/>
+              </a:spcAft>
+              <a:buClrTx/>
+              <a:buSzTx/>
+              <a:buFontTx/>
+              <a:buNone/>
+              <a:tabLst/>
+            </a:pPr>
+            <a:r>
+              <a:rPr lang="ko-KR" altLang="en-US" sz="1400" spc="50" dirty="0">
+                <a:ln w="9525" cmpd="sng">
+                  <a:noFill/>
+                  <a:prstDash val="solid"/>
+                </a:ln>
+                <a:solidFill>
+                  <a:schemeClr val="tx1">
+                    <a:lumMod val="75000"/>
+                    <a:lumOff val="25000"/>
+                  </a:schemeClr>
+                </a:solidFill>
+                <a:effectLst/>
+                <a:latin typeface="Arial" charset="0"/>
+              </a:rPr>
+              <a:t>사용하는 것으로 성능차이 없음 </a:t>
+            </a:r>
+            <a:endParaRPr kumimoji="0" lang="en-US" altLang="ko-KR" sz="1400" i="0" u="none" strike="noStrike" spc="50" normalizeH="0" baseline="0" dirty="0">
+              <a:ln w="9525" cmpd="sng">
+                <a:noFill/>
+                <a:prstDash val="solid"/>
+              </a:ln>
+              <a:solidFill>
+                <a:schemeClr val="tx1">
+                  <a:lumMod val="75000"/>
+                  <a:lumOff val="25000"/>
+                </a:schemeClr>
+              </a:solidFill>
+              <a:effectLst/>
+              <a:latin typeface="Arial" charset="0"/>
+            </a:endParaRPr>
+          </a:p>
+        </p:txBody>
+      </p:sp>
+      <p:pic>
+        <p:nvPicPr>
+          <p:cNvPr id="2" name="그림 1">
+            <a:extLst>
+              <a:ext uri="{FF2B5EF4-FFF2-40B4-BE49-F238E27FC236}">
+                <a16:creationId xmlns:a16="http://schemas.microsoft.com/office/drawing/2014/main" id="{5BB4D69D-FB08-404C-9090-F188244A1939}"/>
+              </a:ext>
+            </a:extLst>
+          </p:cNvPr>
+          <p:cNvPicPr>
+            <a:picLocks noChangeAspect="1"/>
+          </p:cNvPicPr>
+          <p:nvPr/>
+        </p:nvPicPr>
+        <p:blipFill rotWithShape="1">
+          <a:blip r:embed="rId3"/>
+          <a:srcRect r="26488"/>
+          <a:stretch/>
+        </p:blipFill>
+        <p:spPr>
+          <a:xfrm>
+            <a:off x="255227" y="1418356"/>
+            <a:ext cx="3690041" cy="1457325"/>
+          </a:xfrm>
+          <a:prstGeom prst="rect">
+            <a:avLst/>
+          </a:prstGeom>
+        </p:spPr>
+      </p:pic>
+      <p:pic>
+        <p:nvPicPr>
+          <p:cNvPr id="6" name="그림 5">
+            <a:extLst>
+              <a:ext uri="{FF2B5EF4-FFF2-40B4-BE49-F238E27FC236}">
+                <a16:creationId xmlns:a16="http://schemas.microsoft.com/office/drawing/2014/main" id="{498622D6-C7FD-4DF3-946E-D1D5E51C3CA7}"/>
+              </a:ext>
+            </a:extLst>
+          </p:cNvPr>
+          <p:cNvPicPr>
+            <a:picLocks noChangeAspect="1"/>
+          </p:cNvPicPr>
+          <p:nvPr/>
+        </p:nvPicPr>
+        <p:blipFill>
+          <a:blip r:embed="rId4"/>
+          <a:stretch>
+            <a:fillRect/>
+          </a:stretch>
+        </p:blipFill>
+        <p:spPr>
+          <a:xfrm>
+            <a:off x="4301997" y="1583047"/>
+            <a:ext cx="4733925" cy="4400550"/>
+          </a:xfrm>
+          <a:prstGeom prst="rect">
+            <a:avLst/>
+          </a:prstGeom>
+        </p:spPr>
+      </p:pic>
+      <p:sp>
+        <p:nvSpPr>
+          <p:cNvPr id="10" name="직사각형 9">
+            <a:extLst>
+              <a:ext uri="{FF2B5EF4-FFF2-40B4-BE49-F238E27FC236}">
+                <a16:creationId xmlns:a16="http://schemas.microsoft.com/office/drawing/2014/main" id="{9F20DC78-67FE-41A3-92C2-9176217A4165}"/>
+              </a:ext>
+            </a:extLst>
+          </p:cNvPr>
+          <p:cNvSpPr/>
+          <p:nvPr/>
+        </p:nvSpPr>
+        <p:spPr bwMode="auto">
+          <a:xfrm>
+            <a:off x="255227" y="1088974"/>
+            <a:ext cx="2426752" cy="329382"/>
+          </a:xfrm>
+          <a:prstGeom prst="rect">
+            <a:avLst/>
+          </a:prstGeom>
+          <a:ln>
+            <a:headEnd type="none" w="med" len="med"/>
+            <a:tailEnd type="none" w="med" len="med"/>
+          </a:ln>
+          <a:extLst>
+            <a:ext uri="{AF507438-7753-43E0-B8FC-AC1667EBCBE1}">
+              <a14:hiddenEffects xmlns:a14="http://schemas.microsoft.com/office/drawing/2010/main">
+                <a:effectLst>
+                  <a:outerShdw dist="35921" dir="2700000" algn="ctr" rotWithShape="0">
+                    <a:schemeClr val="bg2"/>
+                  </a:outerShdw>
+                </a:effectLst>
+              </a14:hiddenEffects>
+            </a:ext>
+          </a:extLst>
+        </p:spPr>
+        <p:style>
+          <a:lnRef idx="2">
+            <a:schemeClr val="dk1"/>
+          </a:lnRef>
+          <a:fillRef idx="1">
+            <a:schemeClr val="lt1"/>
+          </a:fillRef>
+          <a:effectRef idx="0">
+            <a:schemeClr val="dk1"/>
+          </a:effectRef>
+          <a:fontRef idx="minor">
+            <a:schemeClr val="dk1"/>
+          </a:fontRef>
+        </p:style>
+        <p:txBody>
+          <a:bodyPr vert="horz" wrap="none" lIns="91440" tIns="45720" rIns="91440" bIns="45720" numCol="1" rtlCol="0" anchor="ctr" anchorCtr="0" compatLnSpc="1">
+            <a:prstTxWarp prst="textNoShape">
+              <a:avLst/>
+            </a:prstTxWarp>
+          </a:bodyPr>
+          <a:lstStyle/>
+          <a:p>
+            <a:pPr marL="0" marR="0" indent="0" algn="ctr" defTabSz="914400" rtl="0" eaLnBrk="1" fontAlgn="base" latinLnBrk="0" hangingPunct="1">
+              <a:lnSpc>
+                <a:spcPct val="100000"/>
+              </a:lnSpc>
+              <a:spcBef>
+                <a:spcPct val="0"/>
+              </a:spcBef>
+              <a:spcAft>
+                <a:spcPct val="0"/>
+              </a:spcAft>
+              <a:buClrTx/>
+              <a:buSzTx/>
+              <a:buFontTx/>
+              <a:buNone/>
+              <a:tabLst/>
+            </a:pPr>
+            <a:r>
+              <a:rPr kumimoji="0" lang="en-US" altLang="ko-KR" sz="1400" b="0" i="0" u="none" strike="noStrike" cap="none" normalizeH="0" baseline="0" dirty="0">
+                <a:ln>
+                  <a:noFill/>
+                </a:ln>
+                <a:solidFill>
+                  <a:schemeClr val="tx1"/>
+                </a:solidFill>
+                <a:effectLst/>
+                <a:latin typeface="Arial" charset="0"/>
+              </a:rPr>
+              <a:t>Normal Linear Regression</a:t>
+            </a:r>
+            <a:endParaRPr kumimoji="0" lang="ko-KR" altLang="en-US" sz="1400" b="0" i="0" u="none" strike="noStrike" cap="none" normalizeH="0" baseline="0" dirty="0">
+              <a:ln>
+                <a:noFill/>
+              </a:ln>
+              <a:solidFill>
+                <a:schemeClr val="tx1"/>
+              </a:solidFill>
+              <a:effectLst/>
+              <a:latin typeface="Arial" charset="0"/>
+            </a:endParaRPr>
+          </a:p>
+        </p:txBody>
+      </p:sp>
+      <p:sp>
+        <p:nvSpPr>
+          <p:cNvPr id="11" name="직사각형 10">
+            <a:extLst>
+              <a:ext uri="{FF2B5EF4-FFF2-40B4-BE49-F238E27FC236}">
+                <a16:creationId xmlns:a16="http://schemas.microsoft.com/office/drawing/2014/main" id="{CD6B85A2-ED23-466F-9CA4-116ABFA7D8CD}"/>
+              </a:ext>
+            </a:extLst>
+          </p:cNvPr>
+          <p:cNvSpPr/>
+          <p:nvPr/>
+        </p:nvSpPr>
+        <p:spPr bwMode="auto">
+          <a:xfrm>
+            <a:off x="4391998" y="1253665"/>
+            <a:ext cx="1530017" cy="329382"/>
+          </a:xfrm>
+          <a:prstGeom prst="rect">
+            <a:avLst/>
+          </a:prstGeom>
+          <a:ln>
+            <a:headEnd type="none" w="med" len="med"/>
+            <a:tailEnd type="none" w="med" len="med"/>
+          </a:ln>
+          <a:extLst>
+            <a:ext uri="{AF507438-7753-43E0-B8FC-AC1667EBCBE1}">
+              <a14:hiddenEffects xmlns:a14="http://schemas.microsoft.com/office/drawing/2010/main">
+                <a:effectLst>
+                  <a:outerShdw dist="35921" dir="2700000" algn="ctr" rotWithShape="0">
+                    <a:schemeClr val="bg2"/>
+                  </a:outerShdw>
+                </a:effectLst>
+              </a14:hiddenEffects>
+            </a:ext>
+          </a:extLst>
+        </p:spPr>
+        <p:style>
+          <a:lnRef idx="2">
+            <a:schemeClr val="dk1"/>
+          </a:lnRef>
+          <a:fillRef idx="1">
+            <a:schemeClr val="lt1"/>
+          </a:fillRef>
+          <a:effectRef idx="0">
+            <a:schemeClr val="dk1"/>
+          </a:effectRef>
+          <a:fontRef idx="minor">
+            <a:schemeClr val="dk1"/>
+          </a:fontRef>
+        </p:style>
+        <p:txBody>
+          <a:bodyPr vert="horz" wrap="none" lIns="91440" tIns="45720" rIns="91440" bIns="45720" numCol="1" rtlCol="0" anchor="ctr" anchorCtr="0" compatLnSpc="1">
+            <a:prstTxWarp prst="textNoShape">
+              <a:avLst/>
+            </a:prstTxWarp>
+          </a:bodyPr>
+          <a:lstStyle/>
+          <a:p>
+            <a:pPr marL="0" marR="0" indent="0" algn="ctr" defTabSz="914400" rtl="0" eaLnBrk="1" fontAlgn="base" latinLnBrk="0" hangingPunct="1">
+              <a:lnSpc>
+                <a:spcPct val="100000"/>
+              </a:lnSpc>
+              <a:spcBef>
+                <a:spcPct val="0"/>
+              </a:spcBef>
+              <a:spcAft>
+                <a:spcPct val="0"/>
+              </a:spcAft>
+              <a:buClrTx/>
+              <a:buSzTx/>
+              <a:buFontTx/>
+              <a:buNone/>
+              <a:tabLst/>
+            </a:pPr>
+            <a:r>
+              <a:rPr kumimoji="0" lang="en-US" altLang="ko-KR" sz="1400" b="0" i="0" u="none" strike="noStrike" cap="none" normalizeH="0" baseline="0" dirty="0">
+                <a:ln>
+                  <a:noFill/>
+                </a:ln>
+                <a:solidFill>
+                  <a:schemeClr val="tx1"/>
+                </a:solidFill>
+                <a:effectLst/>
+                <a:latin typeface="Arial" charset="0"/>
+              </a:rPr>
+              <a:t>Lasso</a:t>
+            </a:r>
+            <a:endParaRPr kumimoji="0" lang="ko-KR" altLang="en-US" sz="1400" b="0" i="0" u="none" strike="noStrike" cap="none" normalizeH="0" baseline="0" dirty="0">
+              <a:ln>
+                <a:noFill/>
+              </a:ln>
+              <a:solidFill>
+                <a:schemeClr val="tx1"/>
+              </a:solidFill>
+              <a:effectLst/>
+              <a:latin typeface="Arial" charset="0"/>
+            </a:endParaRPr>
+          </a:p>
+        </p:txBody>
+      </p:sp>
+      <p:sp>
+        <p:nvSpPr>
+          <p:cNvPr id="12" name="직사각형 11">
+            <a:extLst>
+              <a:ext uri="{FF2B5EF4-FFF2-40B4-BE49-F238E27FC236}">
+                <a16:creationId xmlns:a16="http://schemas.microsoft.com/office/drawing/2014/main" id="{F20E30F2-EBB3-4276-B3E6-6816F2F3B914}"/>
+              </a:ext>
+            </a:extLst>
+          </p:cNvPr>
+          <p:cNvSpPr/>
+          <p:nvPr/>
+        </p:nvSpPr>
+        <p:spPr bwMode="auto">
+          <a:xfrm>
+            <a:off x="6012015" y="2517022"/>
+            <a:ext cx="1530017" cy="329382"/>
+          </a:xfrm>
+          <a:prstGeom prst="rect">
+            <a:avLst/>
+          </a:prstGeom>
+          <a:ln>
+            <a:headEnd type="none" w="med" len="med"/>
+            <a:tailEnd type="none" w="med" len="med"/>
+          </a:ln>
+          <a:extLst>
+            <a:ext uri="{AF507438-7753-43E0-B8FC-AC1667EBCBE1}">
+              <a14:hiddenEffects xmlns:a14="http://schemas.microsoft.com/office/drawing/2010/main">
+                <a:effectLst>
+                  <a:outerShdw dist="35921" dir="2700000" algn="ctr" rotWithShape="0">
+                    <a:schemeClr val="bg2"/>
+                  </a:outerShdw>
+                </a:effectLst>
+              </a14:hiddenEffects>
+            </a:ext>
+          </a:extLst>
+        </p:spPr>
+        <p:style>
+          <a:lnRef idx="2">
+            <a:schemeClr val="dk1"/>
+          </a:lnRef>
+          <a:fillRef idx="1">
+            <a:schemeClr val="lt1"/>
+          </a:fillRef>
+          <a:effectRef idx="0">
+            <a:schemeClr val="dk1"/>
+          </a:effectRef>
+          <a:fontRef idx="minor">
+            <a:schemeClr val="dk1"/>
+          </a:fontRef>
+        </p:style>
+        <p:txBody>
+          <a:bodyPr vert="horz" wrap="none" lIns="91440" tIns="45720" rIns="91440" bIns="45720" numCol="1" rtlCol="0" anchor="ctr" anchorCtr="0" compatLnSpc="1">
+            <a:prstTxWarp prst="textNoShape">
+              <a:avLst/>
+            </a:prstTxWarp>
+          </a:bodyPr>
+          <a:lstStyle/>
+          <a:p>
+            <a:pPr marL="0" marR="0" indent="0" algn="ctr" defTabSz="914400" rtl="0" eaLnBrk="1" fontAlgn="base" latinLnBrk="0" hangingPunct="1">
+              <a:lnSpc>
+                <a:spcPct val="100000"/>
+              </a:lnSpc>
+              <a:spcBef>
+                <a:spcPct val="0"/>
+              </a:spcBef>
+              <a:spcAft>
+                <a:spcPct val="0"/>
+              </a:spcAft>
+              <a:buClrTx/>
+              <a:buSzTx/>
+              <a:buFontTx/>
+              <a:buNone/>
+              <a:tabLst/>
+            </a:pPr>
+            <a:r>
+              <a:rPr kumimoji="0" lang="en-US" altLang="ko-KR" sz="1400" b="0" i="0" u="none" strike="noStrike" cap="none" normalizeH="0" baseline="0" dirty="0">
+                <a:ln>
+                  <a:noFill/>
+                </a:ln>
+                <a:solidFill>
+                  <a:schemeClr val="tx1"/>
+                </a:solidFill>
+                <a:effectLst/>
+                <a:latin typeface="Arial" charset="0"/>
+              </a:rPr>
+              <a:t>Lasso CV</a:t>
+            </a:r>
+            <a:endParaRPr kumimoji="0" lang="ko-KR" altLang="en-US" sz="1400" b="0" i="0" u="none" strike="noStrike" cap="none" normalizeH="0" baseline="0" dirty="0">
+              <a:ln>
+                <a:noFill/>
+              </a:ln>
+              <a:solidFill>
+                <a:schemeClr val="tx1"/>
+              </a:solidFill>
+              <a:effectLst/>
+              <a:latin typeface="Arial" charset="0"/>
+            </a:endParaRPr>
+          </a:p>
+        </p:txBody>
+      </p:sp>
+      <p:sp>
+        <p:nvSpPr>
+          <p:cNvPr id="13" name="직사각형 12">
+            <a:extLst>
+              <a:ext uri="{FF2B5EF4-FFF2-40B4-BE49-F238E27FC236}">
+                <a16:creationId xmlns:a16="http://schemas.microsoft.com/office/drawing/2014/main" id="{CEBBDAC4-9431-45FD-93A2-02602C39845C}"/>
+              </a:ext>
+            </a:extLst>
+          </p:cNvPr>
+          <p:cNvSpPr/>
+          <p:nvPr/>
+        </p:nvSpPr>
+        <p:spPr bwMode="auto">
+          <a:xfrm>
+            <a:off x="6012016" y="4011596"/>
+            <a:ext cx="1530017" cy="329382"/>
+          </a:xfrm>
+          <a:prstGeom prst="rect">
+            <a:avLst/>
+          </a:prstGeom>
+          <a:ln>
+            <a:headEnd type="none" w="med" len="med"/>
+            <a:tailEnd type="none" w="med" len="med"/>
+          </a:ln>
+          <a:extLst>
+            <a:ext uri="{AF507438-7753-43E0-B8FC-AC1667EBCBE1}">
+              <a14:hiddenEffects xmlns:a14="http://schemas.microsoft.com/office/drawing/2010/main">
+                <a:effectLst>
+                  <a:outerShdw dist="35921" dir="2700000" algn="ctr" rotWithShape="0">
+                    <a:schemeClr val="bg2"/>
+                  </a:outerShdw>
+                </a:effectLst>
+              </a14:hiddenEffects>
+            </a:ext>
+          </a:extLst>
+        </p:spPr>
+        <p:style>
+          <a:lnRef idx="2">
+            <a:schemeClr val="dk1"/>
+          </a:lnRef>
+          <a:fillRef idx="1">
+            <a:schemeClr val="lt1"/>
+          </a:fillRef>
+          <a:effectRef idx="0">
+            <a:schemeClr val="dk1"/>
+          </a:effectRef>
+          <a:fontRef idx="minor">
+            <a:schemeClr val="dk1"/>
+          </a:fontRef>
+        </p:style>
+        <p:txBody>
+          <a:bodyPr vert="horz" wrap="none" lIns="91440" tIns="45720" rIns="91440" bIns="45720" numCol="1" rtlCol="0" anchor="ctr" anchorCtr="0" compatLnSpc="1">
+            <a:prstTxWarp prst="textNoShape">
+              <a:avLst/>
+            </a:prstTxWarp>
+          </a:bodyPr>
+          <a:lstStyle/>
+          <a:p>
+            <a:pPr marL="0" marR="0" indent="0" algn="ctr" defTabSz="914400" rtl="0" eaLnBrk="1" fontAlgn="base" latinLnBrk="0" hangingPunct="1">
+              <a:lnSpc>
+                <a:spcPct val="100000"/>
+              </a:lnSpc>
+              <a:spcBef>
+                <a:spcPct val="0"/>
+              </a:spcBef>
+              <a:spcAft>
+                <a:spcPct val="0"/>
+              </a:spcAft>
+              <a:buClrTx/>
+              <a:buSzTx/>
+              <a:buFontTx/>
+              <a:buNone/>
+              <a:tabLst/>
+            </a:pPr>
+            <a:r>
+              <a:rPr kumimoji="0" lang="en-US" altLang="ko-KR" sz="1400" b="0" i="0" u="none" strike="noStrike" cap="none" normalizeH="0" baseline="0" dirty="0">
+                <a:ln>
+                  <a:noFill/>
+                </a:ln>
+                <a:solidFill>
+                  <a:schemeClr val="tx1"/>
+                </a:solidFill>
+                <a:effectLst/>
+                <a:latin typeface="Arial" charset="0"/>
+              </a:rPr>
+              <a:t>Ridge</a:t>
+            </a:r>
+            <a:endParaRPr kumimoji="0" lang="ko-KR" altLang="en-US" sz="1400" b="0" i="0" u="none" strike="noStrike" cap="none" normalizeH="0" baseline="0" dirty="0">
+              <a:ln>
+                <a:noFill/>
+              </a:ln>
+              <a:solidFill>
+                <a:schemeClr val="tx1"/>
+              </a:solidFill>
+              <a:effectLst/>
+              <a:latin typeface="Arial" charset="0"/>
+            </a:endParaRPr>
+          </a:p>
+        </p:txBody>
+      </p:sp>
+      <p:sp>
+        <p:nvSpPr>
+          <p:cNvPr id="14" name="직사각형 13">
+            <a:extLst>
+              <a:ext uri="{FF2B5EF4-FFF2-40B4-BE49-F238E27FC236}">
+                <a16:creationId xmlns:a16="http://schemas.microsoft.com/office/drawing/2014/main" id="{6509B7FD-EBC5-4F63-A935-CA99BE6EC451}"/>
+              </a:ext>
+            </a:extLst>
+          </p:cNvPr>
+          <p:cNvSpPr/>
+          <p:nvPr/>
+        </p:nvSpPr>
+        <p:spPr bwMode="auto">
+          <a:xfrm>
+            <a:off x="6003351" y="4963404"/>
+            <a:ext cx="1530017" cy="329382"/>
+          </a:xfrm>
+          <a:prstGeom prst="rect">
+            <a:avLst/>
+          </a:prstGeom>
+          <a:ln>
+            <a:headEnd type="none" w="med" len="med"/>
+            <a:tailEnd type="none" w="med" len="med"/>
+          </a:ln>
+          <a:extLst>
+            <a:ext uri="{AF507438-7753-43E0-B8FC-AC1667EBCBE1}">
+              <a14:hiddenEffects xmlns:a14="http://schemas.microsoft.com/office/drawing/2010/main">
+                <a:effectLst>
+                  <a:outerShdw dist="35921" dir="2700000" algn="ctr" rotWithShape="0">
+                    <a:schemeClr val="bg2"/>
+                  </a:outerShdw>
+                </a:effectLst>
+              </a14:hiddenEffects>
+            </a:ext>
+          </a:extLst>
+        </p:spPr>
+        <p:style>
+          <a:lnRef idx="2">
+            <a:schemeClr val="dk1"/>
+          </a:lnRef>
+          <a:fillRef idx="1">
+            <a:schemeClr val="lt1"/>
+          </a:fillRef>
+          <a:effectRef idx="0">
+            <a:schemeClr val="dk1"/>
+          </a:effectRef>
+          <a:fontRef idx="minor">
+            <a:schemeClr val="dk1"/>
+          </a:fontRef>
+        </p:style>
+        <p:txBody>
+          <a:bodyPr vert="horz" wrap="none" lIns="91440" tIns="45720" rIns="91440" bIns="45720" numCol="1" rtlCol="0" anchor="ctr" anchorCtr="0" compatLnSpc="1">
+            <a:prstTxWarp prst="textNoShape">
+              <a:avLst/>
+            </a:prstTxWarp>
+          </a:bodyPr>
+          <a:lstStyle/>
+          <a:p>
+            <a:pPr marL="0" marR="0" indent="0" algn="ctr" defTabSz="914400" rtl="0" eaLnBrk="1" fontAlgn="base" latinLnBrk="0" hangingPunct="1">
+              <a:lnSpc>
+                <a:spcPct val="100000"/>
+              </a:lnSpc>
+              <a:spcBef>
+                <a:spcPct val="0"/>
+              </a:spcBef>
+              <a:spcAft>
+                <a:spcPct val="0"/>
+              </a:spcAft>
+              <a:buClrTx/>
+              <a:buSzTx/>
+              <a:buFontTx/>
+              <a:buNone/>
+              <a:tabLst/>
+            </a:pPr>
+            <a:r>
+              <a:rPr lang="en-US" altLang="ko-KR" sz="1400" dirty="0">
+                <a:solidFill>
+                  <a:schemeClr val="tx1"/>
+                </a:solidFill>
+                <a:latin typeface="Arial" charset="0"/>
+              </a:rPr>
+              <a:t>Bayesian Ridge</a:t>
+            </a:r>
+            <a:endParaRPr kumimoji="0" lang="ko-KR" altLang="en-US" sz="1400" b="0" i="0" u="none" strike="noStrike" cap="none" normalizeH="0" baseline="0" dirty="0">
+              <a:ln>
+                <a:noFill/>
+              </a:ln>
+              <a:solidFill>
+                <a:schemeClr val="tx1"/>
+              </a:solidFill>
+              <a:effectLst/>
+              <a:latin typeface="Arial" charset="0"/>
+            </a:endParaRPr>
+          </a:p>
+        </p:txBody>
+      </p:sp>
+    </p:spTree>
+    <p:extLst>
+      <p:ext uri="{BB962C8B-B14F-4D97-AF65-F5344CB8AC3E}">
+        <p14:creationId xmlns:p14="http://schemas.microsoft.com/office/powerpoint/2010/main" val="1594349116"/>
+      </p:ext>
+    </p:extLst>
+  </p:cSld>
+  <p:clrMapOvr>
+    <a:masterClrMapping/>
+  </p:clrMapOvr>
+  <p:transition/>
+</p:sld>
+</file>
+
+<file path=ppt/slides/slide14.xml><?xml version="1.0" encoding="utf-8"?>
+<p:sld xmlns:a="http://schemas.openxmlformats.org/drawingml/2006/main" xmlns:r="http://schemas.openxmlformats.org/officeDocument/2006/relationships" xmlns:p="http://schemas.openxmlformats.org/presentationml/2006/main">
+  <p:cSld>
+    <p:spTree>
+      <p:nvGrpSpPr>
+        <p:cNvPr id="1" name=""/>
+        <p:cNvGrpSpPr/>
+        <p:nvPr/>
+      </p:nvGrpSpPr>
+      <p:grpSpPr>
+        <a:xfrm>
+          <a:off x="0" y="0"/>
+          <a:ext cx="0" cy="0"/>
+          <a:chOff x="0" y="0"/>
+          <a:chExt cx="0" cy="0"/>
+        </a:xfrm>
+      </p:grpSpPr>
+      <p:pic>
+        <p:nvPicPr>
+          <p:cNvPr id="4" name="그림 3">
+            <a:extLst>
+              <a:ext uri="{FF2B5EF4-FFF2-40B4-BE49-F238E27FC236}">
+                <a16:creationId xmlns:a16="http://schemas.microsoft.com/office/drawing/2014/main" id="{13C012C2-57CE-41AD-A12A-571D9CE8AAFD}"/>
+              </a:ext>
+            </a:extLst>
+          </p:cNvPr>
+          <p:cNvPicPr>
+            <a:picLocks noChangeAspect="1"/>
+          </p:cNvPicPr>
+          <p:nvPr/>
+        </p:nvPicPr>
+        <p:blipFill rotWithShape="1">
+          <a:blip r:embed="rId2"/>
+          <a:srcRect t="86044" b="522"/>
+          <a:stretch/>
+        </p:blipFill>
+        <p:spPr>
+          <a:xfrm>
+            <a:off x="0" y="124674"/>
+            <a:ext cx="9144000" cy="614696"/>
+          </a:xfrm>
+          <a:prstGeom prst="rect">
+            <a:avLst/>
+          </a:prstGeom>
+        </p:spPr>
+      </p:pic>
+      <p:pic>
+        <p:nvPicPr>
+          <p:cNvPr id="3" name="그림 2">
+            <a:extLst>
+              <a:ext uri="{FF2B5EF4-FFF2-40B4-BE49-F238E27FC236}">
+                <a16:creationId xmlns:a16="http://schemas.microsoft.com/office/drawing/2014/main" id="{584C6853-321E-460A-A627-01FAA93CF13B}"/>
+              </a:ext>
+            </a:extLst>
+          </p:cNvPr>
+          <p:cNvPicPr>
+            <a:picLocks noChangeAspect="1"/>
+          </p:cNvPicPr>
+          <p:nvPr/>
+        </p:nvPicPr>
+        <p:blipFill>
+          <a:blip r:embed="rId3"/>
+          <a:stretch>
+            <a:fillRect/>
+          </a:stretch>
+        </p:blipFill>
+        <p:spPr>
+          <a:xfrm>
+            <a:off x="724770" y="976312"/>
+            <a:ext cx="5467248" cy="3867627"/>
+          </a:xfrm>
+          <a:prstGeom prst="rect">
+            <a:avLst/>
+          </a:prstGeom>
+        </p:spPr>
+      </p:pic>
+      <p:sp>
+        <p:nvSpPr>
+          <p:cNvPr id="7" name="사각형: 둥근 모서리 6">
+            <a:extLst>
+              <a:ext uri="{FF2B5EF4-FFF2-40B4-BE49-F238E27FC236}">
+                <a16:creationId xmlns:a16="http://schemas.microsoft.com/office/drawing/2014/main" id="{17C3E043-F5F6-478F-BF9E-7044D4AD773F}"/>
+              </a:ext>
+            </a:extLst>
+          </p:cNvPr>
+          <p:cNvSpPr/>
+          <p:nvPr/>
+        </p:nvSpPr>
+        <p:spPr bwMode="auto">
+          <a:xfrm>
+            <a:off x="724771" y="4959017"/>
+            <a:ext cx="8131150" cy="922670"/>
+          </a:xfrm>
+          <a:prstGeom prst="roundRect">
+            <a:avLst/>
+          </a:prstGeom>
+          <a:ln>
+            <a:headEnd type="none" w="med" len="med"/>
+            <a:tailEnd type="none" w="med" len="med"/>
+          </a:ln>
+          <a:extLst>
+            <a:ext uri="{AF507438-7753-43E0-B8FC-AC1667EBCBE1}">
+              <a14:hiddenEffects xmlns:a14="http://schemas.microsoft.com/office/drawing/2010/main">
+                <a:effectLst>
+                  <a:outerShdw dist="35921" dir="2700000" algn="ctr" rotWithShape="0">
+                    <a:schemeClr val="bg2"/>
+                  </a:outerShdw>
+                </a:effectLst>
+              </a14:hiddenEffects>
+            </a:ext>
+          </a:extLst>
+        </p:spPr>
+        <p:style>
+          <a:lnRef idx="2">
+            <a:schemeClr val="dk1"/>
+          </a:lnRef>
+          <a:fillRef idx="1">
+            <a:schemeClr val="lt1"/>
+          </a:fillRef>
+          <a:effectRef idx="0">
+            <a:schemeClr val="dk1"/>
+          </a:effectRef>
+          <a:fontRef idx="minor">
+            <a:schemeClr val="dk1"/>
+          </a:fontRef>
+        </p:style>
+        <p:txBody>
+          <a:bodyPr rot="0" spcFirstLastPara="0" vertOverflow="overflow" horzOverflow="overflow" vert="horz" wrap="none" lIns="91440" tIns="45720" rIns="91440" bIns="45720" numCol="1" spcCol="0" rtlCol="0" fromWordArt="0" anchor="ctr" anchorCtr="0" forceAA="0" compatLnSpc="1">
+            <a:prstTxWarp prst="textNoShape">
+              <a:avLst/>
+            </a:prstTxWarp>
+            <a:noAutofit/>
+          </a:bodyPr>
+          <a:lstStyle/>
+          <a:p>
+            <a:pPr marL="0" marR="0" indent="0" algn="ctr" defTabSz="914400" rtl="0" eaLnBrk="1" fontAlgn="base" latinLnBrk="0" hangingPunct="1">
+              <a:lnSpc>
+                <a:spcPct val="100000"/>
+              </a:lnSpc>
+              <a:spcBef>
+                <a:spcPct val="0"/>
+              </a:spcBef>
+              <a:spcAft>
+                <a:spcPct val="0"/>
+              </a:spcAft>
+              <a:buClrTx/>
+              <a:buSzTx/>
+              <a:buFontTx/>
+              <a:buNone/>
+              <a:tabLst/>
+            </a:pPr>
+            <a:r>
+              <a:rPr kumimoji="0" lang="ko-KR" altLang="en-US" sz="1400" i="0" u="none" strike="noStrike" spc="50" normalizeH="0" baseline="0" dirty="0">
+                <a:ln w="9525" cmpd="sng">
+                  <a:noFill/>
+                  <a:prstDash val="solid"/>
+                </a:ln>
+                <a:solidFill>
+                  <a:schemeClr val="tx1">
+                    <a:lumMod val="75000"/>
+                    <a:lumOff val="25000"/>
+                  </a:schemeClr>
+                </a:solidFill>
+                <a:effectLst/>
+                <a:latin typeface="Arial" charset="0"/>
+              </a:rPr>
+              <a:t>정규분포 한다고 보기는 다소 어려울 것 같음</a:t>
+            </a:r>
+            <a:r>
+              <a:rPr kumimoji="0" lang="en-US" altLang="ko-KR" sz="1400" i="0" u="none" strike="noStrike" spc="50" normalizeH="0" baseline="0" dirty="0">
+                <a:ln w="9525" cmpd="sng">
+                  <a:noFill/>
+                  <a:prstDash val="solid"/>
+                </a:ln>
+                <a:solidFill>
+                  <a:schemeClr val="tx1">
+                    <a:lumMod val="75000"/>
+                    <a:lumOff val="25000"/>
+                  </a:schemeClr>
+                </a:solidFill>
+                <a:effectLst/>
+                <a:latin typeface="Arial" charset="0"/>
+              </a:rPr>
+              <a:t>. </a:t>
+            </a:r>
+            <a:r>
+              <a:rPr lang="ko-KR" altLang="en-US" sz="1400" spc="50" dirty="0">
+                <a:ln w="9525" cmpd="sng">
+                  <a:noFill/>
+                  <a:prstDash val="solid"/>
+                </a:ln>
+                <a:solidFill>
+                  <a:schemeClr val="tx1">
+                    <a:lumMod val="75000"/>
+                    <a:lumOff val="25000"/>
+                  </a:schemeClr>
+                </a:solidFill>
+                <a:effectLst/>
+                <a:latin typeface="Arial" charset="0"/>
+              </a:rPr>
+              <a:t>대칭성도 부족하고</a:t>
+            </a:r>
+            <a:r>
+              <a:rPr lang="en-US" altLang="ko-KR" sz="1400" spc="50" dirty="0">
+                <a:ln w="9525" cmpd="sng">
+                  <a:noFill/>
+                  <a:prstDash val="solid"/>
+                </a:ln>
+                <a:solidFill>
+                  <a:schemeClr val="tx1">
+                    <a:lumMod val="75000"/>
+                    <a:lumOff val="25000"/>
+                  </a:schemeClr>
+                </a:solidFill>
+                <a:effectLst/>
+                <a:latin typeface="Arial" charset="0"/>
+              </a:rPr>
+              <a:t>, </a:t>
+            </a:r>
+            <a:r>
+              <a:rPr lang="ko-KR" altLang="en-US" sz="1400" spc="50" dirty="0">
+                <a:ln w="9525" cmpd="sng">
+                  <a:noFill/>
+                  <a:prstDash val="solid"/>
+                </a:ln>
+                <a:solidFill>
+                  <a:schemeClr val="tx1">
+                    <a:lumMod val="75000"/>
+                    <a:lumOff val="25000"/>
+                  </a:schemeClr>
+                </a:solidFill>
+                <a:effectLst/>
+                <a:latin typeface="Arial" charset="0"/>
+              </a:rPr>
+              <a:t>한쪽으로 치우쳐 있음</a:t>
+            </a:r>
+            <a:r>
+              <a:rPr lang="en-US" altLang="ko-KR" sz="1400" spc="50" dirty="0">
+                <a:ln w="9525" cmpd="sng">
+                  <a:noFill/>
+                  <a:prstDash val="solid"/>
+                </a:ln>
+                <a:solidFill>
+                  <a:schemeClr val="tx1">
+                    <a:lumMod val="75000"/>
+                    <a:lumOff val="25000"/>
+                  </a:schemeClr>
+                </a:solidFill>
+                <a:effectLst/>
+                <a:latin typeface="Arial" charset="0"/>
+              </a:rPr>
+              <a:t>.</a:t>
+            </a:r>
+          </a:p>
+          <a:p>
+            <a:pPr marL="0" marR="0" indent="0" algn="ctr" defTabSz="914400" rtl="0" eaLnBrk="1" fontAlgn="base" latinLnBrk="0" hangingPunct="1">
+              <a:lnSpc>
+                <a:spcPct val="100000"/>
+              </a:lnSpc>
+              <a:spcBef>
+                <a:spcPct val="0"/>
+              </a:spcBef>
+              <a:spcAft>
+                <a:spcPct val="0"/>
+              </a:spcAft>
+              <a:buClrTx/>
+              <a:buSzTx/>
+              <a:buFontTx/>
+              <a:buNone/>
+              <a:tabLst/>
+            </a:pPr>
+            <a:r>
+              <a:rPr kumimoji="0" lang="ko-KR" altLang="en-US" sz="1400" i="0" u="none" strike="noStrike" spc="50" normalizeH="0" baseline="0" dirty="0">
+                <a:ln w="9525" cmpd="sng">
+                  <a:noFill/>
+                  <a:prstDash val="solid"/>
+                </a:ln>
+                <a:solidFill>
+                  <a:schemeClr val="tx1">
+                    <a:lumMod val="75000"/>
+                    <a:lumOff val="25000"/>
+                  </a:schemeClr>
+                </a:solidFill>
+                <a:effectLst/>
+                <a:latin typeface="Arial" charset="0"/>
+              </a:rPr>
+              <a:t>빈도가 많지는 않겠지만</a:t>
+            </a:r>
+            <a:r>
+              <a:rPr kumimoji="0" lang="en-US" altLang="ko-KR" sz="1400" i="0" u="none" strike="noStrike" spc="50" normalizeH="0" baseline="0" dirty="0">
+                <a:ln w="9525" cmpd="sng">
+                  <a:noFill/>
+                  <a:prstDash val="solid"/>
+                </a:ln>
+                <a:solidFill>
+                  <a:schemeClr val="tx1">
+                    <a:lumMod val="75000"/>
+                    <a:lumOff val="25000"/>
+                  </a:schemeClr>
+                </a:solidFill>
+                <a:effectLst/>
+                <a:latin typeface="Arial" charset="0"/>
+              </a:rPr>
+              <a:t>, </a:t>
+            </a:r>
+            <a:r>
+              <a:rPr kumimoji="0" lang="ko-KR" altLang="en-US" sz="1400" i="0" u="none" strike="noStrike" spc="50" normalizeH="0" baseline="0" dirty="0">
+                <a:ln w="9525" cmpd="sng">
+                  <a:noFill/>
+                  <a:prstDash val="solid"/>
+                </a:ln>
+                <a:solidFill>
+                  <a:schemeClr val="tx1">
+                    <a:lumMod val="75000"/>
+                    <a:lumOff val="25000"/>
+                  </a:schemeClr>
+                </a:solidFill>
+                <a:effectLst/>
+                <a:latin typeface="Arial" charset="0"/>
+              </a:rPr>
+              <a:t>모델 예측에 있어서 특정한 값에서는 </a:t>
+            </a:r>
+            <a:endParaRPr kumimoji="0" lang="en-US" altLang="ko-KR" sz="1400" i="0" u="none" strike="noStrike" spc="50" normalizeH="0" baseline="0" dirty="0">
+              <a:ln w="9525" cmpd="sng">
+                <a:noFill/>
+                <a:prstDash val="solid"/>
+              </a:ln>
+              <a:solidFill>
+                <a:schemeClr val="tx1">
+                  <a:lumMod val="75000"/>
+                  <a:lumOff val="25000"/>
+                </a:schemeClr>
+              </a:solidFill>
+              <a:effectLst/>
+              <a:latin typeface="Arial" charset="0"/>
+            </a:endParaRPr>
+          </a:p>
+          <a:p>
+            <a:pPr marL="0" marR="0" indent="0" algn="ctr" defTabSz="914400" rtl="0" eaLnBrk="1" fontAlgn="base" latinLnBrk="0" hangingPunct="1">
+              <a:lnSpc>
+                <a:spcPct val="100000"/>
+              </a:lnSpc>
+              <a:spcBef>
+                <a:spcPct val="0"/>
+              </a:spcBef>
+              <a:spcAft>
+                <a:spcPct val="0"/>
+              </a:spcAft>
+              <a:buClrTx/>
+              <a:buSzTx/>
+              <a:buFontTx/>
+              <a:buNone/>
+              <a:tabLst/>
+            </a:pPr>
+            <a:r>
+              <a:rPr kumimoji="0" lang="ko-KR" altLang="en-US" sz="1400" i="0" u="none" strike="noStrike" spc="50" normalizeH="0" baseline="0" dirty="0">
+                <a:ln w="9525" cmpd="sng">
+                  <a:noFill/>
+                  <a:prstDash val="solid"/>
+                </a:ln>
+                <a:solidFill>
+                  <a:schemeClr val="tx1">
+                    <a:lumMod val="75000"/>
+                    <a:lumOff val="25000"/>
+                  </a:schemeClr>
+                </a:solidFill>
+                <a:effectLst/>
+                <a:latin typeface="Arial" charset="0"/>
+              </a:rPr>
+              <a:t>예측과 </a:t>
+            </a:r>
+            <a:r>
+              <a:rPr kumimoji="0" lang="ko-KR" altLang="en-US" sz="1400" i="0" u="none" strike="noStrike" spc="50" normalizeH="0" baseline="0" dirty="0" err="1">
+                <a:ln w="9525" cmpd="sng">
+                  <a:noFill/>
+                  <a:prstDash val="solid"/>
+                </a:ln>
+                <a:solidFill>
+                  <a:schemeClr val="tx1">
+                    <a:lumMod val="75000"/>
+                    <a:lumOff val="25000"/>
+                  </a:schemeClr>
+                </a:solidFill>
+                <a:effectLst/>
+                <a:latin typeface="Arial" charset="0"/>
+              </a:rPr>
+              <a:t>실제값의</a:t>
+            </a:r>
+            <a:r>
+              <a:rPr kumimoji="0" lang="ko-KR" altLang="en-US" sz="1400" i="0" u="none" strike="noStrike" spc="50" normalizeH="0" baseline="0" dirty="0">
+                <a:ln w="9525" cmpd="sng">
+                  <a:noFill/>
+                  <a:prstDash val="solid"/>
+                </a:ln>
+                <a:solidFill>
+                  <a:schemeClr val="tx1">
+                    <a:lumMod val="75000"/>
+                    <a:lumOff val="25000"/>
+                  </a:schemeClr>
+                </a:solidFill>
+                <a:effectLst/>
+                <a:latin typeface="Arial" charset="0"/>
+              </a:rPr>
+              <a:t> 차가 크게 나타날 수 있음을 의미 함</a:t>
+            </a:r>
+            <a:r>
+              <a:rPr kumimoji="0" lang="en-US" altLang="ko-KR" sz="1400" i="0" u="none" strike="noStrike" spc="50" normalizeH="0" baseline="0" dirty="0">
+                <a:ln w="9525" cmpd="sng">
+                  <a:noFill/>
+                  <a:prstDash val="solid"/>
+                </a:ln>
+                <a:solidFill>
+                  <a:schemeClr val="tx1">
+                    <a:lumMod val="75000"/>
+                    <a:lumOff val="25000"/>
+                  </a:schemeClr>
+                </a:solidFill>
+                <a:effectLst/>
+                <a:latin typeface="Arial" charset="0"/>
+              </a:rPr>
+              <a:t>.</a:t>
+            </a:r>
+          </a:p>
+        </p:txBody>
+      </p:sp>
+      <p:pic>
+        <p:nvPicPr>
+          <p:cNvPr id="5" name="그림 4">
+            <a:extLst>
+              <a:ext uri="{FF2B5EF4-FFF2-40B4-BE49-F238E27FC236}">
+                <a16:creationId xmlns:a16="http://schemas.microsoft.com/office/drawing/2014/main" id="{E3BF53D7-120E-4155-AA2A-5FB91F43D8A3}"/>
+              </a:ext>
+            </a:extLst>
+          </p:cNvPr>
+          <p:cNvPicPr>
+            <a:picLocks noChangeAspect="1"/>
+          </p:cNvPicPr>
+          <p:nvPr/>
+        </p:nvPicPr>
+        <p:blipFill>
+          <a:blip r:embed="rId4"/>
+          <a:stretch>
+            <a:fillRect/>
+          </a:stretch>
+        </p:blipFill>
+        <p:spPr>
+          <a:xfrm>
+            <a:off x="4391998" y="1448978"/>
+            <a:ext cx="4226067" cy="3424875"/>
+          </a:xfrm>
+          <a:prstGeom prst="rect">
+            <a:avLst/>
+          </a:prstGeom>
+        </p:spPr>
+      </p:pic>
+    </p:spTree>
+    <p:extLst>
+      <p:ext uri="{BB962C8B-B14F-4D97-AF65-F5344CB8AC3E}">
+        <p14:creationId xmlns:p14="http://schemas.microsoft.com/office/powerpoint/2010/main" val="3319230226"/>
+      </p:ext>
+    </p:extLst>
+  </p:cSld>
+  <p:clrMapOvr>
+    <a:masterClrMapping/>
+  </p:clrMapOvr>
+  <p:transition/>
 </p:sld>
 </file>
 
@@ -7370,31 +10429,285 @@
           <a:chExt cx="0" cy="0"/>
         </a:xfrm>
       </p:grpSpPr>
-      <p:sp>
-        <p:nvSpPr>
-          <p:cNvPr id="2" name="제목 1">
+      <p:pic>
+        <p:nvPicPr>
+          <p:cNvPr id="3" name="그림 2">
             <a:extLst>
               <a:ext uri="{FF2B5EF4-FFF2-40B4-BE49-F238E27FC236}">
-                <a16:creationId xmlns:a16="http://schemas.microsoft.com/office/drawing/2014/main" id="{DE6D1CEA-0CBE-46B2-9F7F-BFFDF3E73B9C}"/>
+                <a16:creationId xmlns:a16="http://schemas.microsoft.com/office/drawing/2014/main" id="{8967EBA3-A68D-40E0-9FBE-A49B077525DC}"/>
               </a:ext>
             </a:extLst>
           </p:cNvPr>
-          <p:cNvSpPr>
-            <a:spLocks noGrp="1"/>
-          </p:cNvSpPr>
-          <p:nvPr>
-            <p:ph type="title"/>
-          </p:nvPr>
+          <p:cNvPicPr>
+            <a:picLocks noChangeAspect="1"/>
+          </p:cNvPicPr>
+          <p:nvPr/>
+        </p:nvPicPr>
+        <p:blipFill rotWithShape="1">
+          <a:blip r:embed="rId2"/>
+          <a:srcRect b="91307"/>
+          <a:stretch/>
+        </p:blipFill>
+        <p:spPr>
+          <a:xfrm>
+            <a:off x="0" y="458967"/>
+            <a:ext cx="9144000" cy="397747"/>
+          </a:xfrm>
+          <a:prstGeom prst="rect">
+            <a:avLst/>
+          </a:prstGeom>
+        </p:spPr>
+      </p:pic>
+      <p:pic>
+        <p:nvPicPr>
+          <p:cNvPr id="4" name="그림 3">
+            <a:extLst>
+              <a:ext uri="{FF2B5EF4-FFF2-40B4-BE49-F238E27FC236}">
+                <a16:creationId xmlns:a16="http://schemas.microsoft.com/office/drawing/2014/main" id="{DD702F88-14DE-4890-B153-B9B02E66439B}"/>
+              </a:ext>
+            </a:extLst>
+          </p:cNvPr>
+          <p:cNvPicPr>
+            <a:picLocks noChangeAspect="1"/>
+          </p:cNvPicPr>
+          <p:nvPr/>
+        </p:nvPicPr>
+        <p:blipFill>
+          <a:blip r:embed="rId3"/>
+          <a:stretch>
+            <a:fillRect/>
+          </a:stretch>
+        </p:blipFill>
+        <p:spPr>
+          <a:xfrm>
+            <a:off x="436568" y="3114444"/>
+            <a:ext cx="4178285" cy="1288953"/>
+          </a:xfrm>
+          <a:prstGeom prst="rect">
+            <a:avLst/>
+          </a:prstGeom>
+        </p:spPr>
+      </p:pic>
+      <p:sp>
+        <p:nvSpPr>
+          <p:cNvPr id="5" name="TextBox 4">
+            <a:extLst>
+              <a:ext uri="{FF2B5EF4-FFF2-40B4-BE49-F238E27FC236}">
+                <a16:creationId xmlns:a16="http://schemas.microsoft.com/office/drawing/2014/main" id="{E4E945F2-B215-442F-84E6-584AF9023CA7}"/>
+              </a:ext>
+            </a:extLst>
+          </p:cNvPr>
+          <p:cNvSpPr txBox="1"/>
+          <p:nvPr/>
         </p:nvSpPr>
-        <p:spPr/>
+        <p:spPr>
+          <a:xfrm>
+            <a:off x="346567" y="1945396"/>
+            <a:ext cx="4178285" cy="646331"/>
+          </a:xfrm>
+          <a:prstGeom prst="rect">
+            <a:avLst/>
+          </a:prstGeom>
+          <a:noFill/>
+        </p:spPr>
         <p:txBody>
-          <a:bodyPr/>
+          <a:bodyPr wrap="square" rtlCol="0">
+            <a:spAutoFit/>
+          </a:bodyPr>
           <a:lstStyle/>
           <a:p>
-            <a:endParaRPr lang="ko-KR" altLang="en-US"/>
+            <a:r>
+              <a:rPr lang="en-US" altLang="ko-KR" dirty="0">
+                <a:solidFill>
+                  <a:schemeClr val="tx1"/>
+                </a:solidFill>
+              </a:rPr>
+              <a:t>1. US(</a:t>
+            </a:r>
+            <a:r>
+              <a:rPr lang="ko-KR" altLang="en-US" dirty="0">
+                <a:solidFill>
+                  <a:schemeClr val="tx1"/>
+                </a:solidFill>
+              </a:rPr>
+              <a:t>미국주소</a:t>
+            </a:r>
+            <a:r>
+              <a:rPr lang="en-US" altLang="ko-KR" dirty="0">
+                <a:solidFill>
+                  <a:schemeClr val="tx1"/>
+                </a:solidFill>
+              </a:rPr>
+              <a:t>)</a:t>
+            </a:r>
+            <a:r>
+              <a:rPr lang="ko-KR" altLang="en-US" dirty="0">
+                <a:solidFill>
+                  <a:schemeClr val="tx1"/>
+                </a:solidFill>
+              </a:rPr>
+              <a:t>에 따른 </a:t>
+            </a:r>
+            <a:r>
+              <a:rPr lang="en-US" altLang="ko-KR" dirty="0">
+                <a:solidFill>
+                  <a:schemeClr val="tx1"/>
+                </a:solidFill>
+              </a:rPr>
+              <a:t>Spending(</a:t>
+            </a:r>
+            <a:r>
+              <a:rPr lang="ko-KR" altLang="en-US" dirty="0">
+                <a:solidFill>
+                  <a:schemeClr val="tx1"/>
+                </a:solidFill>
+              </a:rPr>
+              <a:t>소비금액</a:t>
+            </a:r>
+            <a:r>
+              <a:rPr lang="en-US" altLang="ko-KR" dirty="0">
+                <a:solidFill>
+                  <a:schemeClr val="tx1"/>
+                </a:solidFill>
+              </a:rPr>
+              <a:t>)</a:t>
+            </a:r>
+            <a:r>
+              <a:rPr lang="ko-KR" altLang="en-US" dirty="0">
+                <a:solidFill>
+                  <a:schemeClr val="tx1"/>
+                </a:solidFill>
+              </a:rPr>
+              <a:t>의 평균과 표준편차</a:t>
+            </a:r>
           </a:p>
         </p:txBody>
       </p:sp>
+      <p:sp>
+        <p:nvSpPr>
+          <p:cNvPr id="6" name="TextBox 5">
+            <a:extLst>
+              <a:ext uri="{FF2B5EF4-FFF2-40B4-BE49-F238E27FC236}">
+                <a16:creationId xmlns:a16="http://schemas.microsoft.com/office/drawing/2014/main" id="{6AD8E78F-F159-40DA-BEFD-AE3D720E58EC}"/>
+              </a:ext>
+            </a:extLst>
+          </p:cNvPr>
+          <p:cNvSpPr txBox="1"/>
+          <p:nvPr/>
+        </p:nvSpPr>
+        <p:spPr>
+          <a:xfrm>
+            <a:off x="4790411" y="1930524"/>
+            <a:ext cx="4211160" cy="646331"/>
+          </a:xfrm>
+          <a:prstGeom prst="rect">
+            <a:avLst/>
+          </a:prstGeom>
+          <a:noFill/>
+        </p:spPr>
+        <p:txBody>
+          <a:bodyPr wrap="square" rtlCol="0">
+            <a:spAutoFit/>
+          </a:bodyPr>
+          <a:lstStyle/>
+          <a:p>
+            <a:r>
+              <a:rPr lang="en-US" altLang="ko-KR" dirty="0">
+                <a:solidFill>
+                  <a:schemeClr val="tx1"/>
+                </a:solidFill>
+              </a:rPr>
+              <a:t>2. Freq(</a:t>
+            </a:r>
+            <a:r>
+              <a:rPr lang="ko-KR" altLang="en-US" dirty="0">
+                <a:solidFill>
+                  <a:schemeClr val="tx1"/>
+                </a:solidFill>
+              </a:rPr>
+              <a:t>거래건수</a:t>
+            </a:r>
+            <a:r>
+              <a:rPr lang="en-US" altLang="ko-KR" dirty="0">
+                <a:solidFill>
+                  <a:schemeClr val="tx1"/>
+                </a:solidFill>
+              </a:rPr>
+              <a:t>) </a:t>
+            </a:r>
+            <a:r>
+              <a:rPr lang="ko-KR" altLang="en-US" dirty="0">
+                <a:solidFill>
+                  <a:schemeClr val="tx1"/>
+                </a:solidFill>
+              </a:rPr>
+              <a:t>에 따른 </a:t>
+            </a:r>
+            <a:r>
+              <a:rPr lang="en-US" altLang="ko-KR" dirty="0">
+                <a:solidFill>
+                  <a:schemeClr val="tx1"/>
+                </a:solidFill>
+              </a:rPr>
+              <a:t>Spending(</a:t>
+            </a:r>
+            <a:r>
+              <a:rPr lang="ko-KR" altLang="en-US" dirty="0">
+                <a:solidFill>
+                  <a:schemeClr val="tx1"/>
+                </a:solidFill>
+              </a:rPr>
+              <a:t>소비금액</a:t>
+            </a:r>
+            <a:r>
+              <a:rPr lang="en-US" altLang="ko-KR" dirty="0">
+                <a:solidFill>
+                  <a:schemeClr val="tx1"/>
+                </a:solidFill>
+              </a:rPr>
+              <a:t>)</a:t>
+            </a:r>
+            <a:r>
+              <a:rPr lang="ko-KR" altLang="en-US" dirty="0">
+                <a:solidFill>
+                  <a:schemeClr val="tx1"/>
+                </a:solidFill>
+              </a:rPr>
+              <a:t>의 평균과 표준편차</a:t>
+            </a:r>
+          </a:p>
+        </p:txBody>
+      </p:sp>
+      <p:pic>
+        <p:nvPicPr>
+          <p:cNvPr id="7" name="그림 6">
+            <a:extLst>
+              <a:ext uri="{FF2B5EF4-FFF2-40B4-BE49-F238E27FC236}">
+                <a16:creationId xmlns:a16="http://schemas.microsoft.com/office/drawing/2014/main" id="{A8450DE6-2022-46CE-9055-D7900225E983}"/>
+              </a:ext>
+            </a:extLst>
+          </p:cNvPr>
+          <p:cNvPicPr>
+            <a:picLocks noChangeAspect="1"/>
+          </p:cNvPicPr>
+          <p:nvPr/>
+        </p:nvPicPr>
+        <p:blipFill>
+          <a:blip r:embed="rId4"/>
+          <a:stretch>
+            <a:fillRect/>
+          </a:stretch>
+        </p:blipFill>
+        <p:spPr>
+          <a:xfrm>
+            <a:off x="5022005" y="3114444"/>
+            <a:ext cx="3747972" cy="2749134"/>
+          </a:xfrm>
+          <a:prstGeom prst="rect">
+            <a:avLst/>
+          </a:prstGeom>
+        </p:spPr>
+      </p:pic>
     </p:spTree>
     <p:extLst>
       <p:ext uri="{BB962C8B-B14F-4D97-AF65-F5344CB8AC3E}">
@@ -7426,530 +10739,231 @@
           <a:chExt cx="0" cy="0"/>
         </a:xfrm>
       </p:grpSpPr>
-      <p:sp>
-        <p:nvSpPr>
-          <p:cNvPr id="13" name="제목 1">
+      <p:pic>
+        <p:nvPicPr>
+          <p:cNvPr id="3" name="그림 2">
             <a:extLst>
               <a:ext uri="{FF2B5EF4-FFF2-40B4-BE49-F238E27FC236}">
-                <a16:creationId xmlns:a16="http://schemas.microsoft.com/office/drawing/2014/main" id="{A49C7182-7B37-A58F-119C-E199A6F37E51}"/>
+                <a16:creationId xmlns:a16="http://schemas.microsoft.com/office/drawing/2014/main" id="{8967EBA3-A68D-40E0-9FBE-A49B077525DC}"/>
               </a:ext>
             </a:extLst>
           </p:cNvPr>
-          <p:cNvSpPr>
-            <a:spLocks noGrp="1"/>
-          </p:cNvSpPr>
-          <p:nvPr>
-            <p:ph type="title"/>
-          </p:nvPr>
-        </p:nvSpPr>
-        <p:spPr/>
-        <p:txBody>
-          <a:bodyPr>
-            <a:normAutofit/>
-          </a:bodyPr>
-          <a:lstStyle/>
-          <a:p>
-            <a:r>
-              <a:rPr lang="en-US" altLang="ko-KR" dirty="0"/>
-              <a:t>Predicting Software Reselling Profits</a:t>
-            </a:r>
-            <a:endParaRPr lang="ko-KR" altLang="en-US" dirty="0"/>
-          </a:p>
-        </p:txBody>
-      </p:sp>
-      <p:grpSp>
-        <p:nvGrpSpPr>
-          <p:cNvPr id="2" name="그룹 1">
+          <p:cNvPicPr>
+            <a:picLocks noChangeAspect="1"/>
+          </p:cNvPicPr>
+          <p:nvPr/>
+        </p:nvPicPr>
+        <p:blipFill rotWithShape="1">
+          <a:blip r:embed="rId2"/>
+          <a:srcRect b="91307"/>
+          <a:stretch/>
+        </p:blipFill>
+        <p:spPr>
+          <a:xfrm>
+            <a:off x="0" y="458967"/>
+            <a:ext cx="9144000" cy="397747"/>
+          </a:xfrm>
+          <a:prstGeom prst="rect">
+            <a:avLst/>
+          </a:prstGeom>
+        </p:spPr>
+      </p:pic>
+      <p:sp>
+        <p:nvSpPr>
+          <p:cNvPr id="5" name="TextBox 4">
             <a:extLst>
               <a:ext uri="{FF2B5EF4-FFF2-40B4-BE49-F238E27FC236}">
-                <a16:creationId xmlns:a16="http://schemas.microsoft.com/office/drawing/2014/main" id="{0D666C02-B5E8-CED2-394F-2EA2661D56E0}"/>
+                <a16:creationId xmlns:a16="http://schemas.microsoft.com/office/drawing/2014/main" id="{E4E945F2-B215-442F-84E6-584AF9023CA7}"/>
               </a:ext>
             </a:extLst>
           </p:cNvPr>
-          <p:cNvGrpSpPr/>
-          <p:nvPr/>
-        </p:nvGrpSpPr>
-        <p:grpSpPr>
-          <a:xfrm>
-            <a:off x="400010" y="1421022"/>
-            <a:ext cx="8312035" cy="4708008"/>
-            <a:chOff x="495310" y="4004403"/>
-            <a:chExt cx="2415990" cy="828025"/>
-          </a:xfrm>
-        </p:grpSpPr>
-        <p:sp>
-          <p:nvSpPr>
-            <p:cNvPr id="3" name="직사각형 2">
-              <a:extLst>
-                <a:ext uri="{FF2B5EF4-FFF2-40B4-BE49-F238E27FC236}">
-                  <a16:creationId xmlns:a16="http://schemas.microsoft.com/office/drawing/2014/main" id="{E053FF5B-9D35-BF6C-EC47-FEC00241F064}"/>
-                </a:ext>
-              </a:extLst>
-            </p:cNvPr>
-            <p:cNvSpPr/>
-            <p:nvPr/>
-          </p:nvSpPr>
-          <p:spPr>
-            <a:xfrm>
-              <a:off x="495310" y="4005350"/>
-              <a:ext cx="2415990" cy="827078"/>
-            </a:xfrm>
-            <a:prstGeom prst="rect">
-              <a:avLst/>
-            </a:prstGeom>
-            <a:solidFill>
-              <a:schemeClr val="bg1"/>
-            </a:solidFill>
-            <a:ln>
-              <a:noFill/>
-            </a:ln>
-            <a:effectLst>
-              <a:outerShdw blurRad="50800" dist="38100" algn="l" rotWithShape="0">
-                <a:prstClr val="black">
-                  <a:alpha val="13000"/>
-                </a:prstClr>
-              </a:outerShdw>
-            </a:effectLst>
-          </p:spPr>
-          <p:style>
-            <a:lnRef idx="2">
-              <a:schemeClr val="accent1">
-                <a:shade val="50000"/>
-              </a:schemeClr>
-            </a:lnRef>
-            <a:fillRef idx="1">
-              <a:schemeClr val="accent1"/>
-            </a:fillRef>
-            <a:effectRef idx="0">
-              <a:schemeClr val="accent1"/>
-            </a:effectRef>
-            <a:fontRef idx="minor">
-              <a:schemeClr val="lt1"/>
-            </a:fontRef>
-          </p:style>
-          <p:txBody>
-            <a:bodyPr rtlCol="0" anchor="t"/>
-            <a:lstStyle/>
-            <a:p>
-              <a:pPr algn="l">
-                <a:spcBef>
-                  <a:spcPts val="600"/>
-                </a:spcBef>
-              </a:pPr>
-              <a:endParaRPr lang="ko-KR" altLang="en-US" dirty="0">
-                <a:latin typeface="Arial" panose="020B0604020202020204" pitchFamily="34" charset="0"/>
-                <a:ea typeface="맑은 고딕" panose="020B0503020000020004" pitchFamily="50" charset="-127"/>
-              </a:endParaRPr>
-            </a:p>
-          </p:txBody>
-        </p:sp>
-        <p:sp>
-          <p:nvSpPr>
-            <p:cNvPr id="4" name="직사각형 3">
-              <a:extLst>
-                <a:ext uri="{FF2B5EF4-FFF2-40B4-BE49-F238E27FC236}">
-                  <a16:creationId xmlns:a16="http://schemas.microsoft.com/office/drawing/2014/main" id="{42B25BC4-5296-EC01-A083-86901726DC7D}"/>
-                </a:ext>
-              </a:extLst>
-            </p:cNvPr>
-            <p:cNvSpPr/>
-            <p:nvPr/>
-          </p:nvSpPr>
-          <p:spPr>
-            <a:xfrm>
-              <a:off x="495310" y="4004403"/>
-              <a:ext cx="2415990" cy="828025"/>
-            </a:xfrm>
-            <a:prstGeom prst="rect">
-              <a:avLst/>
-            </a:prstGeom>
-            <a:solidFill>
-              <a:schemeClr val="bg1">
-                <a:lumMod val="95000"/>
-              </a:schemeClr>
-            </a:solidFill>
-            <a:ln>
-              <a:noFill/>
-            </a:ln>
-          </p:spPr>
-          <p:style>
-            <a:lnRef idx="2">
-              <a:schemeClr val="accent1">
-                <a:shade val="50000"/>
-              </a:schemeClr>
-            </a:lnRef>
-            <a:fillRef idx="1">
-              <a:schemeClr val="accent1"/>
-            </a:fillRef>
-            <a:effectRef idx="0">
-              <a:schemeClr val="accent1"/>
-            </a:effectRef>
-            <a:fontRef idx="minor">
-              <a:schemeClr val="lt1"/>
-            </a:fontRef>
-          </p:style>
-          <p:txBody>
-            <a:bodyPr rtlCol="0" anchor="t"/>
-            <a:lstStyle/>
-            <a:p>
-              <a:pPr marL="342900" marR="0" lvl="0" indent="-342900" algn="l" defTabSz="914400" rtl="0" eaLnBrk="1" fontAlgn="base" latinLnBrk="0" hangingPunct="1">
-                <a:lnSpc>
-                  <a:spcPct val="130000"/>
-                </a:lnSpc>
-                <a:spcBef>
-                  <a:spcPts val="600"/>
-                </a:spcBef>
-                <a:spcAft>
-                  <a:spcPts val="0"/>
-                </a:spcAft>
-                <a:buClr>
-                  <a:schemeClr val="tx1">
-                    <a:lumMod val="85000"/>
-                    <a:lumOff val="15000"/>
-                  </a:schemeClr>
-                </a:buClr>
-                <a:buSzTx/>
-                <a:buFont typeface="+mj-lt"/>
-                <a:buAutoNum type="alphaLcPeriod"/>
-                <a:tabLst/>
-                <a:defRPr/>
-              </a:pPr>
-              <a:r>
-                <a:rPr lang="en-US" altLang="ko-KR" sz="1400" dirty="0">
-                  <a:ln>
-                    <a:solidFill>
-                      <a:srgbClr val="4F81BD">
-                        <a:alpha val="0"/>
-                      </a:srgbClr>
-                    </a:solidFill>
-                  </a:ln>
-                  <a:solidFill>
-                    <a:schemeClr val="tx1">
-                      <a:lumMod val="85000"/>
-                      <a:lumOff val="15000"/>
-                    </a:schemeClr>
-                  </a:solidFill>
-                  <a:latin typeface="맑은 고딕" panose="020B0503020000020004" pitchFamily="50" charset="-127"/>
-                  <a:ea typeface="맑은 고딕" panose="020B0503020000020004" pitchFamily="50" charset="-127"/>
-                </a:rPr>
-                <a:t> </a:t>
-              </a:r>
-            </a:p>
-            <a:p>
-              <a:pPr marL="342900" marR="0" lvl="0" indent="-342900" algn="l" defTabSz="914400" rtl="0" eaLnBrk="1" fontAlgn="base" latinLnBrk="0" hangingPunct="1">
-                <a:lnSpc>
-                  <a:spcPct val="130000"/>
-                </a:lnSpc>
-                <a:spcBef>
-                  <a:spcPts val="600"/>
-                </a:spcBef>
-                <a:spcAft>
-                  <a:spcPts val="0"/>
-                </a:spcAft>
-                <a:buClr>
-                  <a:schemeClr val="tx1">
-                    <a:lumMod val="85000"/>
-                    <a:lumOff val="15000"/>
-                  </a:schemeClr>
-                </a:buClr>
-                <a:buSzTx/>
-                <a:buFont typeface="+mj-lt"/>
-                <a:buAutoNum type="alphaLcPeriod"/>
-                <a:tabLst/>
-                <a:defRPr/>
-              </a:pPr>
-              <a:r>
-                <a:rPr lang="en-US" altLang="ko-KR" sz="1400" dirty="0">
-                  <a:ln>
-                    <a:solidFill>
-                      <a:srgbClr val="4F81BD">
-                        <a:alpha val="0"/>
-                      </a:srgbClr>
-                    </a:solidFill>
-                  </a:ln>
-                  <a:solidFill>
-                    <a:schemeClr val="tx1">
-                      <a:lumMod val="85000"/>
-                      <a:lumOff val="15000"/>
-                    </a:schemeClr>
-                  </a:solidFill>
-                  <a:latin typeface="맑은 고딕" panose="020B0503020000020004" pitchFamily="50" charset="-127"/>
-                  <a:ea typeface="맑은 고딕" panose="020B0503020000020004" pitchFamily="50" charset="-127"/>
-                </a:rPr>
-                <a:t> </a:t>
-              </a:r>
-            </a:p>
-            <a:p>
-              <a:pPr marL="342900" marR="0" lvl="0" indent="-342900" algn="l" defTabSz="914400" rtl="0" eaLnBrk="1" fontAlgn="base" latinLnBrk="0" hangingPunct="1">
-                <a:lnSpc>
-                  <a:spcPct val="130000"/>
-                </a:lnSpc>
-                <a:spcBef>
-                  <a:spcPts val="600"/>
-                </a:spcBef>
-                <a:spcAft>
-                  <a:spcPts val="0"/>
-                </a:spcAft>
-                <a:buClr>
-                  <a:schemeClr val="tx1">
-                    <a:lumMod val="85000"/>
-                    <a:lumOff val="15000"/>
-                  </a:schemeClr>
-                </a:buClr>
-                <a:buSzTx/>
-                <a:buFont typeface="+mj-lt"/>
-                <a:buAutoNum type="alphaLcPeriod"/>
-                <a:tabLst/>
-                <a:defRPr/>
-              </a:pPr>
-              <a:r>
-                <a:rPr lang="en-US" altLang="ko-KR" sz="1400" dirty="0">
-                  <a:ln>
-                    <a:solidFill>
-                      <a:srgbClr val="4F81BD">
-                        <a:alpha val="0"/>
-                      </a:srgbClr>
-                    </a:solidFill>
-                  </a:ln>
-                  <a:solidFill>
-                    <a:schemeClr val="tx1">
-                      <a:lumMod val="85000"/>
-                      <a:lumOff val="15000"/>
-                    </a:schemeClr>
-                  </a:solidFill>
-                  <a:latin typeface="맑은 고딕" panose="020B0503020000020004" pitchFamily="50" charset="-127"/>
-                  <a:ea typeface="맑은 고딕" panose="020B0503020000020004" pitchFamily="50" charset="-127"/>
-                </a:rPr>
-                <a:t>Spending</a:t>
-              </a:r>
-              <a:r>
-                <a:rPr lang="ko-KR" altLang="en-US" sz="1400" dirty="0">
-                  <a:ln>
-                    <a:solidFill>
-                      <a:srgbClr val="4F81BD">
-                        <a:alpha val="0"/>
-                      </a:srgbClr>
-                    </a:solidFill>
-                  </a:ln>
-                  <a:solidFill>
-                    <a:schemeClr val="tx1">
-                      <a:lumMod val="85000"/>
-                      <a:lumOff val="15000"/>
-                    </a:schemeClr>
-                  </a:solidFill>
-                  <a:latin typeface="맑은 고딕" panose="020B0503020000020004" pitchFamily="50" charset="-127"/>
-                  <a:ea typeface="맑은 고딕" panose="020B0503020000020004" pitchFamily="50" charset="-127"/>
-                </a:rPr>
-                <a:t>에 대한 </a:t>
-              </a:r>
-              <a:r>
-                <a:rPr lang="en-US" altLang="ko-KR" sz="1400" dirty="0">
-                  <a:ln>
-                    <a:solidFill>
-                      <a:srgbClr val="4F81BD">
-                        <a:alpha val="0"/>
-                      </a:srgbClr>
-                    </a:solidFill>
-                  </a:ln>
-                  <a:solidFill>
-                    <a:schemeClr val="tx1">
-                      <a:lumMod val="85000"/>
-                      <a:lumOff val="15000"/>
-                    </a:schemeClr>
-                  </a:solidFill>
-                  <a:latin typeface="맑은 고딕" panose="020B0503020000020004" pitchFamily="50" charset="-127"/>
-                  <a:ea typeface="맑은 고딕" panose="020B0503020000020004" pitchFamily="50" charset="-127"/>
-                </a:rPr>
-                <a:t>…</a:t>
-              </a:r>
-            </a:p>
-            <a:p>
-              <a:pPr marL="800100" lvl="1" indent="-342900" algn="l">
-                <a:lnSpc>
-                  <a:spcPct val="120000"/>
-                </a:lnSpc>
-                <a:spcBef>
-                  <a:spcPts val="600"/>
-                </a:spcBef>
-                <a:spcAft>
-                  <a:spcPts val="0"/>
-                </a:spcAft>
-                <a:buClr>
-                  <a:schemeClr val="tx1">
-                    <a:lumMod val="85000"/>
-                    <a:lumOff val="15000"/>
-                  </a:schemeClr>
-                </a:buClr>
-                <a:buFont typeface="+mj-lt"/>
-                <a:buAutoNum type="arabicParenR"/>
-                <a:defRPr/>
-              </a:pPr>
-              <a:r>
-                <a:rPr lang="en-US" altLang="ko-KR" sz="1400" dirty="0">
-                  <a:ln>
-                    <a:solidFill>
-                      <a:srgbClr val="4F81BD">
-                        <a:alpha val="0"/>
-                      </a:srgbClr>
-                    </a:solidFill>
-                  </a:ln>
-                  <a:solidFill>
-                    <a:schemeClr val="tx1">
-                      <a:lumMod val="85000"/>
-                      <a:lumOff val="15000"/>
-                    </a:schemeClr>
-                  </a:solidFill>
-                  <a:latin typeface="맑은 고딕" panose="020B0503020000020004" pitchFamily="50" charset="-127"/>
-                  <a:ea typeface="맑은 고딕" panose="020B0503020000020004" pitchFamily="50" charset="-127"/>
-                </a:rPr>
-                <a:t> </a:t>
-              </a:r>
-            </a:p>
-            <a:p>
-              <a:pPr marL="800100" lvl="1" indent="-342900" algn="l">
-                <a:lnSpc>
-                  <a:spcPct val="120000"/>
-                </a:lnSpc>
-                <a:spcBef>
-                  <a:spcPts val="600"/>
-                </a:spcBef>
-                <a:spcAft>
-                  <a:spcPts val="0"/>
-                </a:spcAft>
-                <a:buClr>
-                  <a:schemeClr val="tx1">
-                    <a:lumMod val="85000"/>
-                    <a:lumOff val="15000"/>
-                  </a:schemeClr>
-                </a:buClr>
-                <a:buFont typeface="+mj-lt"/>
-                <a:buAutoNum type="arabicParenR"/>
-                <a:defRPr/>
-              </a:pPr>
-              <a:r>
-                <a:rPr lang="en-US" altLang="ko-KR" sz="1400" dirty="0">
-                  <a:ln>
-                    <a:solidFill>
-                      <a:srgbClr val="4F81BD">
-                        <a:alpha val="0"/>
-                      </a:srgbClr>
-                    </a:solidFill>
-                  </a:ln>
-                  <a:solidFill>
-                    <a:schemeClr val="tx1">
-                      <a:lumMod val="85000"/>
-                      <a:lumOff val="15000"/>
-                    </a:schemeClr>
-                  </a:solidFill>
-                  <a:latin typeface="맑은 고딕" panose="020B0503020000020004" pitchFamily="50" charset="-127"/>
-                  <a:ea typeface="맑은 고딕" panose="020B0503020000020004" pitchFamily="50" charset="-127"/>
-                </a:rPr>
-                <a:t> </a:t>
-              </a:r>
-            </a:p>
-          </p:txBody>
-        </p:sp>
-      </p:grpSp>
-      <p:sp>
-        <p:nvSpPr>
-          <p:cNvPr id="5" name="양쪽 모서리가 둥근 사각형 840">
-            <a:extLst>
-              <a:ext uri="{FF2B5EF4-FFF2-40B4-BE49-F238E27FC236}">
-                <a16:creationId xmlns:a16="http://schemas.microsoft.com/office/drawing/2014/main" id="{9842AFC7-4441-8E0F-210F-2450B729D3D7}"/>
-              </a:ext>
-            </a:extLst>
-          </p:cNvPr>
-          <p:cNvSpPr/>
+          <p:cNvSpPr txBox="1"/>
           <p:nvPr/>
         </p:nvSpPr>
         <p:spPr>
           <a:xfrm>
-            <a:off x="400012" y="989036"/>
-            <a:ext cx="4171988" cy="403071"/>
+            <a:off x="346567" y="1945396"/>
+            <a:ext cx="4178285" cy="923330"/>
           </a:xfrm>
-          <a:prstGeom prst="round2SameRect">
+          <a:prstGeom prst="rect">
             <a:avLst/>
           </a:prstGeom>
-          <a:solidFill>
-            <a:srgbClr val="2D6BDB"/>
-          </a:solidFill>
-          <a:ln>
-            <a:noFill/>
-          </a:ln>
-          <a:effectLst>
-            <a:outerShdw blurRad="50800" dist="38100" algn="l" rotWithShape="0">
-              <a:prstClr val="black">
-                <a:alpha val="13000"/>
-              </a:prstClr>
-            </a:outerShdw>
-          </a:effectLst>
+          <a:noFill/>
         </p:spPr>
-        <p:style>
-          <a:lnRef idx="2">
-            <a:schemeClr val="accent1">
-              <a:shade val="50000"/>
-            </a:schemeClr>
-          </a:lnRef>
-          <a:fillRef idx="1">
-            <a:schemeClr val="accent1"/>
-          </a:fillRef>
-          <a:effectRef idx="0">
-            <a:schemeClr val="accent1"/>
-          </a:effectRef>
-          <a:fontRef idx="minor">
-            <a:schemeClr val="lt1"/>
-          </a:fontRef>
-        </p:style>
         <p:txBody>
-          <a:bodyPr rtlCol="0" anchor="ctr"/>
+          <a:bodyPr wrap="square" rtlCol="0">
+            <a:spAutoFit/>
+          </a:bodyPr>
           <a:lstStyle/>
           <a:p>
-            <a:pPr marL="72000" algn="l"/>
-            <a:r>
-              <a:rPr lang="en-US" altLang="ko-KR" sz="1600" b="1" dirty="0">
-                <a:gradFill>
-                  <a:gsLst>
-                    <a:gs pos="0">
-                      <a:schemeClr val="bg1"/>
-                    </a:gs>
-                    <a:gs pos="100000">
-                      <a:schemeClr val="bg1"/>
-                    </a:gs>
-                  </a:gsLst>
-                  <a:lin ang="5400000" scaled="1"/>
-                </a:gradFill>
-                <a:latin typeface="맑은 고딕" panose="020B0503020000020004" pitchFamily="50" charset="-127"/>
-                <a:ea typeface="맑은 고딕" panose="020B0503020000020004" pitchFamily="50" charset="-127"/>
-              </a:rPr>
-              <a:t>sol) </a:t>
-            </a:r>
-            <a:r>
-              <a:rPr lang="ko-KR" altLang="en-US" sz="1600" b="1" dirty="0">
-                <a:gradFill>
-                  <a:gsLst>
-                    <a:gs pos="0">
-                      <a:schemeClr val="bg1"/>
-                    </a:gs>
-                    <a:gs pos="100000">
-                      <a:schemeClr val="bg1"/>
-                    </a:gs>
-                  </a:gsLst>
-                  <a:lin ang="5400000" scaled="1"/>
-                </a:gradFill>
-                <a:latin typeface="맑은 고딕" panose="020B0503020000020004" pitchFamily="50" charset="-127"/>
-                <a:ea typeface="맑은 고딕" panose="020B0503020000020004" pitchFamily="50" charset="-127"/>
-              </a:rPr>
-              <a:t>소프트웨어 재판매 이익 예측</a:t>
+            <a:r>
+              <a:rPr lang="en-US" altLang="ko-KR" dirty="0">
+                <a:solidFill>
+                  <a:schemeClr val="tx1"/>
+                </a:solidFill>
+              </a:rPr>
+              <a:t>3. last update days ago(</a:t>
+            </a:r>
+            <a:r>
+              <a:rPr lang="ko-KR" altLang="en-US" dirty="0" err="1">
+                <a:solidFill>
+                  <a:schemeClr val="tx1"/>
+                </a:solidFill>
+              </a:rPr>
+              <a:t>레코드갱신경과</a:t>
+            </a:r>
+            <a:r>
+              <a:rPr lang="en-US" altLang="ko-KR" dirty="0">
+                <a:solidFill>
+                  <a:schemeClr val="tx1"/>
+                </a:solidFill>
+              </a:rPr>
+              <a:t>)</a:t>
+            </a:r>
+            <a:r>
+              <a:rPr lang="ko-KR" altLang="en-US" dirty="0">
+                <a:solidFill>
+                  <a:schemeClr val="tx1"/>
+                </a:solidFill>
+              </a:rPr>
+              <a:t>변수에 따른 </a:t>
+            </a:r>
+            <a:r>
+              <a:rPr lang="en-US" altLang="ko-KR" dirty="0">
+                <a:solidFill>
+                  <a:schemeClr val="tx1"/>
+                </a:solidFill>
+              </a:rPr>
+              <a:t>Spending(</a:t>
+            </a:r>
+            <a:r>
+              <a:rPr lang="ko-KR" altLang="en-US" dirty="0">
+                <a:solidFill>
+                  <a:schemeClr val="tx1"/>
+                </a:solidFill>
+              </a:rPr>
+              <a:t>소비금액</a:t>
+            </a:r>
+            <a:r>
+              <a:rPr lang="en-US" altLang="ko-KR" dirty="0">
+                <a:solidFill>
+                  <a:schemeClr val="tx1"/>
+                </a:solidFill>
+              </a:rPr>
+              <a:t>)</a:t>
+            </a:r>
+            <a:r>
+              <a:rPr lang="ko-KR" altLang="en-US" dirty="0">
+                <a:solidFill>
+                  <a:schemeClr val="tx1"/>
+                </a:solidFill>
+              </a:rPr>
+              <a:t>의 평균과 표준편차</a:t>
+            </a:r>
+          </a:p>
+        </p:txBody>
+      </p:sp>
+      <p:sp>
+        <p:nvSpPr>
+          <p:cNvPr id="6" name="TextBox 5">
+            <a:extLst>
+              <a:ext uri="{FF2B5EF4-FFF2-40B4-BE49-F238E27FC236}">
+                <a16:creationId xmlns:a16="http://schemas.microsoft.com/office/drawing/2014/main" id="{6AD8E78F-F159-40DA-BEFD-AE3D720E58EC}"/>
+              </a:ext>
+            </a:extLst>
+          </p:cNvPr>
+          <p:cNvSpPr txBox="1"/>
+          <p:nvPr/>
+        </p:nvSpPr>
+        <p:spPr>
+          <a:xfrm>
+            <a:off x="4790411" y="1930524"/>
+            <a:ext cx="4211160" cy="646331"/>
+          </a:xfrm>
+          <a:prstGeom prst="rect">
+            <a:avLst/>
+          </a:prstGeom>
+          <a:noFill/>
+        </p:spPr>
+        <p:txBody>
+          <a:bodyPr wrap="square" rtlCol="0">
+            <a:spAutoFit/>
+          </a:bodyPr>
+          <a:lstStyle/>
+          <a:p>
+            <a:r>
+              <a:rPr lang="en-US" altLang="ko-KR" dirty="0">
+                <a:solidFill>
+                  <a:schemeClr val="tx1"/>
+                </a:solidFill>
+              </a:rPr>
+              <a:t>4. Web order(</a:t>
+            </a:r>
+            <a:r>
+              <a:rPr lang="ko-KR" altLang="en-US" dirty="0">
+                <a:solidFill>
+                  <a:schemeClr val="tx1"/>
+                </a:solidFill>
+              </a:rPr>
+              <a:t>온라인 주문여부</a:t>
+            </a:r>
+            <a:r>
+              <a:rPr lang="en-US" altLang="ko-KR" dirty="0">
+                <a:solidFill>
+                  <a:schemeClr val="tx1"/>
+                </a:solidFill>
+              </a:rPr>
+              <a:t>) </a:t>
+            </a:r>
+            <a:r>
+              <a:rPr lang="ko-KR" altLang="en-US" dirty="0">
+                <a:solidFill>
+                  <a:schemeClr val="tx1"/>
+                </a:solidFill>
+              </a:rPr>
+              <a:t>에 따른 </a:t>
+            </a:r>
+            <a:r>
+              <a:rPr lang="en-US" altLang="ko-KR" dirty="0">
+                <a:solidFill>
+                  <a:schemeClr val="tx1"/>
+                </a:solidFill>
+              </a:rPr>
+              <a:t>Spending(</a:t>
+            </a:r>
+            <a:r>
+              <a:rPr lang="ko-KR" altLang="en-US" dirty="0">
+                <a:solidFill>
+                  <a:schemeClr val="tx1"/>
+                </a:solidFill>
+              </a:rPr>
+              <a:t>소비금액</a:t>
+            </a:r>
+            <a:r>
+              <a:rPr lang="en-US" altLang="ko-KR" dirty="0">
+                <a:solidFill>
+                  <a:schemeClr val="tx1"/>
+                </a:solidFill>
+              </a:rPr>
+              <a:t>)</a:t>
+            </a:r>
+            <a:r>
+              <a:rPr lang="ko-KR" altLang="en-US" dirty="0">
+                <a:solidFill>
+                  <a:schemeClr val="tx1"/>
+                </a:solidFill>
+              </a:rPr>
+              <a:t>의 평균과 표준편차</a:t>
             </a:r>
           </a:p>
         </p:txBody>
       </p:sp>
       <p:pic>
         <p:nvPicPr>
-          <p:cNvPr id="6" name="그림 5">
+          <p:cNvPr id="2" name="그림 1">
             <a:extLst>
               <a:ext uri="{FF2B5EF4-FFF2-40B4-BE49-F238E27FC236}">
-                <a16:creationId xmlns:a16="http://schemas.microsoft.com/office/drawing/2014/main" id="{913F185D-BF69-AC3E-33DC-6A2BF2D51165}"/>
+                <a16:creationId xmlns:a16="http://schemas.microsoft.com/office/drawing/2014/main" id="{89AA5C22-952A-40E0-99E9-29BAB28B42E9}"/>
               </a:ext>
             </a:extLst>
           </p:cNvPr>
@@ -7959,15 +10973,815 @@
           <p:nvPr/>
         </p:nvPicPr>
         <p:blipFill>
-          <a:blip r:embed="rId2"/>
+          <a:blip r:embed="rId3"/>
           <a:stretch>
             <a:fillRect/>
           </a:stretch>
         </p:blipFill>
         <p:spPr>
           <a:xfrm>
-            <a:off x="3643316" y="1421022"/>
-            <a:ext cx="5071998" cy="4776666"/>
+            <a:off x="346567" y="3135677"/>
+            <a:ext cx="4492550" cy="2160024"/>
+          </a:xfrm>
+          <a:prstGeom prst="rect">
+            <a:avLst/>
+          </a:prstGeom>
+        </p:spPr>
+      </p:pic>
+      <p:pic>
+        <p:nvPicPr>
+          <p:cNvPr id="8" name="그림 7">
+            <a:extLst>
+              <a:ext uri="{FF2B5EF4-FFF2-40B4-BE49-F238E27FC236}">
+                <a16:creationId xmlns:a16="http://schemas.microsoft.com/office/drawing/2014/main" id="{11438A71-2169-46F9-9AEB-21CABD9C8140}"/>
+              </a:ext>
+            </a:extLst>
+          </p:cNvPr>
+          <p:cNvPicPr>
+            <a:picLocks noChangeAspect="1"/>
+          </p:cNvPicPr>
+          <p:nvPr/>
+        </p:nvPicPr>
+        <p:blipFill>
+          <a:blip r:embed="rId4"/>
+          <a:stretch>
+            <a:fillRect/>
+          </a:stretch>
+        </p:blipFill>
+        <p:spPr>
+          <a:xfrm>
+            <a:off x="4860664" y="3135677"/>
+            <a:ext cx="4211161" cy="1066721"/>
+          </a:xfrm>
+          <a:prstGeom prst="rect">
+            <a:avLst/>
+          </a:prstGeom>
+        </p:spPr>
+      </p:pic>
+    </p:spTree>
+    <p:extLst>
+      <p:ext uri="{BB962C8B-B14F-4D97-AF65-F5344CB8AC3E}">
+        <p14:creationId xmlns:p14="http://schemas.microsoft.com/office/powerpoint/2010/main" val="993848313"/>
+      </p:ext>
+    </p:extLst>
+  </p:cSld>
+  <p:clrMapOvr>
+    <a:masterClrMapping/>
+  </p:clrMapOvr>
+  <p:transition/>
+</p:sld>
+</file>
+
+<file path=ppt/slides/slide6.xml><?xml version="1.0" encoding="utf-8"?>
+<p:sld xmlns:a="http://schemas.openxmlformats.org/drawingml/2006/main" xmlns:r="http://schemas.openxmlformats.org/officeDocument/2006/relationships" xmlns:p="http://schemas.openxmlformats.org/presentationml/2006/main">
+  <p:cSld>
+    <p:spTree>
+      <p:nvGrpSpPr>
+        <p:cNvPr id="1" name=""/>
+        <p:cNvGrpSpPr/>
+        <p:nvPr/>
+      </p:nvGrpSpPr>
+      <p:grpSpPr>
+        <a:xfrm>
+          <a:off x="0" y="0"/>
+          <a:ext cx="0" cy="0"/>
+          <a:chOff x="0" y="0"/>
+          <a:chExt cx="0" cy="0"/>
+        </a:xfrm>
+      </p:grpSpPr>
+      <p:pic>
+        <p:nvPicPr>
+          <p:cNvPr id="3" name="그림 2">
+            <a:extLst>
+              <a:ext uri="{FF2B5EF4-FFF2-40B4-BE49-F238E27FC236}">
+                <a16:creationId xmlns:a16="http://schemas.microsoft.com/office/drawing/2014/main" id="{8967EBA3-A68D-40E0-9FBE-A49B077525DC}"/>
+              </a:ext>
+            </a:extLst>
+          </p:cNvPr>
+          <p:cNvPicPr>
+            <a:picLocks noChangeAspect="1"/>
+          </p:cNvPicPr>
+          <p:nvPr/>
+        </p:nvPicPr>
+        <p:blipFill rotWithShape="1">
+          <a:blip r:embed="rId2"/>
+          <a:srcRect b="91307"/>
+          <a:stretch/>
+        </p:blipFill>
+        <p:spPr>
+          <a:xfrm>
+            <a:off x="0" y="458967"/>
+            <a:ext cx="9144000" cy="397747"/>
+          </a:xfrm>
+          <a:prstGeom prst="rect">
+            <a:avLst/>
+          </a:prstGeom>
+        </p:spPr>
+      </p:pic>
+      <p:sp>
+        <p:nvSpPr>
+          <p:cNvPr id="5" name="TextBox 4">
+            <a:extLst>
+              <a:ext uri="{FF2B5EF4-FFF2-40B4-BE49-F238E27FC236}">
+                <a16:creationId xmlns:a16="http://schemas.microsoft.com/office/drawing/2014/main" id="{E4E945F2-B215-442F-84E6-584AF9023CA7}"/>
+              </a:ext>
+            </a:extLst>
+          </p:cNvPr>
+          <p:cNvSpPr txBox="1"/>
+          <p:nvPr/>
+        </p:nvSpPr>
+        <p:spPr>
+          <a:xfrm>
+            <a:off x="346567" y="1945396"/>
+            <a:ext cx="4178285" cy="646331"/>
+          </a:xfrm>
+          <a:prstGeom prst="rect">
+            <a:avLst/>
+          </a:prstGeom>
+          <a:noFill/>
+        </p:spPr>
+        <p:txBody>
+          <a:bodyPr wrap="square" rtlCol="0">
+            <a:spAutoFit/>
+          </a:bodyPr>
+          <a:lstStyle/>
+          <a:p>
+            <a:r>
+              <a:rPr lang="en-US" altLang="ko-KR" dirty="0">
+                <a:solidFill>
+                  <a:schemeClr val="tx1"/>
+                </a:solidFill>
+              </a:rPr>
+              <a:t>5. Gender male(</a:t>
+            </a:r>
+            <a:r>
+              <a:rPr lang="ko-KR" altLang="en-US" dirty="0">
+                <a:solidFill>
+                  <a:schemeClr val="tx1"/>
+                </a:solidFill>
+              </a:rPr>
+              <a:t>성별</a:t>
+            </a:r>
+            <a:r>
+              <a:rPr lang="en-US" altLang="ko-KR" dirty="0">
+                <a:solidFill>
+                  <a:schemeClr val="tx1"/>
+                </a:solidFill>
+              </a:rPr>
+              <a:t>)</a:t>
+            </a:r>
+            <a:r>
+              <a:rPr lang="ko-KR" altLang="en-US" dirty="0">
+                <a:solidFill>
+                  <a:schemeClr val="tx1"/>
+                </a:solidFill>
+              </a:rPr>
+              <a:t>에 따른 </a:t>
+            </a:r>
+            <a:r>
+              <a:rPr lang="en-US" altLang="ko-KR" dirty="0">
+                <a:solidFill>
+                  <a:schemeClr val="tx1"/>
+                </a:solidFill>
+              </a:rPr>
+              <a:t>Spending(</a:t>
+            </a:r>
+            <a:r>
+              <a:rPr lang="ko-KR" altLang="en-US" dirty="0">
+                <a:solidFill>
+                  <a:schemeClr val="tx1"/>
+                </a:solidFill>
+              </a:rPr>
+              <a:t>소비금액</a:t>
+            </a:r>
+            <a:r>
+              <a:rPr lang="en-US" altLang="ko-KR" dirty="0">
+                <a:solidFill>
+                  <a:schemeClr val="tx1"/>
+                </a:solidFill>
+              </a:rPr>
+              <a:t>)</a:t>
+            </a:r>
+            <a:r>
+              <a:rPr lang="ko-KR" altLang="en-US" dirty="0">
+                <a:solidFill>
+                  <a:schemeClr val="tx1"/>
+                </a:solidFill>
+              </a:rPr>
+              <a:t>의 평균과 표준편차</a:t>
+            </a:r>
+          </a:p>
+        </p:txBody>
+      </p:sp>
+      <p:sp>
+        <p:nvSpPr>
+          <p:cNvPr id="6" name="TextBox 5">
+            <a:extLst>
+              <a:ext uri="{FF2B5EF4-FFF2-40B4-BE49-F238E27FC236}">
+                <a16:creationId xmlns:a16="http://schemas.microsoft.com/office/drawing/2014/main" id="{6AD8E78F-F159-40DA-BEFD-AE3D720E58EC}"/>
+              </a:ext>
+            </a:extLst>
+          </p:cNvPr>
+          <p:cNvSpPr txBox="1"/>
+          <p:nvPr/>
+        </p:nvSpPr>
+        <p:spPr>
+          <a:xfrm>
+            <a:off x="4790411" y="1930524"/>
+            <a:ext cx="4211160" cy="646331"/>
+          </a:xfrm>
+          <a:prstGeom prst="rect">
+            <a:avLst/>
+          </a:prstGeom>
+          <a:noFill/>
+        </p:spPr>
+        <p:txBody>
+          <a:bodyPr wrap="square" rtlCol="0">
+            <a:spAutoFit/>
+          </a:bodyPr>
+          <a:lstStyle/>
+          <a:p>
+            <a:r>
+              <a:rPr lang="en-US" altLang="ko-KR" dirty="0">
+                <a:solidFill>
+                  <a:schemeClr val="tx1"/>
+                </a:solidFill>
+              </a:rPr>
+              <a:t>6. Address is res(</a:t>
+            </a:r>
+            <a:r>
+              <a:rPr lang="ko-KR" altLang="en-US" dirty="0">
+                <a:solidFill>
+                  <a:schemeClr val="tx1"/>
+                </a:solidFill>
+              </a:rPr>
+              <a:t>거주지주소</a:t>
+            </a:r>
+            <a:r>
+              <a:rPr lang="en-US" altLang="ko-KR" dirty="0">
+                <a:solidFill>
+                  <a:schemeClr val="tx1"/>
+                </a:solidFill>
+              </a:rPr>
+              <a:t>) </a:t>
+            </a:r>
+            <a:r>
+              <a:rPr lang="ko-KR" altLang="en-US" dirty="0">
+                <a:solidFill>
+                  <a:schemeClr val="tx1"/>
+                </a:solidFill>
+              </a:rPr>
+              <a:t>에 따른 </a:t>
+            </a:r>
+            <a:r>
+              <a:rPr lang="en-US" altLang="ko-KR" dirty="0">
+                <a:solidFill>
+                  <a:schemeClr val="tx1"/>
+                </a:solidFill>
+              </a:rPr>
+              <a:t>Spending(</a:t>
+            </a:r>
+            <a:r>
+              <a:rPr lang="ko-KR" altLang="en-US" dirty="0">
+                <a:solidFill>
+                  <a:schemeClr val="tx1"/>
+                </a:solidFill>
+              </a:rPr>
+              <a:t>소비금액</a:t>
+            </a:r>
+            <a:r>
+              <a:rPr lang="en-US" altLang="ko-KR" dirty="0">
+                <a:solidFill>
+                  <a:schemeClr val="tx1"/>
+                </a:solidFill>
+              </a:rPr>
+              <a:t>)</a:t>
+            </a:r>
+            <a:r>
+              <a:rPr lang="ko-KR" altLang="en-US" dirty="0">
+                <a:solidFill>
+                  <a:schemeClr val="tx1"/>
+                </a:solidFill>
+              </a:rPr>
+              <a:t>의 평균과 표준편차</a:t>
+            </a:r>
+          </a:p>
+        </p:txBody>
+      </p:sp>
+      <p:pic>
+        <p:nvPicPr>
+          <p:cNvPr id="2" name="그림 1">
+            <a:extLst>
+              <a:ext uri="{FF2B5EF4-FFF2-40B4-BE49-F238E27FC236}">
+                <a16:creationId xmlns:a16="http://schemas.microsoft.com/office/drawing/2014/main" id="{4542B887-6860-40FD-99C0-194B3837BA0A}"/>
+              </a:ext>
+            </a:extLst>
+          </p:cNvPr>
+          <p:cNvPicPr>
+            <a:picLocks noChangeAspect="1"/>
+          </p:cNvPicPr>
+          <p:nvPr/>
+        </p:nvPicPr>
+        <p:blipFill>
+          <a:blip r:embed="rId3"/>
+          <a:stretch>
+            <a:fillRect/>
+          </a:stretch>
+        </p:blipFill>
+        <p:spPr>
+          <a:xfrm>
+            <a:off x="327575" y="3129860"/>
+            <a:ext cx="4134903" cy="956582"/>
+          </a:xfrm>
+          <a:prstGeom prst="rect">
+            <a:avLst/>
+          </a:prstGeom>
+        </p:spPr>
+      </p:pic>
+      <p:pic>
+        <p:nvPicPr>
+          <p:cNvPr id="8" name="그림 7">
+            <a:extLst>
+              <a:ext uri="{FF2B5EF4-FFF2-40B4-BE49-F238E27FC236}">
+                <a16:creationId xmlns:a16="http://schemas.microsoft.com/office/drawing/2014/main" id="{ABBD5FE6-7EC3-4582-9AF7-DD710788CA1C}"/>
+              </a:ext>
+            </a:extLst>
+          </p:cNvPr>
+          <p:cNvPicPr>
+            <a:picLocks noChangeAspect="1"/>
+          </p:cNvPicPr>
+          <p:nvPr/>
+        </p:nvPicPr>
+        <p:blipFill>
+          <a:blip r:embed="rId4"/>
+          <a:stretch>
+            <a:fillRect/>
+          </a:stretch>
+        </p:blipFill>
+        <p:spPr>
+          <a:xfrm>
+            <a:off x="4681523" y="3102860"/>
+            <a:ext cx="4320048" cy="1010583"/>
+          </a:xfrm>
+          <a:prstGeom prst="rect">
+            <a:avLst/>
+          </a:prstGeom>
+        </p:spPr>
+      </p:pic>
+    </p:spTree>
+    <p:extLst>
+      <p:ext uri="{BB962C8B-B14F-4D97-AF65-F5344CB8AC3E}">
+        <p14:creationId xmlns:p14="http://schemas.microsoft.com/office/powerpoint/2010/main" val="3578876664"/>
+      </p:ext>
+    </p:extLst>
+  </p:cSld>
+  <p:clrMapOvr>
+    <a:masterClrMapping/>
+  </p:clrMapOvr>
+  <p:transition/>
+</p:sld>
+</file>
+
+<file path=ppt/slides/slide7.xml><?xml version="1.0" encoding="utf-8"?>
+<p:sld xmlns:a="http://schemas.openxmlformats.org/drawingml/2006/main" xmlns:r="http://schemas.openxmlformats.org/officeDocument/2006/relationships" xmlns:p="http://schemas.openxmlformats.org/presentationml/2006/main">
+  <p:cSld>
+    <p:spTree>
+      <p:nvGrpSpPr>
+        <p:cNvPr id="1" name=""/>
+        <p:cNvGrpSpPr/>
+        <p:nvPr/>
+      </p:nvGrpSpPr>
+      <p:grpSpPr>
+        <a:xfrm>
+          <a:off x="0" y="0"/>
+          <a:ext cx="0" cy="0"/>
+          <a:chOff x="0" y="0"/>
+          <a:chExt cx="0" cy="0"/>
+        </a:xfrm>
+      </p:grpSpPr>
+      <p:pic>
+        <p:nvPicPr>
+          <p:cNvPr id="3" name="그림 2">
+            <a:extLst>
+              <a:ext uri="{FF2B5EF4-FFF2-40B4-BE49-F238E27FC236}">
+                <a16:creationId xmlns:a16="http://schemas.microsoft.com/office/drawing/2014/main" id="{8967EBA3-A68D-40E0-9FBE-A49B077525DC}"/>
+              </a:ext>
+            </a:extLst>
+          </p:cNvPr>
+          <p:cNvPicPr>
+            <a:picLocks noChangeAspect="1"/>
+          </p:cNvPicPr>
+          <p:nvPr/>
+        </p:nvPicPr>
+        <p:blipFill rotWithShape="1">
+          <a:blip r:embed="rId2"/>
+          <a:srcRect t="9834" b="74430"/>
+          <a:stretch/>
+        </p:blipFill>
+        <p:spPr>
+          <a:xfrm>
+            <a:off x="557" y="312394"/>
+            <a:ext cx="9144000" cy="720008"/>
+          </a:xfrm>
+          <a:prstGeom prst="rect">
+            <a:avLst/>
+          </a:prstGeom>
+        </p:spPr>
+      </p:pic>
+      <p:sp>
+        <p:nvSpPr>
+          <p:cNvPr id="5" name="TextBox 4">
+            <a:extLst>
+              <a:ext uri="{FF2B5EF4-FFF2-40B4-BE49-F238E27FC236}">
+                <a16:creationId xmlns:a16="http://schemas.microsoft.com/office/drawing/2014/main" id="{E4E945F2-B215-442F-84E6-584AF9023CA7}"/>
+              </a:ext>
+            </a:extLst>
+          </p:cNvPr>
+          <p:cNvSpPr txBox="1"/>
+          <p:nvPr/>
+        </p:nvSpPr>
+        <p:spPr>
+          <a:xfrm>
+            <a:off x="6552022" y="4059007"/>
+            <a:ext cx="2340026" cy="1477328"/>
+          </a:xfrm>
+          <a:prstGeom prst="rect">
+            <a:avLst/>
+          </a:prstGeom>
+          <a:noFill/>
+        </p:spPr>
+        <p:txBody>
+          <a:bodyPr wrap="square" rtlCol="0">
+            <a:spAutoFit/>
+          </a:bodyPr>
+          <a:lstStyle/>
+          <a:p>
+            <a:r>
+              <a:rPr lang="en-US" altLang="ko-KR" dirty="0">
+                <a:solidFill>
+                  <a:schemeClr val="tx1"/>
+                </a:solidFill>
+              </a:rPr>
+              <a:t>last</a:t>
+            </a:r>
+            <a:r>
+              <a:rPr lang="ko-KR" altLang="en-US" dirty="0">
+                <a:solidFill>
+                  <a:schemeClr val="tx1"/>
+                </a:solidFill>
+              </a:rPr>
+              <a:t> </a:t>
+            </a:r>
+            <a:r>
+              <a:rPr lang="en-US" altLang="ko-KR" dirty="0">
+                <a:solidFill>
+                  <a:schemeClr val="tx1"/>
+                </a:solidFill>
+              </a:rPr>
+              <a:t>update</a:t>
+            </a:r>
+            <a:r>
+              <a:rPr lang="ko-KR" altLang="en-US" dirty="0">
+                <a:solidFill>
+                  <a:schemeClr val="tx1"/>
+                </a:solidFill>
+              </a:rPr>
+              <a:t> </a:t>
+            </a:r>
+            <a:r>
+              <a:rPr lang="en-US" altLang="ko-KR" dirty="0">
+                <a:solidFill>
+                  <a:schemeClr val="tx1"/>
+                </a:solidFill>
+              </a:rPr>
+              <a:t>days</a:t>
+            </a:r>
+            <a:r>
+              <a:rPr lang="ko-KR" altLang="en-US" dirty="0">
+                <a:solidFill>
+                  <a:schemeClr val="tx1"/>
+                </a:solidFill>
+              </a:rPr>
+              <a:t> </a:t>
+            </a:r>
+            <a:r>
+              <a:rPr lang="en-US" altLang="ko-KR" dirty="0">
+                <a:solidFill>
+                  <a:schemeClr val="tx1"/>
+                </a:solidFill>
+              </a:rPr>
+              <a:t>ago</a:t>
+            </a:r>
+            <a:r>
+              <a:rPr lang="ko-KR" altLang="en-US" dirty="0">
+                <a:solidFill>
+                  <a:schemeClr val="tx1"/>
+                </a:solidFill>
+              </a:rPr>
+              <a:t>와 </a:t>
+            </a:r>
+            <a:r>
+              <a:rPr lang="en-US" altLang="ko-KR" dirty="0">
+                <a:solidFill>
+                  <a:schemeClr val="tx1"/>
+                </a:solidFill>
+              </a:rPr>
+              <a:t>Spending </a:t>
+            </a:r>
+            <a:r>
+              <a:rPr lang="ko-KR" altLang="en-US" dirty="0">
+                <a:solidFill>
+                  <a:schemeClr val="tx1"/>
+                </a:solidFill>
+              </a:rPr>
+              <a:t>간에는 선형관계가 있지 않은 것으로 보임</a:t>
+            </a:r>
+          </a:p>
+        </p:txBody>
+      </p:sp>
+      <p:pic>
+        <p:nvPicPr>
+          <p:cNvPr id="7" name="그림 6">
+            <a:extLst>
+              <a:ext uri="{FF2B5EF4-FFF2-40B4-BE49-F238E27FC236}">
+                <a16:creationId xmlns:a16="http://schemas.microsoft.com/office/drawing/2014/main" id="{BE5BB6AE-3386-4E80-8993-E392E65E1B10}"/>
+              </a:ext>
+            </a:extLst>
+          </p:cNvPr>
+          <p:cNvPicPr>
+            <a:picLocks noChangeAspect="1"/>
+          </p:cNvPicPr>
+          <p:nvPr/>
+        </p:nvPicPr>
+        <p:blipFill>
+          <a:blip r:embed="rId3"/>
+          <a:stretch>
+            <a:fillRect/>
+          </a:stretch>
+        </p:blipFill>
+        <p:spPr>
+          <a:xfrm>
+            <a:off x="251952" y="1062594"/>
+            <a:ext cx="6174245" cy="5156438"/>
+          </a:xfrm>
+          <a:prstGeom prst="rect">
+            <a:avLst/>
+          </a:prstGeom>
+        </p:spPr>
+      </p:pic>
+      <p:sp>
+        <p:nvSpPr>
+          <p:cNvPr id="9" name="TextBox 8">
+            <a:extLst>
+              <a:ext uri="{FF2B5EF4-FFF2-40B4-BE49-F238E27FC236}">
+                <a16:creationId xmlns:a16="http://schemas.microsoft.com/office/drawing/2014/main" id="{FF9B4372-B9D1-43F6-9C37-4B391B4C11A2}"/>
+              </a:ext>
+            </a:extLst>
+          </p:cNvPr>
+          <p:cNvSpPr txBox="1"/>
+          <p:nvPr/>
+        </p:nvSpPr>
+        <p:spPr>
+          <a:xfrm>
+            <a:off x="6552022" y="2191109"/>
+            <a:ext cx="2340026" cy="1200329"/>
+          </a:xfrm>
+          <a:prstGeom prst="rect">
+            <a:avLst/>
+          </a:prstGeom>
+          <a:noFill/>
+        </p:spPr>
+        <p:txBody>
+          <a:bodyPr wrap="square" rtlCol="0">
+            <a:spAutoFit/>
+          </a:bodyPr>
+          <a:lstStyle/>
+          <a:p>
+            <a:r>
+              <a:rPr lang="en-US" altLang="ko-KR" dirty="0">
+                <a:solidFill>
+                  <a:schemeClr val="tx1"/>
+                </a:solidFill>
+              </a:rPr>
+              <a:t>Freq</a:t>
+            </a:r>
+            <a:r>
+              <a:rPr lang="ko-KR" altLang="en-US" dirty="0">
+                <a:solidFill>
+                  <a:schemeClr val="tx1"/>
+                </a:solidFill>
+              </a:rPr>
+              <a:t>와 </a:t>
+            </a:r>
+            <a:r>
+              <a:rPr lang="en-US" altLang="ko-KR" dirty="0">
+                <a:solidFill>
+                  <a:schemeClr val="tx1"/>
+                </a:solidFill>
+              </a:rPr>
+              <a:t>Spending </a:t>
+            </a:r>
+            <a:r>
+              <a:rPr lang="ko-KR" altLang="en-US" dirty="0">
+                <a:solidFill>
+                  <a:schemeClr val="tx1"/>
+                </a:solidFill>
+              </a:rPr>
+              <a:t>간에는 </a:t>
+            </a:r>
+            <a:r>
+              <a:rPr lang="ko-KR" altLang="en-US" dirty="0" err="1">
+                <a:solidFill>
+                  <a:schemeClr val="tx1"/>
+                </a:solidFill>
+              </a:rPr>
+              <a:t>우상향</a:t>
+            </a:r>
+            <a:r>
+              <a:rPr lang="ko-KR" altLang="en-US" dirty="0">
+                <a:solidFill>
+                  <a:schemeClr val="tx1"/>
+                </a:solidFill>
+              </a:rPr>
+              <a:t> 하는 선형관계가 있는 것으로 보임</a:t>
+            </a:r>
+          </a:p>
+        </p:txBody>
+      </p:sp>
+    </p:spTree>
+    <p:extLst>
+      <p:ext uri="{BB962C8B-B14F-4D97-AF65-F5344CB8AC3E}">
+        <p14:creationId xmlns:p14="http://schemas.microsoft.com/office/powerpoint/2010/main" val="492065130"/>
+      </p:ext>
+    </p:extLst>
+  </p:cSld>
+  <p:clrMapOvr>
+    <a:masterClrMapping/>
+  </p:clrMapOvr>
+  <p:transition/>
+</p:sld>
+</file>
+
+<file path=ppt/slides/slide8.xml><?xml version="1.0" encoding="utf-8"?>
+<p:sld xmlns:a="http://schemas.openxmlformats.org/drawingml/2006/main" xmlns:r="http://schemas.openxmlformats.org/officeDocument/2006/relationships" xmlns:p="http://schemas.openxmlformats.org/presentationml/2006/main">
+  <p:cSld>
+    <p:spTree>
+      <p:nvGrpSpPr>
+        <p:cNvPr id="1" name=""/>
+        <p:cNvGrpSpPr/>
+        <p:nvPr/>
+      </p:nvGrpSpPr>
+      <p:grpSpPr>
+        <a:xfrm>
+          <a:off x="0" y="0"/>
+          <a:ext cx="0" cy="0"/>
+          <a:chOff x="0" y="0"/>
+          <a:chExt cx="0" cy="0"/>
+        </a:xfrm>
+      </p:grpSpPr>
+      <p:pic>
+        <p:nvPicPr>
+          <p:cNvPr id="3" name="그림 2">
+            <a:extLst>
+              <a:ext uri="{FF2B5EF4-FFF2-40B4-BE49-F238E27FC236}">
+                <a16:creationId xmlns:a16="http://schemas.microsoft.com/office/drawing/2014/main" id="{8967EBA3-A68D-40E0-9FBE-A49B077525DC}"/>
+              </a:ext>
+            </a:extLst>
+          </p:cNvPr>
+          <p:cNvPicPr>
+            <a:picLocks noChangeAspect="1"/>
+          </p:cNvPicPr>
+          <p:nvPr/>
+        </p:nvPicPr>
+        <p:blipFill rotWithShape="1">
+          <a:blip r:embed="rId2"/>
+          <a:srcRect t="24429" b="59835"/>
+          <a:stretch/>
+        </p:blipFill>
+        <p:spPr>
+          <a:xfrm>
+            <a:off x="0" y="368967"/>
+            <a:ext cx="9144000" cy="720008"/>
+          </a:xfrm>
+          <a:prstGeom prst="rect">
+            <a:avLst/>
+          </a:prstGeom>
+        </p:spPr>
+      </p:pic>
+      <p:pic>
+        <p:nvPicPr>
+          <p:cNvPr id="2" name="그림 1">
+            <a:extLst>
+              <a:ext uri="{FF2B5EF4-FFF2-40B4-BE49-F238E27FC236}">
+                <a16:creationId xmlns:a16="http://schemas.microsoft.com/office/drawing/2014/main" id="{A51C2628-6940-41E2-B83C-CE462158D9BA}"/>
+              </a:ext>
+            </a:extLst>
+          </p:cNvPr>
+          <p:cNvPicPr>
+            <a:picLocks noChangeAspect="1"/>
+          </p:cNvPicPr>
+          <p:nvPr/>
+        </p:nvPicPr>
+        <p:blipFill>
+          <a:blip r:embed="rId3"/>
+          <a:stretch>
+            <a:fillRect/>
+          </a:stretch>
+        </p:blipFill>
+        <p:spPr>
+          <a:xfrm>
+            <a:off x="37101" y="1628980"/>
+            <a:ext cx="9034949" cy="1381125"/>
+          </a:xfrm>
+          <a:prstGeom prst="rect">
+            <a:avLst/>
+          </a:prstGeom>
+        </p:spPr>
+      </p:pic>
+    </p:spTree>
+    <p:extLst>
+      <p:ext uri="{BB962C8B-B14F-4D97-AF65-F5344CB8AC3E}">
+        <p14:creationId xmlns:p14="http://schemas.microsoft.com/office/powerpoint/2010/main" val="2155915893"/>
+      </p:ext>
+    </p:extLst>
+  </p:cSld>
+  <p:clrMapOvr>
+    <a:masterClrMapping/>
+  </p:clrMapOvr>
+  <p:transition/>
+</p:sld>
+</file>
+
+<file path=ppt/slides/slide9.xml><?xml version="1.0" encoding="utf-8"?>
+<p:sld xmlns:a="http://schemas.openxmlformats.org/drawingml/2006/main" xmlns:r="http://schemas.openxmlformats.org/officeDocument/2006/relationships" xmlns:p="http://schemas.openxmlformats.org/presentationml/2006/main">
+  <p:cSld>
+    <p:spTree>
+      <p:nvGrpSpPr>
+        <p:cNvPr id="1" name=""/>
+        <p:cNvGrpSpPr/>
+        <p:nvPr/>
+      </p:nvGrpSpPr>
+      <p:grpSpPr>
+        <a:xfrm>
+          <a:off x="0" y="0"/>
+          <a:ext cx="0" cy="0"/>
+          <a:chOff x="0" y="0"/>
+          <a:chExt cx="0" cy="0"/>
+        </a:xfrm>
+      </p:grpSpPr>
+      <p:pic>
+        <p:nvPicPr>
+          <p:cNvPr id="4" name="그림 3">
+            <a:extLst>
+              <a:ext uri="{FF2B5EF4-FFF2-40B4-BE49-F238E27FC236}">
+                <a16:creationId xmlns:a16="http://schemas.microsoft.com/office/drawing/2014/main" id="{13C012C2-57CE-41AD-A12A-571D9CE8AAFD}"/>
+              </a:ext>
+            </a:extLst>
+          </p:cNvPr>
+          <p:cNvPicPr>
+            <a:picLocks noChangeAspect="1"/>
+          </p:cNvPicPr>
+          <p:nvPr/>
+        </p:nvPicPr>
+        <p:blipFill rotWithShape="1">
+          <a:blip r:embed="rId2"/>
+          <a:srcRect t="40166" b="48032"/>
+          <a:stretch/>
+        </p:blipFill>
+        <p:spPr>
+          <a:xfrm>
+            <a:off x="0" y="278965"/>
+            <a:ext cx="9144000" cy="540006"/>
+          </a:xfrm>
+          <a:prstGeom prst="rect">
+            <a:avLst/>
+          </a:prstGeom>
+        </p:spPr>
+      </p:pic>
+      <p:pic>
+        <p:nvPicPr>
+          <p:cNvPr id="6" name="그림 5">
+            <a:extLst>
+              <a:ext uri="{FF2B5EF4-FFF2-40B4-BE49-F238E27FC236}">
+                <a16:creationId xmlns:a16="http://schemas.microsoft.com/office/drawing/2014/main" id="{04CE6195-ACE7-47D2-85CB-AC0348659148}"/>
+              </a:ext>
+            </a:extLst>
+          </p:cNvPr>
+          <p:cNvPicPr>
+            <a:picLocks noChangeAspect="1"/>
+          </p:cNvPicPr>
+          <p:nvPr/>
+        </p:nvPicPr>
+        <p:blipFill>
+          <a:blip r:embed="rId3"/>
+          <a:stretch>
+            <a:fillRect/>
+          </a:stretch>
+        </p:blipFill>
+        <p:spPr>
+          <a:xfrm>
+            <a:off x="0" y="1448978"/>
+            <a:ext cx="9144000" cy="3440739"/>
           </a:xfrm>
           <a:prstGeom prst="rect">
             <a:avLst/>
@@ -7979,7 +11793,7 @@
           <p:cNvPr id="7" name="사각형: 둥근 모서리 6">
             <a:extLst>
               <a:ext uri="{FF2B5EF4-FFF2-40B4-BE49-F238E27FC236}">
-                <a16:creationId xmlns:a16="http://schemas.microsoft.com/office/drawing/2014/main" id="{4A91AAAE-96DA-C058-48A0-D3D396713BF1}"/>
+                <a16:creationId xmlns:a16="http://schemas.microsoft.com/office/drawing/2014/main" id="{17C3E043-F5F6-478F-BF9E-7044D4AD773F}"/>
               </a:ext>
             </a:extLst>
           </p:cNvPr>
@@ -7988,35 +11802,54 @@
         </p:nvSpPr>
         <p:spPr bwMode="auto">
           <a:xfrm>
-            <a:off x="1383980" y="4059007"/>
-            <a:ext cx="6210070" cy="810009"/>
+            <a:off x="2861981" y="3068996"/>
+            <a:ext cx="5940066" cy="2450728"/>
           </a:xfrm>
           <a:prstGeom prst="roundRect">
             <a:avLst/>
           </a:prstGeom>
-          <a:solidFill>
-            <a:srgbClr val="FFCC99"/>
-          </a:solidFill>
-          <a:ln w="9525" cap="flat" cmpd="sng" algn="ctr">
-            <a:noFill/>
-            <a:prstDash val="solid"/>
-            <a:round/>
+          <a:ln>
             <a:headEnd type="none" w="med" len="med"/>
             <a:tailEnd type="none" w="med" len="med"/>
           </a:ln>
-          <a:effectLst/>
+          <a:extLst>
+            <a:ext uri="{AF507438-7753-43E0-B8FC-AC1667EBCBE1}">
+              <a14:hiddenEffects xmlns:a14="http://schemas.microsoft.com/office/drawing/2010/main">
+                <a:effectLst>
+                  <a:outerShdw dist="35921" dir="2700000" algn="ctr" rotWithShape="0">
+                    <a:schemeClr val="bg2"/>
+                  </a:outerShdw>
+                </a:effectLst>
+              </a14:hiddenEffects>
+            </a:ext>
+          </a:extLst>
         </p:spPr>
+        <p:style>
+          <a:lnRef idx="2">
+            <a:schemeClr val="dk1"/>
+          </a:lnRef>
+          <a:fillRef idx="1">
+            <a:schemeClr val="lt1"/>
+          </a:fillRef>
+          <a:effectRef idx="0">
+            <a:schemeClr val="dk1"/>
+          </a:effectRef>
+          <a:fontRef idx="minor">
+            <a:schemeClr val="dk1"/>
+          </a:fontRef>
+        </p:style>
         <p:txBody>
-          <a:bodyPr vert="horz" wrap="square" lIns="91440" tIns="45720" rIns="91440" bIns="45720" numCol="1" rtlCol="0" anchor="ctr" anchorCtr="0" compatLnSpc="1">
+          <a:bodyPr rot="0" spcFirstLastPara="0" vertOverflow="overflow" horzOverflow="overflow" vert="horz" wrap="none" lIns="91440" tIns="45720" rIns="91440" bIns="45720" numCol="1" spcCol="0" rtlCol="0" fromWordArt="0" anchor="ctr" anchorCtr="0" forceAA="0" compatLnSpc="1">
             <a:prstTxWarp prst="textNoShape">
               <a:avLst/>
             </a:prstTxWarp>
+            <a:noAutofit/>
           </a:bodyPr>
           <a:lstStyle/>
           <a:p>
-            <a:pPr marL="180000" marR="0" indent="-180000" algn="l" defTabSz="914400" rtl="0" eaLnBrk="1" fontAlgn="base" latinLnBrk="0" hangingPunct="1">
+            <a:pPr marL="0" marR="0" indent="0" algn="ctr" defTabSz="914400" rtl="0" eaLnBrk="1" fontAlgn="base" latinLnBrk="0" hangingPunct="1">
               <a:lnSpc>
-                <a:spcPct val="130000"/>
+                <a:spcPct val="100000"/>
               </a:lnSpc>
               <a:spcBef>
                 <a:spcPct val="0"/>
@@ -8031,289 +11864,419 @@
               <a:tabLst/>
             </a:pPr>
             <a:r>
-              <a:rPr kumimoji="0" lang="en-US" altLang="ko-KR" sz="1400" b="1" i="0" u="none" strike="noStrike" cap="none" normalizeH="0" baseline="0" dirty="0">
-                <a:ln>
+              <a:rPr kumimoji="0" lang="ko-KR" altLang="en-US" sz="1800" b="1" i="0" u="none" strike="noStrike" spc="50" normalizeH="0" baseline="0" dirty="0">
+                <a:ln w="9525" cmpd="sng">
                   <a:noFill/>
+                  <a:prstDash val="solid"/>
                 </a:ln>
                 <a:solidFill>
                   <a:schemeClr val="tx1">
-                    <a:lumMod val="85000"/>
-                    <a:lumOff val="15000"/>
+                    <a:lumMod val="75000"/>
+                    <a:lumOff val="25000"/>
                   </a:schemeClr>
                 </a:solidFill>
                 <a:effectLst/>
-                <a:latin typeface="+mn-ea"/>
-              </a:rPr>
-              <a:t>※ </a:t>
-            </a:r>
-            <a:r>
-              <a:rPr kumimoji="0" lang="ko-KR" altLang="en-US" sz="1400" b="1" i="0" u="none" strike="noStrike" cap="none" normalizeH="0" baseline="0" dirty="0">
-                <a:ln>
+                <a:latin typeface="Arial" charset="0"/>
+              </a:rPr>
+              <a:t>산출된 </a:t>
+            </a:r>
+            <a:r>
+              <a:rPr kumimoji="0" lang="ko-KR" altLang="en-US" sz="1800" b="1" i="0" u="none" strike="noStrike" spc="50" normalizeH="0" baseline="0" dirty="0" err="1">
+                <a:ln w="9525" cmpd="sng">
                   <a:noFill/>
+                  <a:prstDash val="solid"/>
                 </a:ln>
                 <a:solidFill>
                   <a:schemeClr val="tx1">
-                    <a:lumMod val="85000"/>
-                    <a:lumOff val="15000"/>
+                    <a:lumMod val="75000"/>
+                    <a:lumOff val="25000"/>
                   </a:schemeClr>
                 </a:solidFill>
                 <a:effectLst/>
-                <a:latin typeface="+mn-ea"/>
-              </a:rPr>
-              <a:t>코딩을</a:t>
-            </a:r>
-            <a:r>
-              <a:rPr kumimoji="0" lang="en-US" altLang="ko-KR" sz="1400" b="1" i="0" u="none" strike="noStrike" cap="none" normalizeH="0" baseline="0" dirty="0">
-                <a:ln>
-                  <a:noFill/>
-                </a:ln>
-                <a:solidFill>
-                  <a:schemeClr val="tx1">
-                    <a:lumMod val="85000"/>
-                    <a:lumOff val="15000"/>
-                  </a:schemeClr>
-                </a:solidFill>
-                <a:effectLst/>
-                <a:latin typeface="+mn-ea"/>
-              </a:rPr>
-              <a:t> </a:t>
-            </a:r>
-            <a:r>
-              <a:rPr kumimoji="0" lang="ko-KR" altLang="en-US" sz="1400" b="1" i="0" u="none" strike="noStrike" cap="none" normalizeH="0" baseline="0" dirty="0">
-                <a:ln>
-                  <a:noFill/>
-                </a:ln>
-                <a:solidFill>
-                  <a:schemeClr val="tx1">
-                    <a:lumMod val="85000"/>
-                    <a:lumOff val="15000"/>
-                  </a:schemeClr>
-                </a:solidFill>
-                <a:effectLst/>
-                <a:latin typeface="+mn-ea"/>
-              </a:rPr>
-              <a:t>통해 해결해야 하는 문제의 경우</a:t>
-            </a:r>
-            <a:r>
-              <a:rPr kumimoji="0" lang="en-US" altLang="ko-KR" sz="1400" b="1" i="0" u="none" strike="noStrike" cap="none" normalizeH="0" baseline="0" dirty="0">
-                <a:ln>
-                  <a:noFill/>
-                </a:ln>
-                <a:solidFill>
-                  <a:schemeClr val="tx1">
-                    <a:lumMod val="85000"/>
-                    <a:lumOff val="15000"/>
-                  </a:schemeClr>
-                </a:solidFill>
-                <a:effectLst/>
-                <a:latin typeface="+mn-ea"/>
-              </a:rPr>
-              <a:t>, </a:t>
-            </a:r>
-            <a:r>
-              <a:rPr kumimoji="0" lang="ko-KR" altLang="en-US" sz="1400" b="1" i="0" u="none" strike="noStrike" cap="none" normalizeH="0" baseline="0" dirty="0">
-                <a:ln>
-                  <a:noFill/>
-                </a:ln>
-                <a:solidFill>
-                  <a:schemeClr val="tx1">
-                    <a:lumMod val="85000"/>
-                    <a:lumOff val="15000"/>
-                  </a:schemeClr>
-                </a:solidFill>
-                <a:effectLst/>
-                <a:latin typeface="+mn-ea"/>
-              </a:rPr>
-              <a:t>설명과 함께 코드와 결과값을 이 예시처럼 꼭 </a:t>
-            </a:r>
-            <a:r>
-              <a:rPr kumimoji="0" lang="en-US" altLang="ko-KR" sz="1400" b="1" i="0" u="none" strike="noStrike" cap="none" normalizeH="0" baseline="0" dirty="0">
-                <a:ln>
-                  <a:noFill/>
-                </a:ln>
-                <a:solidFill>
-                  <a:schemeClr val="tx1">
-                    <a:lumMod val="85000"/>
-                    <a:lumOff val="15000"/>
-                  </a:schemeClr>
-                </a:solidFill>
-                <a:effectLst/>
-                <a:latin typeface="+mn-ea"/>
-              </a:rPr>
-              <a:t>‘</a:t>
-            </a:r>
-            <a:r>
-              <a:rPr kumimoji="0" lang="ko-KR" altLang="en-US" sz="1400" b="1" i="0" u="none" strike="noStrike" cap="none" normalizeH="0" baseline="0" dirty="0">
-                <a:ln>
-                  <a:noFill/>
-                </a:ln>
-                <a:solidFill>
-                  <a:schemeClr val="tx1">
-                    <a:lumMod val="85000"/>
-                    <a:lumOff val="15000"/>
-                  </a:schemeClr>
-                </a:solidFill>
-                <a:effectLst/>
-                <a:latin typeface="+mn-ea"/>
-              </a:rPr>
-              <a:t>붙여넣기</a:t>
-            </a:r>
-            <a:r>
-              <a:rPr kumimoji="0" lang="en-US" altLang="ko-KR" sz="1400" b="1" i="0" u="none" strike="noStrike" cap="none" normalizeH="0" baseline="0" dirty="0">
-                <a:ln>
-                  <a:noFill/>
-                </a:ln>
-                <a:solidFill>
-                  <a:schemeClr val="tx1">
-                    <a:lumMod val="85000"/>
-                    <a:lumOff val="15000"/>
-                  </a:schemeClr>
-                </a:solidFill>
-                <a:effectLst/>
-                <a:latin typeface="+mn-ea"/>
-              </a:rPr>
-              <a:t>’ </a:t>
-            </a:r>
-            <a:r>
-              <a:rPr kumimoji="0" lang="ko-KR" altLang="en-US" sz="1400" b="1" i="0" u="none" strike="noStrike" cap="none" normalizeH="0" baseline="0" dirty="0">
-                <a:ln>
-                  <a:noFill/>
-                </a:ln>
-                <a:solidFill>
-                  <a:schemeClr val="tx1">
-                    <a:lumMod val="85000"/>
-                    <a:lumOff val="15000"/>
-                  </a:schemeClr>
-                </a:solidFill>
-                <a:effectLst/>
-                <a:latin typeface="+mn-ea"/>
-              </a:rPr>
-              <a:t>하시기 바랍니다</a:t>
-            </a:r>
-            <a:r>
-              <a:rPr kumimoji="0" lang="en-US" altLang="ko-KR" sz="1400" b="1" i="0" u="none" strike="noStrike" cap="none" normalizeH="0" baseline="0" dirty="0">
-                <a:ln>
-                  <a:noFill/>
-                </a:ln>
-                <a:solidFill>
-                  <a:schemeClr val="tx1">
-                    <a:lumMod val="85000"/>
-                    <a:lumOff val="15000"/>
-                  </a:schemeClr>
-                </a:solidFill>
-                <a:effectLst/>
-                <a:latin typeface="+mn-ea"/>
-              </a:rPr>
-              <a:t>.</a:t>
-            </a:r>
-            <a:r>
-              <a:rPr kumimoji="0" lang="ko-KR" altLang="en-US" sz="1400" b="1" i="0" u="none" strike="noStrike" cap="none" normalizeH="0" baseline="0" dirty="0">
-                <a:ln>
-                  <a:noFill/>
-                </a:ln>
-                <a:solidFill>
-                  <a:schemeClr val="tx1">
-                    <a:lumMod val="85000"/>
-                    <a:lumOff val="15000"/>
-                  </a:schemeClr>
-                </a:solidFill>
-                <a:effectLst/>
-                <a:latin typeface="+mn-ea"/>
-              </a:rPr>
-              <a:t> </a:t>
-            </a:r>
-            <a:r>
-              <a:rPr kumimoji="0" lang="en-US" altLang="ko-KR" sz="1400" b="1" i="0" u="none" strike="noStrike" cap="none" normalizeH="0" baseline="0" dirty="0">
-                <a:ln>
-                  <a:noFill/>
-                </a:ln>
-                <a:solidFill>
-                  <a:schemeClr val="tx1">
-                    <a:lumMod val="85000"/>
-                    <a:lumOff val="15000"/>
-                  </a:schemeClr>
-                </a:solidFill>
-                <a:effectLst/>
-                <a:latin typeface="+mn-ea"/>
-              </a:rPr>
-              <a:t>(</a:t>
-            </a:r>
-            <a:r>
-              <a:rPr kumimoji="0" lang="ko-KR" altLang="en-US" sz="1400" b="1" i="0" u="none" strike="noStrike" cap="none" normalizeH="0" baseline="0" dirty="0">
-                <a:ln>
-                  <a:noFill/>
-                </a:ln>
-                <a:solidFill>
-                  <a:schemeClr val="tx1">
-                    <a:lumMod val="85000"/>
-                    <a:lumOff val="15000"/>
-                  </a:schemeClr>
-                </a:solidFill>
-                <a:effectLst/>
-                <a:latin typeface="+mn-ea"/>
-              </a:rPr>
-              <a:t>코드</a:t>
-            </a:r>
-            <a:r>
-              <a:rPr kumimoji="0" lang="en-US" altLang="ko-KR" sz="1400" b="1" i="0" u="none" strike="noStrike" cap="none" normalizeH="0" baseline="0" dirty="0">
-                <a:ln>
-                  <a:noFill/>
-                </a:ln>
-                <a:solidFill>
-                  <a:schemeClr val="tx1">
-                    <a:lumMod val="85000"/>
-                    <a:lumOff val="15000"/>
-                  </a:schemeClr>
-                </a:solidFill>
-                <a:effectLst/>
-                <a:latin typeface="+mn-ea"/>
-              </a:rPr>
-              <a:t> </a:t>
-            </a:r>
-            <a:r>
-              <a:rPr kumimoji="0" lang="ko-KR" altLang="en-US" sz="1400" b="1" i="0" u="none" strike="noStrike" cap="none" normalizeH="0" baseline="0" dirty="0">
-                <a:ln>
-                  <a:noFill/>
-                </a:ln>
-                <a:solidFill>
-                  <a:schemeClr val="tx1">
-                    <a:lumMod val="85000"/>
-                    <a:lumOff val="15000"/>
-                  </a:schemeClr>
-                </a:solidFill>
-                <a:effectLst/>
-                <a:latin typeface="+mn-ea"/>
-              </a:rPr>
-              <a:t>별도 제출 없음</a:t>
-            </a:r>
-            <a:r>
-              <a:rPr kumimoji="0" lang="en-US" altLang="ko-KR" sz="1400" b="1" i="0" u="none" strike="noStrike" cap="none" normalizeH="0" baseline="0" dirty="0">
-                <a:ln>
-                  <a:noFill/>
-                </a:ln>
-                <a:solidFill>
-                  <a:schemeClr val="tx1">
-                    <a:lumMod val="85000"/>
-                    <a:lumOff val="15000"/>
-                  </a:schemeClr>
-                </a:solidFill>
-                <a:effectLst/>
-                <a:latin typeface="+mn-ea"/>
-              </a:rPr>
-              <a:t>)</a:t>
-            </a:r>
-            <a:endParaRPr kumimoji="0" lang="ko-KR" altLang="en-US" sz="1400" b="1" i="0" u="none" strike="noStrike" cap="none" normalizeH="0" baseline="0" dirty="0">
-              <a:ln>
+                <a:latin typeface="Arial" charset="0"/>
+              </a:rPr>
+              <a:t>회귀식</a:t>
+            </a:r>
+            <a:endParaRPr kumimoji="0" lang="en-US" altLang="ko-KR" sz="1800" b="1" i="0" u="none" strike="noStrike" spc="50" normalizeH="0" baseline="0" dirty="0">
+              <a:ln w="9525" cmpd="sng">
                 <a:noFill/>
+                <a:prstDash val="solid"/>
               </a:ln>
               <a:solidFill>
                 <a:schemeClr val="tx1">
-                  <a:lumMod val="85000"/>
-                  <a:lumOff val="15000"/>
+                  <a:lumMod val="75000"/>
+                  <a:lumOff val="25000"/>
                 </a:schemeClr>
               </a:solidFill>
               <a:effectLst/>
-              <a:latin typeface="+mn-ea"/>
+              <a:latin typeface="Arial" charset="0"/>
+            </a:endParaRPr>
+          </a:p>
+          <a:p>
+            <a:pPr marL="0" marR="0" indent="0" algn="ctr" defTabSz="914400" rtl="0" eaLnBrk="1" fontAlgn="base" latinLnBrk="0" hangingPunct="1">
+              <a:lnSpc>
+                <a:spcPct val="100000"/>
+              </a:lnSpc>
+              <a:spcBef>
+                <a:spcPct val="0"/>
+              </a:spcBef>
+              <a:spcAft>
+                <a:spcPct val="0"/>
+              </a:spcAft>
+              <a:buClrTx/>
+              <a:buSzTx/>
+              <a:buFontTx/>
+              <a:buNone/>
+              <a:tabLst/>
+            </a:pPr>
+            <a:endParaRPr lang="en-US" altLang="ko-KR" b="1" spc="50" dirty="0">
+              <a:ln w="9525" cmpd="sng">
+                <a:noFill/>
+                <a:prstDash val="solid"/>
+              </a:ln>
+              <a:solidFill>
+                <a:schemeClr val="tx1">
+                  <a:lumMod val="75000"/>
+                  <a:lumOff val="25000"/>
+                </a:schemeClr>
+              </a:solidFill>
+              <a:effectLst/>
+              <a:latin typeface="Arial" charset="0"/>
+            </a:endParaRPr>
+          </a:p>
+          <a:p>
+            <a:pPr marL="0" marR="0" indent="0" algn="ctr" defTabSz="914400" rtl="0" eaLnBrk="1" fontAlgn="base" latinLnBrk="0" hangingPunct="1">
+              <a:lnSpc>
+                <a:spcPct val="100000"/>
+              </a:lnSpc>
+              <a:spcBef>
+                <a:spcPct val="0"/>
+              </a:spcBef>
+              <a:spcAft>
+                <a:spcPct val="0"/>
+              </a:spcAft>
+              <a:buClrTx/>
+              <a:buSzTx/>
+              <a:buFontTx/>
+              <a:buNone/>
+              <a:tabLst/>
+            </a:pPr>
+            <a:r>
+              <a:rPr lang="ko-KR" altLang="en-US" b="1" spc="50" dirty="0">
+                <a:ln w="9525" cmpd="sng">
+                  <a:noFill/>
+                  <a:prstDash val="solid"/>
+                </a:ln>
+                <a:solidFill>
+                  <a:schemeClr val="tx1">
+                    <a:lumMod val="75000"/>
+                    <a:lumOff val="25000"/>
+                  </a:schemeClr>
+                </a:solidFill>
+                <a:effectLst/>
+                <a:latin typeface="Arial" charset="0"/>
+              </a:rPr>
+              <a:t>예상</a:t>
+            </a:r>
+            <a:r>
+              <a:rPr lang="en-US" altLang="ko-KR" b="1" spc="50" dirty="0">
+                <a:ln w="9525" cmpd="sng">
+                  <a:noFill/>
+                  <a:prstDash val="solid"/>
+                </a:ln>
+                <a:solidFill>
+                  <a:schemeClr val="tx1">
+                    <a:lumMod val="75000"/>
+                    <a:lumOff val="25000"/>
+                  </a:schemeClr>
+                </a:solidFill>
+                <a:effectLst/>
+                <a:latin typeface="Arial" charset="0"/>
+              </a:rPr>
+              <a:t>Spending = 10.17 -4.62xUS + 91.27xFreq </a:t>
+            </a:r>
+          </a:p>
+          <a:p>
+            <a:pPr marL="0" marR="0" indent="0" algn="ctr" defTabSz="914400" rtl="0" eaLnBrk="1" fontAlgn="base" latinLnBrk="0" hangingPunct="1">
+              <a:lnSpc>
+                <a:spcPct val="100000"/>
+              </a:lnSpc>
+              <a:spcBef>
+                <a:spcPct val="0"/>
+              </a:spcBef>
+              <a:spcAft>
+                <a:spcPct val="0"/>
+              </a:spcAft>
+              <a:buClrTx/>
+              <a:buSzTx/>
+              <a:buFontTx/>
+              <a:buNone/>
+              <a:tabLst/>
+            </a:pPr>
+            <a:r>
+              <a:rPr lang="en-US" altLang="ko-KR" b="1" spc="50" dirty="0">
+                <a:ln w="9525" cmpd="sng">
+                  <a:noFill/>
+                  <a:prstDash val="solid"/>
+                </a:ln>
+                <a:solidFill>
+                  <a:schemeClr val="tx1">
+                    <a:lumMod val="75000"/>
+                    <a:lumOff val="25000"/>
+                  </a:schemeClr>
+                </a:solidFill>
+                <a:effectLst/>
+                <a:latin typeface="Arial" charset="0"/>
+              </a:rPr>
+              <a:t>-0.01xdays + 18.62xWeb_order -9.11xGender</a:t>
+            </a:r>
+          </a:p>
+          <a:p>
+            <a:pPr marL="0" marR="0" indent="0" algn="ctr" defTabSz="914400" rtl="0" eaLnBrk="1" fontAlgn="base" latinLnBrk="0" hangingPunct="1">
+              <a:lnSpc>
+                <a:spcPct val="100000"/>
+              </a:lnSpc>
+              <a:spcBef>
+                <a:spcPct val="0"/>
+              </a:spcBef>
+              <a:spcAft>
+                <a:spcPct val="0"/>
+              </a:spcAft>
+              <a:buClrTx/>
+              <a:buSzTx/>
+              <a:buFontTx/>
+              <a:buNone/>
+              <a:tabLst/>
+            </a:pPr>
+            <a:r>
+              <a:rPr kumimoji="0" lang="en-US" altLang="ko-KR" sz="1800" b="1" i="0" u="none" strike="noStrike" spc="50" normalizeH="0" baseline="0" dirty="0">
+                <a:ln w="9525" cmpd="sng">
+                  <a:noFill/>
+                  <a:prstDash val="solid"/>
+                </a:ln>
+                <a:solidFill>
+                  <a:schemeClr val="tx1">
+                    <a:lumMod val="75000"/>
+                    <a:lumOff val="25000"/>
+                  </a:schemeClr>
+                </a:solidFill>
+                <a:effectLst/>
+                <a:latin typeface="Arial" charset="0"/>
+              </a:rPr>
+              <a:t>-75.81xAddress</a:t>
+            </a:r>
+          </a:p>
+          <a:p>
+            <a:pPr marL="0" marR="0" indent="0" algn="ctr" defTabSz="914400" rtl="0" eaLnBrk="1" fontAlgn="base" latinLnBrk="0" hangingPunct="1">
+              <a:lnSpc>
+                <a:spcPct val="100000"/>
+              </a:lnSpc>
+              <a:spcBef>
+                <a:spcPct val="0"/>
+              </a:spcBef>
+              <a:spcAft>
+                <a:spcPct val="0"/>
+              </a:spcAft>
+              <a:buClrTx/>
+              <a:buSzTx/>
+              <a:buFontTx/>
+              <a:buNone/>
+              <a:tabLst/>
+            </a:pPr>
+            <a:endParaRPr lang="en-US" altLang="ko-KR" b="1" spc="50" dirty="0">
+              <a:ln w="9525" cmpd="sng">
+                <a:noFill/>
+                <a:prstDash val="solid"/>
+              </a:ln>
+              <a:solidFill>
+                <a:schemeClr val="tx1">
+                  <a:lumMod val="75000"/>
+                  <a:lumOff val="25000"/>
+                </a:schemeClr>
+              </a:solidFill>
+              <a:effectLst/>
+              <a:latin typeface="Arial" charset="0"/>
+            </a:endParaRPr>
+          </a:p>
+          <a:p>
+            <a:pPr marL="0" marR="0" indent="0" algn="ctr" defTabSz="914400" rtl="0" eaLnBrk="1" fontAlgn="base" latinLnBrk="0" hangingPunct="1">
+              <a:lnSpc>
+                <a:spcPct val="100000"/>
+              </a:lnSpc>
+              <a:spcBef>
+                <a:spcPct val="0"/>
+              </a:spcBef>
+              <a:spcAft>
+                <a:spcPct val="0"/>
+              </a:spcAft>
+              <a:buClrTx/>
+              <a:buSzTx/>
+              <a:buFontTx/>
+              <a:buNone/>
+              <a:tabLst/>
+            </a:pPr>
+            <a:endParaRPr kumimoji="0" lang="en-US" altLang="ko-KR" sz="1800" b="1" i="0" u="none" strike="noStrike" spc="50" normalizeH="0" baseline="0" dirty="0">
+              <a:ln w="9525" cmpd="sng">
+                <a:noFill/>
+                <a:prstDash val="solid"/>
+              </a:ln>
+              <a:solidFill>
+                <a:schemeClr val="tx1">
+                  <a:lumMod val="75000"/>
+                  <a:lumOff val="25000"/>
+                </a:schemeClr>
+              </a:solidFill>
+              <a:effectLst/>
+              <a:latin typeface="Arial" charset="0"/>
+            </a:endParaRPr>
+          </a:p>
+          <a:p>
+            <a:pPr marL="0" marR="0" indent="0" algn="ctr" defTabSz="914400" rtl="0" eaLnBrk="1" fontAlgn="base" latinLnBrk="0" hangingPunct="1">
+              <a:lnSpc>
+                <a:spcPct val="100000"/>
+              </a:lnSpc>
+              <a:spcBef>
+                <a:spcPct val="0"/>
+              </a:spcBef>
+              <a:spcAft>
+                <a:spcPct val="0"/>
+              </a:spcAft>
+              <a:buClrTx/>
+              <a:buSzTx/>
+              <a:buFontTx/>
+              <a:buNone/>
+              <a:tabLst/>
+            </a:pPr>
+            <a:endParaRPr kumimoji="0" lang="en-US" altLang="ko-KR" sz="1800" b="1" i="0" u="none" strike="noStrike" spc="50" normalizeH="0" baseline="0" dirty="0">
+              <a:ln w="9525" cmpd="sng">
+                <a:noFill/>
+                <a:prstDash val="solid"/>
+              </a:ln>
+              <a:solidFill>
+                <a:schemeClr val="tx1">
+                  <a:lumMod val="75000"/>
+                  <a:lumOff val="25000"/>
+                </a:schemeClr>
+              </a:solidFill>
+              <a:effectLst/>
+              <a:latin typeface="Arial" charset="0"/>
+            </a:endParaRPr>
+          </a:p>
+        </p:txBody>
+      </p:sp>
+      <p:sp>
+        <p:nvSpPr>
+          <p:cNvPr id="8" name="TextBox 7">
+            <a:extLst>
+              <a:ext uri="{FF2B5EF4-FFF2-40B4-BE49-F238E27FC236}">
+                <a16:creationId xmlns:a16="http://schemas.microsoft.com/office/drawing/2014/main" id="{8AFCDD59-D6AE-4D32-B35E-6D21C9BB4570}"/>
+              </a:ext>
+            </a:extLst>
+          </p:cNvPr>
+          <p:cNvSpPr txBox="1"/>
+          <p:nvPr/>
+        </p:nvSpPr>
+        <p:spPr>
+          <a:xfrm>
+            <a:off x="5975351" y="4889717"/>
+            <a:ext cx="2466691" cy="461665"/>
+          </a:xfrm>
+          <a:prstGeom prst="rect">
+            <a:avLst/>
+          </a:prstGeom>
+          <a:noFill/>
+        </p:spPr>
+        <p:txBody>
+          <a:bodyPr wrap="square" rtlCol="0">
+            <a:spAutoFit/>
+          </a:bodyPr>
+          <a:lstStyle/>
+          <a:p>
+            <a:r>
+              <a:rPr lang="en-US" altLang="ko-KR" sz="1200" dirty="0">
+                <a:solidFill>
+                  <a:schemeClr val="tx1"/>
+                </a:solidFill>
+                <a:latin typeface="+mj-ea"/>
+                <a:ea typeface="+mj-ea"/>
+              </a:rPr>
+              <a:t>days</a:t>
+            </a:r>
+            <a:r>
+              <a:rPr lang="ko-KR" altLang="en-US" sz="1200" dirty="0">
+                <a:solidFill>
+                  <a:schemeClr val="tx1"/>
+                </a:solidFill>
+                <a:latin typeface="+mj-ea"/>
+                <a:ea typeface="+mj-ea"/>
+              </a:rPr>
+              <a:t> </a:t>
+            </a:r>
+            <a:r>
+              <a:rPr lang="en-US" altLang="ko-KR" sz="1200" dirty="0">
+                <a:solidFill>
+                  <a:schemeClr val="tx1"/>
+                </a:solidFill>
+                <a:latin typeface="+mj-ea"/>
+                <a:ea typeface="+mj-ea"/>
+              </a:rPr>
+              <a:t>:</a:t>
+            </a:r>
+            <a:r>
+              <a:rPr lang="ko-KR" altLang="en-US" sz="1200" dirty="0">
+                <a:solidFill>
+                  <a:schemeClr val="tx1"/>
+                </a:solidFill>
+                <a:latin typeface="+mj-ea"/>
+                <a:ea typeface="+mj-ea"/>
+              </a:rPr>
+              <a:t> </a:t>
+            </a:r>
+            <a:r>
+              <a:rPr lang="en-US" altLang="ko-KR" sz="1200" dirty="0" err="1">
+                <a:solidFill>
+                  <a:schemeClr val="tx1"/>
+                </a:solidFill>
+                <a:latin typeface="+mj-ea"/>
+                <a:ea typeface="+mj-ea"/>
+              </a:rPr>
+              <a:t>last_update_days_ago</a:t>
+            </a:r>
+            <a:endParaRPr lang="en-US" altLang="ko-KR" sz="1200" dirty="0">
+              <a:solidFill>
+                <a:schemeClr val="tx1"/>
+              </a:solidFill>
+              <a:latin typeface="+mj-ea"/>
+              <a:ea typeface="+mj-ea"/>
+            </a:endParaRPr>
+          </a:p>
+          <a:p>
+            <a:r>
+              <a:rPr lang="en-US" altLang="ko-KR" sz="1200" dirty="0">
+                <a:solidFill>
+                  <a:schemeClr val="tx1"/>
+                </a:solidFill>
+                <a:latin typeface="+mj-ea"/>
+                <a:ea typeface="+mj-ea"/>
+              </a:rPr>
+              <a:t>Address : </a:t>
+            </a:r>
+            <a:r>
+              <a:rPr lang="en-US" altLang="ko-KR" sz="1200" dirty="0" err="1">
+                <a:solidFill>
+                  <a:schemeClr val="tx1"/>
+                </a:solidFill>
+                <a:latin typeface="+mj-ea"/>
+                <a:ea typeface="+mj-ea"/>
+              </a:rPr>
+              <a:t>Address_is_res</a:t>
+            </a:r>
+            <a:endParaRPr lang="ko-KR" altLang="en-US" sz="1200" dirty="0">
+              <a:solidFill>
+                <a:schemeClr val="tx1"/>
+              </a:solidFill>
+              <a:latin typeface="+mj-ea"/>
+              <a:ea typeface="+mj-ea"/>
             </a:endParaRPr>
           </a:p>
         </p:txBody>
@@ -8321,14 +12284,14 @@
     </p:spTree>
     <p:extLst>
       <p:ext uri="{BB962C8B-B14F-4D97-AF65-F5344CB8AC3E}">
-        <p14:creationId xmlns:p14="http://schemas.microsoft.com/office/powerpoint/2010/main" val="2618055445"/>
+        <p14:creationId xmlns:p14="http://schemas.microsoft.com/office/powerpoint/2010/main" val="2037176328"/>
       </p:ext>
     </p:extLst>
   </p:cSld>
   <p:clrMapOvr>
     <a:masterClrMapping/>
   </p:clrMapOvr>
-  <p:transition advTm="159184"/>
+  <p:transition/>
 </p:sld>
 </file>
 
@@ -9416,6 +13379,21 @@
 </file>
 
 <file path=customXml/item1.xml><?xml version="1.0" encoding="utf-8"?>
+<p:properties xmlns:p="http://schemas.microsoft.com/office/2006/metadata/properties" xmlns:xsi="http://www.w3.org/2001/XMLSchema-instance" xmlns:pc="http://schemas.microsoft.com/office/infopath/2007/PartnerControls">
+  <documentManagement/>
+</p:properties>
+</file>
+
+<file path=customXml/item2.xml><?xml version="1.0" encoding="utf-8"?>
+<?mso-contentType ?>
+<FormTemplates xmlns="http://schemas.microsoft.com/sharepoint/v3/contenttype/forms">
+  <Display>DocumentLibraryForm</Display>
+  <Edit>DocumentLibraryForm</Edit>
+  <New>DocumentLibraryForm</New>
+</FormTemplates>
+</file>
+
+<file path=customXml/item3.xml><?xml version="1.0" encoding="utf-8"?>
 <ct:contentTypeSchema xmlns:ct="http://schemas.microsoft.com/office/2006/metadata/contentType" xmlns:ma="http://schemas.microsoft.com/office/2006/metadata/properties/metaAttributes" ct:_="" ma:_="" ma:contentTypeName="문서" ma:contentTypeID="0x01010048E678091357F24E8F48B77CA27B8190" ma:contentTypeVersion="13" ma:contentTypeDescription="새 문서를 만듭니다." ma:contentTypeScope="" ma:versionID="8f56fd7f689ce8c4e9cc7557b2243415">
   <xsd:schema xmlns:xsd="http://www.w3.org/2001/XMLSchema" xmlns:xs="http://www.w3.org/2001/XMLSchema" xmlns:p="http://schemas.microsoft.com/office/2006/metadata/properties" xmlns:ns2="df922d41-91bf-45f8-8b2c-e1591bc010d5" xmlns:ns3="ad4f9fb4-0e06-43e2-8892-d19b32436ccd" targetNamespace="http://schemas.microsoft.com/office/2006/metadata/properties" ma:root="true" ma:fieldsID="8e09176fa42ed14ec2a885492b4aa618" ns2:_="" ns3:_="">
     <xsd:import namespace="df922d41-91bf-45f8-8b2c-e1591bc010d5"/>
@@ -9638,22 +13616,32 @@
 </ct:contentTypeSchema>
 </file>
 
-<file path=customXml/item2.xml><?xml version="1.0" encoding="utf-8"?>
-<?mso-contentType ?>
-<FormTemplates xmlns="http://schemas.microsoft.com/sharepoint/v3/contenttype/forms">
-  <Display>DocumentLibraryForm</Display>
-  <Edit>DocumentLibraryForm</Edit>
-  <New>DocumentLibraryForm</New>
-</FormTemplates>
+<file path=customXml/itemProps1.xml><?xml version="1.0" encoding="utf-8"?>
+<ds:datastoreItem xmlns:ds="http://schemas.openxmlformats.org/officeDocument/2006/customXml" ds:itemID="{353D9FF3-BD5B-4FDF-93A5-04CCE2E36E6A}">
+  <ds:schemaRefs>
+    <ds:schemaRef ds:uri="http://www.w3.org/XML/1998/namespace"/>
+    <ds:schemaRef ds:uri="http://schemas.openxmlformats.org/package/2006/metadata/core-properties"/>
+    <ds:schemaRef ds:uri="http://schemas.microsoft.com/office/2006/documentManagement/types"/>
+    <ds:schemaRef ds:uri="http://schemas.microsoft.com/office/infopath/2007/PartnerControls"/>
+    <ds:schemaRef ds:uri="http://purl.org/dc/dcmitype/"/>
+    <ds:schemaRef ds:uri="http://purl.org/dc/elements/1.1/"/>
+    <ds:schemaRef ds:uri="df922d41-91bf-45f8-8b2c-e1591bc010d5"/>
+    <ds:schemaRef ds:uri="ad4f9fb4-0e06-43e2-8892-d19b32436ccd"/>
+    <ds:schemaRef ds:uri="http://schemas.microsoft.com/office/2006/metadata/properties"/>
+    <ds:schemaRef ds:uri="http://purl.org/dc/terms/"/>
+  </ds:schemaRefs>
+</ds:datastoreItem>
 </file>
 
-<file path=customXml/item3.xml><?xml version="1.0" encoding="utf-8"?>
-<p:properties xmlns:p="http://schemas.microsoft.com/office/2006/metadata/properties" xmlns:xsi="http://www.w3.org/2001/XMLSchema-instance" xmlns:pc="http://schemas.microsoft.com/office/infopath/2007/PartnerControls">
-  <documentManagement/>
-</p:properties>
+<file path=customXml/itemProps2.xml><?xml version="1.0" encoding="utf-8"?>
+<ds:datastoreItem xmlns:ds="http://schemas.openxmlformats.org/officeDocument/2006/customXml" ds:itemID="{B9C19A0C-75D1-4401-8263-08FD287577E3}">
+  <ds:schemaRefs>
+    <ds:schemaRef ds:uri="http://schemas.microsoft.com/sharepoint/v3/contenttype/forms"/>
+  </ds:schemaRefs>
+</ds:datastoreItem>
 </file>
 
-<file path=customXml/itemProps1.xml><?xml version="1.0" encoding="utf-8"?>
+<file path=customXml/itemProps3.xml><?xml version="1.0" encoding="utf-8"?>
 <ds:datastoreItem xmlns:ds="http://schemas.openxmlformats.org/officeDocument/2006/customXml" ds:itemID="{46E6F837-4AA1-4FD8-A15B-14437577357C}">
   <ds:schemaRefs>
     <ds:schemaRef ds:uri="http://schemas.microsoft.com/office/2006/metadata/contentType"/>
@@ -9670,29 +13658,4 @@
     <ds:schemaRef ds:uri="http://schemas.microsoft.com/internal/obd"/>
   </ds:schemaRefs>
 </ds:datastoreItem>
-</file>
-
-<file path=customXml/itemProps2.xml><?xml version="1.0" encoding="utf-8"?>
-<ds:datastoreItem xmlns:ds="http://schemas.openxmlformats.org/officeDocument/2006/customXml" ds:itemID="{B9C19A0C-75D1-4401-8263-08FD287577E3}">
-  <ds:schemaRefs>
-    <ds:schemaRef ds:uri="http://schemas.microsoft.com/sharepoint/v3/contenttype/forms"/>
-  </ds:schemaRefs>
-</ds:datastoreItem>
-</file>
-
-<file path=customXml/itemProps3.xml><?xml version="1.0" encoding="utf-8"?>
-<ds:datastoreItem xmlns:ds="http://schemas.openxmlformats.org/officeDocument/2006/customXml" ds:itemID="{353D9FF3-BD5B-4FDF-93A5-04CCE2E36E6A}">
-  <ds:schemaRefs>
-    <ds:schemaRef ds:uri="http://www.w3.org/XML/1998/namespace"/>
-    <ds:schemaRef ds:uri="http://schemas.openxmlformats.org/package/2006/metadata/core-properties"/>
-    <ds:schemaRef ds:uri="http://schemas.microsoft.com/office/2006/documentManagement/types"/>
-    <ds:schemaRef ds:uri="http://schemas.microsoft.com/office/infopath/2007/PartnerControls"/>
-    <ds:schemaRef ds:uri="http://purl.org/dc/dcmitype/"/>
-    <ds:schemaRef ds:uri="http://purl.org/dc/elements/1.1/"/>
-    <ds:schemaRef ds:uri="df922d41-91bf-45f8-8b2c-e1591bc010d5"/>
-    <ds:schemaRef ds:uri="ad4f9fb4-0e06-43e2-8892-d19b32436ccd"/>
-    <ds:schemaRef ds:uri="http://schemas.microsoft.com/office/2006/metadata/properties"/>
-    <ds:schemaRef ds:uri="http://purl.org/dc/terms/"/>
-  </ds:schemaRefs>
-</ds:datastoreItem>
 </file>
--- a/[데이터마이닝]_Project(mid)_20230410_임강혁.pptx
+++ b/[데이터마이닝]_Project(mid)_20230410_임강혁.pptx
@@ -3327,7 +3327,7 @@
         <p:spPr>
           <a:xfrm>
             <a:off x="6732024" y="5589024"/>
-            <a:ext cx="1962397" cy="338554"/>
+            <a:ext cx="2076209" cy="338554"/>
           </a:xfrm>
           <a:prstGeom prst="rect">
             <a:avLst/>
@@ -3342,13 +3342,13 @@
           <a:p>
             <a:pPr algn="l"/>
             <a:r>
-              <a:rPr lang="ko-KR" altLang="en-US" sz="1600" dirty="0">
+              <a:rPr lang="ko-KR" altLang="en-US" sz="1600" dirty="0" err="1">
                 <a:solidFill>
                   <a:srgbClr val="002060"/>
                 </a:solidFill>
                 <a:ea typeface="맑은 고딕" panose="020B0503020000020004" pitchFamily="50" charset="-127"/>
               </a:rPr>
-              <a:t>김철수</a:t>
+              <a:t>임강혁</a:t>
             </a:r>
             <a:r>
               <a:rPr lang="en-US" altLang="ko-KR" sz="1600" dirty="0">
@@ -3357,7 +3357,7 @@
                 </a:solidFill>
                 <a:ea typeface="맑은 고딕" panose="020B0503020000020004" pitchFamily="50" charset="-127"/>
               </a:rPr>
-              <a:t>(202200000)</a:t>
+              <a:t>(2022254027)</a:t>
             </a:r>
           </a:p>
         </p:txBody>
@@ -5035,7 +5035,6 @@
             <a:tailEnd type="none" w="med" len="med"/>
           </a:ln>
           <a:effectLst/>
-          <a:extLst/>
         </p:spPr>
         <p:txBody>
           <a:bodyPr vert="horz" wrap="none" lIns="91440" tIns="45720" rIns="91440" bIns="45720" numCol="1" rtlCol="0" anchor="ctr" anchorCtr="0" compatLnSpc="1">
@@ -5105,7 +5104,6 @@
             <a:tailEnd type="none" w="med" len="med"/>
           </a:ln>
           <a:effectLst/>
-          <a:extLst/>
         </p:spPr>
         <p:txBody>
           <a:bodyPr vert="horz" wrap="none" lIns="91440" tIns="45720" rIns="91440" bIns="45720" numCol="1" rtlCol="0" anchor="ctr" anchorCtr="0" compatLnSpc="1">
@@ -5175,7 +5173,6 @@
             <a:tailEnd type="none" w="med" len="med"/>
           </a:ln>
           <a:effectLst/>
-          <a:extLst/>
         </p:spPr>
         <p:txBody>
           <a:bodyPr vert="horz" wrap="none" lIns="91440" tIns="45720" rIns="91440" bIns="45720" numCol="1" rtlCol="0" anchor="ctr" anchorCtr="0" compatLnSpc="1">
@@ -13379,18 +13376,18 @@
 </file>
 
 <file path=customXml/item1.xml><?xml version="1.0" encoding="utf-8"?>
-<p:properties xmlns:p="http://schemas.microsoft.com/office/2006/metadata/properties" xmlns:xsi="http://www.w3.org/2001/XMLSchema-instance" xmlns:pc="http://schemas.microsoft.com/office/infopath/2007/PartnerControls">
-  <documentManagement/>
-</p:properties>
-</file>
-
-<file path=customXml/item2.xml><?xml version="1.0" encoding="utf-8"?>
 <?mso-contentType ?>
 <FormTemplates xmlns="http://schemas.microsoft.com/sharepoint/v3/contenttype/forms">
   <Display>DocumentLibraryForm</Display>
   <Edit>DocumentLibraryForm</Edit>
   <New>DocumentLibraryForm</New>
 </FormTemplates>
+</file>
+
+<file path=customXml/item2.xml><?xml version="1.0" encoding="utf-8"?>
+<p:properties xmlns:p="http://schemas.microsoft.com/office/2006/metadata/properties" xmlns:xsi="http://www.w3.org/2001/XMLSchema-instance" xmlns:pc="http://schemas.microsoft.com/office/infopath/2007/PartnerControls">
+  <documentManagement/>
+</p:properties>
 </file>
 
 <file path=customXml/item3.xml><?xml version="1.0" encoding="utf-8"?>
@@ -13617,6 +13614,14 @@
 </file>
 
 <file path=customXml/itemProps1.xml><?xml version="1.0" encoding="utf-8"?>
+<ds:datastoreItem xmlns:ds="http://schemas.openxmlformats.org/officeDocument/2006/customXml" ds:itemID="{B9C19A0C-75D1-4401-8263-08FD287577E3}">
+  <ds:schemaRefs>
+    <ds:schemaRef ds:uri="http://schemas.microsoft.com/sharepoint/v3/contenttype/forms"/>
+  </ds:schemaRefs>
+</ds:datastoreItem>
+</file>
+
+<file path=customXml/itemProps2.xml><?xml version="1.0" encoding="utf-8"?>
 <ds:datastoreItem xmlns:ds="http://schemas.openxmlformats.org/officeDocument/2006/customXml" ds:itemID="{353D9FF3-BD5B-4FDF-93A5-04CCE2E36E6A}">
   <ds:schemaRefs>
     <ds:schemaRef ds:uri="http://www.w3.org/XML/1998/namespace"/>
@@ -13629,14 +13634,6 @@
     <ds:schemaRef ds:uri="ad4f9fb4-0e06-43e2-8892-d19b32436ccd"/>
     <ds:schemaRef ds:uri="http://schemas.microsoft.com/office/2006/metadata/properties"/>
     <ds:schemaRef ds:uri="http://purl.org/dc/terms/"/>
-  </ds:schemaRefs>
-</ds:datastoreItem>
-</file>
-
-<file path=customXml/itemProps2.xml><?xml version="1.0" encoding="utf-8"?>
-<ds:datastoreItem xmlns:ds="http://schemas.openxmlformats.org/officeDocument/2006/customXml" ds:itemID="{B9C19A0C-75D1-4401-8263-08FD287577E3}">
-  <ds:schemaRefs>
-    <ds:schemaRef ds:uri="http://schemas.microsoft.com/sharepoint/v3/contenttype/forms"/>
   </ds:schemaRefs>
 </ds:datastoreItem>
 </file>
